--- a/study-thread/doc/Java多线程与锁.pptx
+++ b/study-thread/doc/Java多线程与锁.pptx
@@ -5,48 +5,43 @@
     <p:sldMasterId id="2147483648" r:id="rId1"/>
   </p:sldMasterIdLst>
   <p:notesMasterIdLst>
-    <p:notesMasterId r:id="rId38"/>
+    <p:notesMasterId r:id="rId33"/>
   </p:notesMasterIdLst>
   <p:handoutMasterIdLst>
-    <p:handoutMasterId r:id="rId39"/>
+    <p:handoutMasterId r:id="rId34"/>
   </p:handoutMasterIdLst>
   <p:sldIdLst>
     <p:sldId id="256" r:id="rId2"/>
     <p:sldId id="262" r:id="rId3"/>
     <p:sldId id="257" r:id="rId4"/>
     <p:sldId id="270" r:id="rId5"/>
-    <p:sldId id="269" r:id="rId6"/>
-    <p:sldId id="267" r:id="rId7"/>
-    <p:sldId id="268" r:id="rId8"/>
-    <p:sldId id="279" r:id="rId9"/>
-    <p:sldId id="271" r:id="rId10"/>
-    <p:sldId id="280" r:id="rId11"/>
-    <p:sldId id="272" r:id="rId12"/>
-    <p:sldId id="281" r:id="rId13"/>
-    <p:sldId id="282" r:id="rId14"/>
-    <p:sldId id="283" r:id="rId15"/>
-    <p:sldId id="284" r:id="rId16"/>
-    <p:sldId id="285" r:id="rId17"/>
-    <p:sldId id="286" r:id="rId18"/>
-    <p:sldId id="287" r:id="rId19"/>
-    <p:sldId id="288" r:id="rId20"/>
-    <p:sldId id="289" r:id="rId21"/>
-    <p:sldId id="290" r:id="rId22"/>
-    <p:sldId id="293" r:id="rId23"/>
-    <p:sldId id="291" r:id="rId24"/>
-    <p:sldId id="292" r:id="rId25"/>
-    <p:sldId id="294" r:id="rId26"/>
-    <p:sldId id="295" r:id="rId27"/>
-    <p:sldId id="296" r:id="rId28"/>
-    <p:sldId id="297" r:id="rId29"/>
-    <p:sldId id="298" r:id="rId30"/>
-    <p:sldId id="299" r:id="rId31"/>
-    <p:sldId id="300" r:id="rId32"/>
-    <p:sldId id="301" r:id="rId33"/>
-    <p:sldId id="302" r:id="rId34"/>
-    <p:sldId id="303" r:id="rId35"/>
-    <p:sldId id="304" r:id="rId36"/>
-    <p:sldId id="259" r:id="rId37"/>
+    <p:sldId id="267" r:id="rId6"/>
+    <p:sldId id="279" r:id="rId7"/>
+    <p:sldId id="271" r:id="rId8"/>
+    <p:sldId id="272" r:id="rId9"/>
+    <p:sldId id="281" r:id="rId10"/>
+    <p:sldId id="282" r:id="rId11"/>
+    <p:sldId id="283" r:id="rId12"/>
+    <p:sldId id="284" r:id="rId13"/>
+    <p:sldId id="285" r:id="rId14"/>
+    <p:sldId id="286" r:id="rId15"/>
+    <p:sldId id="287" r:id="rId16"/>
+    <p:sldId id="288" r:id="rId17"/>
+    <p:sldId id="289" r:id="rId18"/>
+    <p:sldId id="290" r:id="rId19"/>
+    <p:sldId id="293" r:id="rId20"/>
+    <p:sldId id="291" r:id="rId21"/>
+    <p:sldId id="292" r:id="rId22"/>
+    <p:sldId id="294" r:id="rId23"/>
+    <p:sldId id="295" r:id="rId24"/>
+    <p:sldId id="296" r:id="rId25"/>
+    <p:sldId id="297" r:id="rId26"/>
+    <p:sldId id="298" r:id="rId27"/>
+    <p:sldId id="299" r:id="rId28"/>
+    <p:sldId id="300" r:id="rId29"/>
+    <p:sldId id="301" r:id="rId30"/>
+    <p:sldId id="302" r:id="rId31"/>
+    <p:sldId id="259" r:id="rId32"/>
   </p:sldIdLst>
   <p:sldSz cx="9144000" cy="5143500" type="screen16x9"/>
   <p:notesSz cx="6858000" cy="9144000"/>
@@ -968,30 +963,16 @@
               <a:ea typeface="微软雅黑" panose="020B0503020204020204" pitchFamily="34" charset="-122"/>
               <a:cs typeface="+mn-cs"/>
             </a:rPr>
-            <a:t>设计模式</a:t>
+            <a:t>基本概念</a:t>
           </a:r>
-          <a:r>
-            <a:rPr kumimoji="0" lang="en-US" altLang="zh-CN" b="0" i="0" u="none" strike="noStrike" cap="none" spc="0" normalizeH="0" baseline="0" noProof="0" dirty="0" smtClean="0">
-              <a:effectLst/>
-              <a:uLnTx/>
-              <a:uFillTx/>
-              <a:latin typeface="微软雅黑" panose="020B0503020204020204" pitchFamily="34" charset="-122"/>
-              <a:ea typeface="微软雅黑" panose="020B0503020204020204" pitchFamily="34" charset="-122"/>
-              <a:cs typeface="+mn-cs"/>
-            </a:rPr>
-            <a:t>6</a:t>
-          </a:r>
-          <a:r>
-            <a:rPr kumimoji="0" lang="zh-CN" altLang="en-US" b="0" i="0" u="none" strike="noStrike" cap="none" spc="0" normalizeH="0" baseline="0" noProof="0" dirty="0" smtClean="0">
-              <a:effectLst/>
-              <a:uLnTx/>
-              <a:uFillTx/>
-              <a:latin typeface="微软雅黑" panose="020B0503020204020204" pitchFamily="34" charset="-122"/>
-              <a:ea typeface="微软雅黑" panose="020B0503020204020204" pitchFamily="34" charset="-122"/>
-              <a:cs typeface="+mn-cs"/>
-            </a:rPr>
-            <a:t>大原则</a:t>
-          </a:r>
+          <a:endParaRPr kumimoji="0" lang="zh-CN" altLang="en-US" b="0" i="0" u="none" strike="noStrike" cap="none" spc="0" normalizeH="0" baseline="0" noProof="0" dirty="0" smtClean="0">
+            <a:effectLst/>
+            <a:uLnTx/>
+            <a:uFillTx/>
+            <a:latin typeface="微软雅黑" panose="020B0503020204020204" pitchFamily="34" charset="-122"/>
+            <a:ea typeface="微软雅黑" panose="020B0503020204020204" pitchFamily="34" charset="-122"/>
+            <a:cs typeface="+mn-cs"/>
+          </a:endParaRPr>
         </a:p>
       </dgm:t>
     </dgm:pt>
@@ -1068,17 +1049,14 @@
             </a:spcAft>
           </a:pPr>
           <a:r>
-            <a:rPr kumimoji="0" lang="zh-CN" altLang="en-US" b="0" i="0" u="none" strike="noStrike" cap="none" spc="0" normalizeH="0" baseline="0" noProof="0" dirty="0" smtClean="0">
-              <a:effectLst/>
-              <a:uLnTx/>
-              <a:uFillTx/>
-              <a:latin typeface="微软雅黑" panose="020B0503020204020204" pitchFamily="34" charset="-122"/>
-              <a:ea typeface="微软雅黑" panose="020B0503020204020204" pitchFamily="34" charset="-122"/>
-              <a:cs typeface="+mn-cs"/>
-            </a:rPr>
-            <a:t>设计模式分类</a:t>
+            <a:rPr lang="en-US" altLang="zh-CN" dirty="0" smtClean="0"/>
+            <a:t>Java</a:t>
           </a:r>
-          <a:endParaRPr/>
+          <a:r>
+            <a:rPr lang="zh-CN" altLang="en-US" dirty="0" smtClean="0"/>
+            <a:t>对线程的基本操作</a:t>
+          </a:r>
+          <a:endParaRPr dirty="0"/>
         </a:p>
       </dgm:t>
     </dgm:pt>
@@ -1159,8 +1137,12 @@
               <a:latin typeface="微软雅黑" panose="020B0503020204020204" pitchFamily="34" charset="-122"/>
               <a:ea typeface="微软雅黑" panose="020B0503020204020204" pitchFamily="34" charset="-122"/>
             </a:rPr>
-            <a:t>常用模式讲解</a:t>
+            <a:t>多线程数据访问的一致性合安全性</a:t>
           </a:r>
+          <a:endParaRPr lang="zh-CN" altLang="en-US" b="0" dirty="0" smtClean="0">
+            <a:latin typeface="微软雅黑" panose="020B0503020204020204" pitchFamily="34" charset="-122"/>
+            <a:ea typeface="微软雅黑" panose="020B0503020204020204" pitchFamily="34" charset="-122"/>
+          </a:endParaRPr>
         </a:p>
       </dgm:t>
     </dgm:pt>
@@ -1241,8 +1223,12 @@
               <a:latin typeface="微软雅黑" panose="020B0503020204020204" pitchFamily="34" charset="-122"/>
               <a:ea typeface="微软雅黑" panose="020B0503020204020204" pitchFamily="34" charset="-122"/>
             </a:rPr>
-            <a:t>项目实践</a:t>
+            <a:t>线程池</a:t>
           </a:r>
+          <a:endParaRPr lang="zh-CN" altLang="en-US" b="0" dirty="0" smtClean="0">
+            <a:latin typeface="微软雅黑" panose="020B0503020204020204" pitchFamily="34" charset="-122"/>
+            <a:ea typeface="微软雅黑" panose="020B0503020204020204" pitchFamily="34" charset="-122"/>
+          </a:endParaRPr>
         </a:p>
       </dgm:t>
     </dgm:pt>
@@ -1301,7 +1287,7 @@
       </dgm:t>
     </dgm:pt>
     <dgm:pt modelId="{1C144E8B-B296-8946-A301-8A953AEED37C}" type="pres">
-      <dgm:prSet presAssocID="{D0F03746-E7CB-EF4D-A185-5C8BACD43A1A}" presName="parentText" presStyleLbl="node1" presStyleIdx="0" presStyleCnt="4">
+      <dgm:prSet presAssocID="{D0F03746-E7CB-EF4D-A185-5C8BACD43A1A}" presName="parentText" presStyleLbl="node1" presStyleIdx="0" presStyleCnt="4" custLinFactNeighborX="2134" custLinFactNeighborY="-4517">
         <dgm:presLayoutVars>
           <dgm:chMax val="0"/>
           <dgm:bulletEnabled val="1"/>
@@ -1501,8 +1487,8 @@
     <dgm:cxn modelId="{BFF7DB20-E00C-4675-8F00-29EBA096B04D}" srcId="{21A8838B-C04D-4546-9054-CD5717EF203A}" destId="{6AAC080D-2092-2F49-A575-827036179211}" srcOrd="3" destOrd="0" parTransId="{563EAFC4-2582-2C47-8F24-AE61EB685C4B}" sibTransId="{ED355398-05CB-D848-9CA8-F2F48ECACFBD}"/>
     <dgm:cxn modelId="{AF26E1B1-3832-46AE-86F3-C7E5D65470E4}" type="presOf" srcId="{6772307E-96DB-8A47-A203-40A9CB5A2E50}" destId="{778A640A-DBFE-2942-A714-1B0254D20823}" srcOrd="0" destOrd="0" presId="urn:microsoft.com/office/officeart/2005/8/layout/list1#1"/>
     <dgm:cxn modelId="{0747EF2C-4F24-49C7-908B-C66BF28E91AC}" type="presOf" srcId="{21A8838B-C04D-4546-9054-CD5717EF203A}" destId="{3B21D3CD-2857-894E-A1A9-6FF9D46A9DD7}" srcOrd="0" destOrd="0" presId="urn:microsoft.com/office/officeart/2005/8/layout/list1#1"/>
+    <dgm:cxn modelId="{D99759EC-490C-4A11-9A25-84794F6C959E}" type="presOf" srcId="{6AAC080D-2092-2F49-A575-827036179211}" destId="{E9D351C4-DCB0-CE43-8384-37B20B794ED6}" srcOrd="0" destOrd="0" presId="urn:microsoft.com/office/officeart/2005/8/layout/list1#1"/>
     <dgm:cxn modelId="{8737FF3A-E7D1-4859-A211-D770E4E3E1B1}" srcId="{21A8838B-C04D-4546-9054-CD5717EF203A}" destId="{2F4BC9C8-A6A8-464D-B05C-F3ECB83539D8}" srcOrd="2" destOrd="0" parTransId="{B152627D-CDED-5540-B5DA-818D0C65B5E8}" sibTransId="{AE8E3987-268A-5B44-B871-7F1FE3240029}"/>
-    <dgm:cxn modelId="{D99759EC-490C-4A11-9A25-84794F6C959E}" type="presOf" srcId="{6AAC080D-2092-2F49-A575-827036179211}" destId="{E9D351C4-DCB0-CE43-8384-37B20B794ED6}" srcOrd="0" destOrd="0" presId="urn:microsoft.com/office/officeart/2005/8/layout/list1#1"/>
     <dgm:cxn modelId="{02A85B49-0788-4E3C-B43E-CFF8D5386136}" type="presOf" srcId="{2F4BC9C8-A6A8-464D-B05C-F3ECB83539D8}" destId="{827EFB1D-EE82-7047-A98D-5017D573CACC}" srcOrd="0" destOrd="0" presId="urn:microsoft.com/office/officeart/2005/8/layout/list1#1"/>
     <dgm:cxn modelId="{B405BAEB-FA86-49EC-8B82-ED051EDF94AA}" srcId="{21A8838B-C04D-4546-9054-CD5717EF203A}" destId="{D0F03746-E7CB-EF4D-A185-5C8BACD43A1A}" srcOrd="0" destOrd="0" parTransId="{98C2B6CA-AED8-8243-8304-2DF73758DA9B}" sibTransId="{4DF4E4CD-62E2-9846-A030-157401BE2665}"/>
     <dgm:cxn modelId="{CADB2193-DA47-41AE-BBF0-CE7A46CE8D1E}" type="presOf" srcId="{6772307E-96DB-8A47-A203-40A9CB5A2E50}" destId="{93F640DA-4A59-1A49-BAEB-7D093EC1D38E}" srcOrd="1" destOrd="0" presId="urn:microsoft.com/office/officeart/2005/8/layout/list1#1"/>
@@ -1560,8 +1546,8 @@
       </dsp:nvSpPr>
       <dsp:spPr>
         <a:xfrm>
-          <a:off x="0" y="340383"/>
-          <a:ext cx="5640288" cy="554400"/>
+          <a:off x="0" y="633423"/>
+          <a:ext cx="5640288" cy="453600"/>
         </a:xfrm>
         <a:prstGeom prst="rect">
           <a:avLst/>
@@ -1597,8 +1583,8 @@
       </dsp:nvSpPr>
       <dsp:spPr>
         <a:xfrm>
-          <a:off x="282014" y="15663"/>
-          <a:ext cx="3948201" cy="649440"/>
+          <a:off x="288032" y="343742"/>
+          <a:ext cx="3948201" cy="531360"/>
         </a:xfrm>
         <a:prstGeom prst="roundRect">
           <a:avLst/>
@@ -1639,7 +1625,7 @@
         </a:bodyPr>
         <a:lstStyle/>
         <a:p>
-          <a:pPr lvl="0" algn="l" defTabSz="977900" rtl="0">
+          <a:pPr lvl="0" algn="l" defTabSz="800100" rtl="0">
             <a:lnSpc>
               <a:spcPct val="100000"/>
             </a:lnSpc>
@@ -1651,7 +1637,7 @@
             </a:spcAft>
           </a:pPr>
           <a:r>
-            <a:rPr kumimoji="0" lang="zh-CN" altLang="en-US" sz="2200" b="0" i="0" u="none" strike="noStrike" kern="1200" cap="none" spc="0" normalizeH="0" baseline="0" noProof="0" dirty="0" smtClean="0">
+            <a:rPr kumimoji="0" lang="zh-CN" altLang="en-US" sz="1800" b="0" i="0" u="none" strike="noStrike" kern="1200" cap="none" spc="0" normalizeH="0" baseline="0" noProof="0" dirty="0" smtClean="0">
               <a:effectLst/>
               <a:uLnTx/>
               <a:uFillTx/>
@@ -1659,35 +1645,21 @@
               <a:ea typeface="微软雅黑" panose="020B0503020204020204" pitchFamily="34" charset="-122"/>
               <a:cs typeface="+mn-cs"/>
             </a:rPr>
-            <a:t>设计模式</a:t>
+            <a:t>基本概念</a:t>
           </a:r>
-          <a:r>
-            <a:rPr kumimoji="0" lang="en-US" altLang="zh-CN" sz="2200" b="0" i="0" u="none" strike="noStrike" kern="1200" cap="none" spc="0" normalizeH="0" baseline="0" noProof="0" dirty="0" smtClean="0">
-              <a:effectLst/>
-              <a:uLnTx/>
-              <a:uFillTx/>
-              <a:latin typeface="微软雅黑" panose="020B0503020204020204" pitchFamily="34" charset="-122"/>
-              <a:ea typeface="微软雅黑" panose="020B0503020204020204" pitchFamily="34" charset="-122"/>
-              <a:cs typeface="+mn-cs"/>
-            </a:rPr>
-            <a:t>6</a:t>
-          </a:r>
-          <a:r>
-            <a:rPr kumimoji="0" lang="zh-CN" altLang="en-US" sz="2200" b="0" i="0" u="none" strike="noStrike" kern="1200" cap="none" spc="0" normalizeH="0" baseline="0" noProof="0" dirty="0" smtClean="0">
-              <a:effectLst/>
-              <a:uLnTx/>
-              <a:uFillTx/>
-              <a:latin typeface="微软雅黑" panose="020B0503020204020204" pitchFamily="34" charset="-122"/>
-              <a:ea typeface="微软雅黑" panose="020B0503020204020204" pitchFamily="34" charset="-122"/>
-              <a:cs typeface="+mn-cs"/>
-            </a:rPr>
-            <a:t>大原则</a:t>
-          </a:r>
+          <a:endParaRPr kumimoji="0" lang="zh-CN" altLang="en-US" sz="1800" b="0" i="0" u="none" strike="noStrike" kern="1200" cap="none" spc="0" normalizeH="0" baseline="0" noProof="0" dirty="0" smtClean="0">
+            <a:effectLst/>
+            <a:uLnTx/>
+            <a:uFillTx/>
+            <a:latin typeface="微软雅黑" panose="020B0503020204020204" pitchFamily="34" charset="-122"/>
+            <a:ea typeface="微软雅黑" panose="020B0503020204020204" pitchFamily="34" charset="-122"/>
+            <a:cs typeface="+mn-cs"/>
+          </a:endParaRPr>
         </a:p>
       </dsp:txBody>
       <dsp:txXfrm>
-        <a:off x="282014" y="15663"/>
-        <a:ext cx="3948201" cy="649440"/>
+        <a:off x="288032" y="343742"/>
+        <a:ext cx="3948201" cy="531360"/>
       </dsp:txXfrm>
     </dsp:sp>
     <dsp:sp modelId="{CCBDC40A-28FF-E04D-903E-86222D5BFF00}">
@@ -1697,8 +1669,8 @@
       </dsp:nvSpPr>
       <dsp:spPr>
         <a:xfrm>
-          <a:off x="0" y="1338303"/>
-          <a:ext cx="5640288" cy="554400"/>
+          <a:off x="0" y="1449903"/>
+          <a:ext cx="5640288" cy="453600"/>
         </a:xfrm>
         <a:prstGeom prst="rect">
           <a:avLst/>
@@ -1734,8 +1706,8 @@
       </dsp:nvSpPr>
       <dsp:spPr>
         <a:xfrm>
-          <a:off x="282014" y="1013583"/>
-          <a:ext cx="3948201" cy="649440"/>
+          <a:off x="282014" y="1184223"/>
+          <a:ext cx="3948201" cy="531360"/>
         </a:xfrm>
         <a:prstGeom prst="roundRect">
           <a:avLst/>
@@ -1776,7 +1748,7 @@
         </a:bodyPr>
         <a:lstStyle/>
         <a:p>
-          <a:pPr lvl="0" algn="l" defTabSz="977900" rtl="0">
+          <a:pPr lvl="0" algn="l" defTabSz="800100" rtl="0">
             <a:lnSpc>
               <a:spcPct val="100000"/>
             </a:lnSpc>
@@ -1788,22 +1760,19 @@
             </a:spcAft>
           </a:pPr>
           <a:r>
-            <a:rPr kumimoji="0" lang="zh-CN" altLang="en-US" sz="2200" b="0" i="0" u="none" strike="noStrike" kern="1200" cap="none" spc="0" normalizeH="0" baseline="0" noProof="0" dirty="0" smtClean="0">
-              <a:effectLst/>
-              <a:uLnTx/>
-              <a:uFillTx/>
-              <a:latin typeface="微软雅黑" panose="020B0503020204020204" pitchFamily="34" charset="-122"/>
-              <a:ea typeface="微软雅黑" panose="020B0503020204020204" pitchFamily="34" charset="-122"/>
-              <a:cs typeface="+mn-cs"/>
-            </a:rPr>
-            <a:t>设计模式分类</a:t>
+            <a:rPr lang="en-US" altLang="zh-CN" sz="1800" kern="1200" dirty="0" smtClean="0"/>
+            <a:t>Java</a:t>
           </a:r>
-          <a:endParaRPr sz="2200" kern="1200"/>
+          <a:r>
+            <a:rPr lang="zh-CN" altLang="en-US" sz="1800" kern="1200" dirty="0" smtClean="0"/>
+            <a:t>对线程的基本操作</a:t>
+          </a:r>
+          <a:endParaRPr sz="1800" kern="1200" dirty="0"/>
         </a:p>
       </dsp:txBody>
       <dsp:txXfrm>
-        <a:off x="282014" y="1013583"/>
-        <a:ext cx="3948201" cy="649440"/>
+        <a:off x="282014" y="1184223"/>
+        <a:ext cx="3948201" cy="531360"/>
       </dsp:txXfrm>
     </dsp:sp>
     <dsp:sp modelId="{3C9AA9E4-872F-4945-B7C1-0339766A52F7}">
@@ -1813,8 +1782,8 @@
       </dsp:nvSpPr>
       <dsp:spPr>
         <a:xfrm>
-          <a:off x="0" y="2336224"/>
-          <a:ext cx="5640288" cy="554400"/>
+          <a:off x="0" y="2266383"/>
+          <a:ext cx="5640288" cy="453600"/>
         </a:xfrm>
         <a:prstGeom prst="rect">
           <a:avLst/>
@@ -1850,8 +1819,8 @@
       </dsp:nvSpPr>
       <dsp:spPr>
         <a:xfrm>
-          <a:off x="282014" y="2011503"/>
-          <a:ext cx="3948201" cy="649440"/>
+          <a:off x="282014" y="2000704"/>
+          <a:ext cx="3948201" cy="531360"/>
         </a:xfrm>
         <a:prstGeom prst="roundRect">
           <a:avLst/>
@@ -1892,7 +1861,7 @@
         </a:bodyPr>
         <a:lstStyle/>
         <a:p>
-          <a:pPr lvl="0" algn="l" defTabSz="977900" rtl="0">
+          <a:pPr lvl="0" algn="l" defTabSz="800100" rtl="0">
             <a:lnSpc>
               <a:spcPct val="100000"/>
             </a:lnSpc>
@@ -1904,17 +1873,21 @@
             </a:spcAft>
           </a:pPr>
           <a:r>
-            <a:rPr lang="zh-CN" altLang="en-US" sz="2200" b="0" kern="1200" dirty="0" smtClean="0">
+            <a:rPr lang="zh-CN" altLang="en-US" sz="1800" b="0" kern="1200" dirty="0" smtClean="0">
               <a:latin typeface="微软雅黑" panose="020B0503020204020204" pitchFamily="34" charset="-122"/>
               <a:ea typeface="微软雅黑" panose="020B0503020204020204" pitchFamily="34" charset="-122"/>
             </a:rPr>
-            <a:t>常用模式讲解</a:t>
+            <a:t>多线程数据访问的一致性合安全性</a:t>
           </a:r>
+          <a:endParaRPr lang="zh-CN" altLang="en-US" sz="1800" b="0" kern="1200" dirty="0" smtClean="0">
+            <a:latin typeface="微软雅黑" panose="020B0503020204020204" pitchFamily="34" charset="-122"/>
+            <a:ea typeface="微软雅黑" panose="020B0503020204020204" pitchFamily="34" charset="-122"/>
+          </a:endParaRPr>
         </a:p>
       </dsp:txBody>
       <dsp:txXfrm>
-        <a:off x="282014" y="2011503"/>
-        <a:ext cx="3948201" cy="649440"/>
+        <a:off x="282014" y="2000704"/>
+        <a:ext cx="3948201" cy="531360"/>
       </dsp:txXfrm>
     </dsp:sp>
     <dsp:sp modelId="{D3DC8966-D324-EB4D-8257-31A4BF7278B6}">
@@ -1924,8 +1897,8 @@
       </dsp:nvSpPr>
       <dsp:spPr>
         <a:xfrm>
-          <a:off x="0" y="3334144"/>
-          <a:ext cx="5640288" cy="554400"/>
+          <a:off x="0" y="3082864"/>
+          <a:ext cx="5640288" cy="453600"/>
         </a:xfrm>
         <a:prstGeom prst="rect">
           <a:avLst/>
@@ -1972,8 +1945,8 @@
       </dsp:nvSpPr>
       <dsp:spPr>
         <a:xfrm>
-          <a:off x="282014" y="3009424"/>
-          <a:ext cx="3948201" cy="649440"/>
+          <a:off x="282014" y="2817184"/>
+          <a:ext cx="3948201" cy="531360"/>
         </a:xfrm>
         <a:prstGeom prst="roundRect">
           <a:avLst/>
@@ -2014,7 +1987,7 @@
         </a:bodyPr>
         <a:lstStyle/>
         <a:p>
-          <a:pPr lvl="0" algn="l" defTabSz="977900" rtl="0">
+          <a:pPr lvl="0" algn="l" defTabSz="800100" rtl="0">
             <a:lnSpc>
               <a:spcPct val="100000"/>
             </a:lnSpc>
@@ -2026,17 +1999,21 @@
             </a:spcAft>
           </a:pPr>
           <a:r>
-            <a:rPr lang="zh-CN" altLang="en-US" sz="2200" b="0" kern="1200" dirty="0" smtClean="0">
+            <a:rPr lang="zh-CN" altLang="en-US" sz="1800" b="0" kern="1200" dirty="0" smtClean="0">
               <a:latin typeface="微软雅黑" panose="020B0503020204020204" pitchFamily="34" charset="-122"/>
               <a:ea typeface="微软雅黑" panose="020B0503020204020204" pitchFamily="34" charset="-122"/>
             </a:rPr>
-            <a:t>项目实践</a:t>
+            <a:t>线程池</a:t>
           </a:r>
+          <a:endParaRPr lang="zh-CN" altLang="en-US" sz="1800" b="0" kern="1200" dirty="0" smtClean="0">
+            <a:latin typeface="微软雅黑" panose="020B0503020204020204" pitchFamily="34" charset="-122"/>
+            <a:ea typeface="微软雅黑" panose="020B0503020204020204" pitchFamily="34" charset="-122"/>
+          </a:endParaRPr>
         </a:p>
       </dsp:txBody>
       <dsp:txXfrm>
-        <a:off x="282014" y="3009424"/>
-        <a:ext cx="3948201" cy="649440"/>
+        <a:off x="282014" y="2817184"/>
+        <a:ext cx="3948201" cy="531360"/>
       </dsp:txXfrm>
     </dsp:sp>
   </dsp:spTree>
@@ -3387,7 +3364,7 @@
             <a:fld id="{0881A753-46D5-4B68-8810-8FBC26EF28A8}" type="datetimeFigureOut">
               <a:rPr lang="zh-CN" altLang="en-US" smtClean="0"/>
               <a:pPr/>
-              <a:t>2017/11/14 Tuesday</a:t>
+              <a:t>2017/11/27 Monday</a:t>
             </a:fld>
             <a:endParaRPr lang="zh-CN" altLang="en-US"/>
           </a:p>
@@ -3549,7 +3526,7 @@
             <a:fld id="{3D51A031-BBCD-8944-A530-5305D0D084FA}" type="datetimeFigureOut">
               <a:rPr kumimoji="1" lang="zh-CN" altLang="en-US" smtClean="0"/>
               <a:pPr/>
-              <a:t>2017/11/14 Tuesday</a:t>
+              <a:t>2017/11/27 Monday</a:t>
             </a:fld>
             <a:endParaRPr kumimoji="1" lang="zh-CN" altLang="en-US"/>
           </a:p>
@@ -4017,67 +3994,15 @@
           <a:bodyPr/>
           <a:lstStyle/>
           <a:p>
-            <a:r>
-              <a:rPr lang="zh-CN" altLang="en-US" sz="1200" b="0" i="0" kern="1200" dirty="0" smtClean="0">
-                <a:solidFill>
-                  <a:schemeClr val="tx1"/>
-                </a:solidFill>
-                <a:effectLst/>
-                <a:latin typeface="+mn-lt"/>
-                <a:ea typeface="+mn-ea"/>
-                <a:cs typeface="+mn-cs"/>
-              </a:rPr>
-              <a:t>运行</a:t>
-            </a:r>
-            <a:r>
-              <a:rPr lang="en-US" altLang="zh-CN" sz="1200" b="0" i="0" kern="1200" dirty="0" smtClean="0">
-                <a:solidFill>
-                  <a:schemeClr val="tx1"/>
-                </a:solidFill>
-                <a:effectLst/>
-                <a:latin typeface="+mn-lt"/>
-                <a:ea typeface="+mn-ea"/>
-                <a:cs typeface="+mn-cs"/>
-              </a:rPr>
-              <a:t>Maven</a:t>
-            </a:r>
-            <a:r>
-              <a:rPr lang="zh-CN" altLang="en-US" sz="1200" b="0" i="0" kern="1200" dirty="0" smtClean="0">
-                <a:solidFill>
-                  <a:schemeClr val="tx1"/>
-                </a:solidFill>
-                <a:effectLst/>
-                <a:latin typeface="+mn-lt"/>
-                <a:ea typeface="+mn-ea"/>
-                <a:cs typeface="+mn-cs"/>
-              </a:rPr>
-              <a:t>的时候，</a:t>
-            </a:r>
-            <a:r>
-              <a:rPr lang="en-US" altLang="zh-CN" sz="1200" b="0" i="0" kern="1200" dirty="0" smtClean="0">
-                <a:solidFill>
-                  <a:schemeClr val="tx1"/>
-                </a:solidFill>
-                <a:effectLst/>
-                <a:latin typeface="+mn-lt"/>
-                <a:ea typeface="+mn-ea"/>
-                <a:cs typeface="+mn-cs"/>
-              </a:rPr>
-              <a:t>Maven</a:t>
-            </a:r>
-            <a:r>
-              <a:rPr lang="zh-CN" altLang="en-US" sz="1200" b="0" i="0" kern="1200" dirty="0" smtClean="0">
-                <a:solidFill>
-                  <a:schemeClr val="tx1"/>
-                </a:solidFill>
-                <a:effectLst/>
-                <a:latin typeface="+mn-lt"/>
-                <a:ea typeface="+mn-ea"/>
-                <a:cs typeface="+mn-cs"/>
-              </a:rPr>
-              <a:t>所需要的任何构件都是直接从本地仓库获取的。如果本地仓库没有，它会首先尝试从远程仓库下载构件至本地仓库，然后再使用本地仓库的构件。</a:t>
-            </a:r>
-            <a:endParaRPr kumimoji="1" lang="zh-CN" altLang="en-US" dirty="0"/>
+            <a:endParaRPr lang="en-US" altLang="zh-CN" sz="1200" b="0" i="0" kern="1200" dirty="0" smtClean="0">
+              <a:solidFill>
+                <a:schemeClr val="tx1"/>
+              </a:solidFill>
+              <a:effectLst/>
+              <a:latin typeface="+mn-lt"/>
+              <a:ea typeface="+mn-ea"/>
+              <a:cs typeface="+mn-cs"/>
+            </a:endParaRPr>
           </a:p>
         </p:txBody>
       </p:sp>
@@ -4099,7 +4024,7 @@
             <a:fld id="{A0599F7F-2211-7141-8923-64F743D34222}" type="slidenum">
               <a:rPr kumimoji="1" lang="zh-CN" altLang="en-US" smtClean="0"/>
               <a:pPr/>
-              <a:t>5</a:t>
+              <a:t>6</a:t>
             </a:fld>
             <a:endParaRPr kumimoji="1" lang="zh-CN" altLang="en-US"/>
           </a:p>
@@ -4154,581 +4079,18 @@
         </p:nvSpPr>
         <p:spPr/>
         <p:txBody>
-          <a:bodyPr/>
+          <a:bodyPr>
+            <a:normAutofit/>
+          </a:bodyPr>
           <a:lstStyle/>
           <a:p>
-            <a:r>
-              <a:rPr lang="en-US" altLang="zh-CN" b="1" dirty="0" smtClean="0">
-                <a:effectLst/>
-              </a:rPr>
-              <a:t>1).</a:t>
-            </a:r>
-            <a:r>
-              <a:rPr lang="zh-CN" altLang="en-US" b="1" dirty="0" smtClean="0">
-                <a:effectLst/>
-              </a:rPr>
-              <a:t>应该将</a:t>
-            </a:r>
-            <a:r>
-              <a:rPr lang="en-US" altLang="zh-CN" b="1" dirty="0" smtClean="0">
-                <a:effectLst/>
-              </a:rPr>
-              <a:t>resource</a:t>
-            </a:r>
-            <a:r>
-              <a:rPr lang="zh-CN" altLang="en-US" b="1" dirty="0" smtClean="0">
-                <a:effectLst/>
-              </a:rPr>
-              <a:t>资源文件准备好，放到指定的</a:t>
-            </a:r>
-            <a:r>
-              <a:rPr lang="en-US" altLang="zh-CN" b="1" dirty="0" smtClean="0">
-                <a:effectLst/>
-              </a:rPr>
-              <a:t>target</a:t>
-            </a:r>
-            <a:r>
-              <a:rPr lang="zh-CN" altLang="en-US" b="1" dirty="0" smtClean="0">
-                <a:effectLst/>
-              </a:rPr>
-              <a:t>目录下</a:t>
-            </a:r>
-            <a:r>
-              <a:rPr lang="en-US" altLang="zh-CN" b="1" dirty="0" smtClean="0">
-                <a:effectLst/>
-              </a:rPr>
-              <a:t>---</a:t>
-            </a:r>
-            <a:r>
-              <a:rPr lang="en-US" altLang="zh-CN" sz="1200" b="1" kern="1200" dirty="0" smtClean="0">
-                <a:solidFill>
-                  <a:schemeClr val="tx1"/>
-                </a:solidFill>
-                <a:effectLst/>
-                <a:latin typeface="+mn-lt"/>
-                <a:ea typeface="+mn-ea"/>
-                <a:cs typeface="+mn-cs"/>
-              </a:rPr>
-              <a:t>-process-resources</a:t>
-            </a:r>
-            <a:r>
-              <a:rPr lang="en-US" altLang="zh-CN" b="1" dirty="0" smtClean="0">
-                <a:effectLst/>
-              </a:rPr>
-              <a:t> </a:t>
-            </a:r>
-            <a:r>
-              <a:rPr lang="zh-CN" altLang="en-US" b="1" dirty="0" smtClean="0">
-                <a:effectLst/>
-              </a:rPr>
-              <a:t>阶段；</a:t>
-            </a:r>
-            <a:br>
-              <a:rPr lang="zh-CN" altLang="en-US" b="1" dirty="0" smtClean="0">
-                <a:effectLst/>
-              </a:rPr>
-            </a:br>
-            <a:r>
-              <a:rPr lang="en-US" altLang="zh-CN" b="1" dirty="0" smtClean="0">
-                <a:effectLst/>
-              </a:rPr>
-              <a:t>2).</a:t>
-            </a:r>
-            <a:r>
-              <a:rPr lang="zh-CN" altLang="en-US" b="1" dirty="0" smtClean="0">
-                <a:effectLst/>
-              </a:rPr>
-              <a:t>将</a:t>
-            </a:r>
-            <a:r>
-              <a:rPr lang="en-US" altLang="zh-CN" b="1" dirty="0" smtClean="0">
-                <a:effectLst/>
-              </a:rPr>
-              <a:t>java</a:t>
-            </a:r>
-            <a:r>
-              <a:rPr lang="zh-CN" altLang="en-US" b="1" dirty="0" smtClean="0">
-                <a:effectLst/>
-              </a:rPr>
-              <a:t>源文件编译成</a:t>
-            </a:r>
-            <a:r>
-              <a:rPr lang="en-US" altLang="zh-CN" b="1" dirty="0" smtClean="0">
-                <a:effectLst/>
-              </a:rPr>
-              <a:t>.class</a:t>
-            </a:r>
-            <a:r>
-              <a:rPr lang="zh-CN" altLang="en-US" b="1" dirty="0" smtClean="0">
-                <a:effectLst/>
-              </a:rPr>
-              <a:t>文件，然后将</a:t>
-            </a:r>
-            <a:r>
-              <a:rPr lang="en-US" altLang="zh-CN" b="1" dirty="0" smtClean="0">
-                <a:effectLst/>
-              </a:rPr>
-              <a:t>class </a:t>
-            </a:r>
-            <a:r>
-              <a:rPr lang="zh-CN" altLang="en-US" b="1" dirty="0" smtClean="0">
-                <a:effectLst/>
-              </a:rPr>
-              <a:t>文件放置到对应的</a:t>
-            </a:r>
-            <a:r>
-              <a:rPr lang="en-US" altLang="zh-CN" b="1" dirty="0" smtClean="0">
-                <a:effectLst/>
-              </a:rPr>
-              <a:t>target</a:t>
-            </a:r>
-            <a:r>
-              <a:rPr lang="zh-CN" altLang="en-US" b="1" dirty="0" smtClean="0">
-                <a:effectLst/>
-              </a:rPr>
-              <a:t>目录下</a:t>
-            </a:r>
-            <a:r>
-              <a:rPr lang="en-US" altLang="zh-CN" b="1" dirty="0" smtClean="0">
-                <a:effectLst/>
-              </a:rPr>
-              <a:t>----</a:t>
-            </a:r>
-            <a:r>
-              <a:rPr lang="en-US" altLang="zh-CN" sz="1200" b="1" kern="1200" dirty="0" smtClean="0">
-                <a:solidFill>
-                  <a:schemeClr val="tx1"/>
-                </a:solidFill>
-                <a:effectLst/>
-                <a:latin typeface="+mn-lt"/>
-                <a:ea typeface="+mn-ea"/>
-                <a:cs typeface="+mn-cs"/>
-              </a:rPr>
-              <a:t>compile</a:t>
-            </a:r>
-            <a:r>
-              <a:rPr lang="zh-CN" altLang="en-US" b="1" dirty="0" smtClean="0">
-                <a:effectLst/>
-              </a:rPr>
-              <a:t>阶段；</a:t>
-            </a:r>
-            <a:br>
-              <a:rPr lang="zh-CN" altLang="en-US" b="1" dirty="0" smtClean="0">
-                <a:effectLst/>
-              </a:rPr>
-            </a:br>
-            <a:r>
-              <a:rPr lang="en-US" altLang="zh-CN" b="1" dirty="0" smtClean="0">
-                <a:effectLst/>
-              </a:rPr>
-              <a:t>3).</a:t>
-            </a:r>
-            <a:r>
-              <a:rPr lang="zh-CN" altLang="en-US" b="1" dirty="0" smtClean="0">
-                <a:effectLst/>
-              </a:rPr>
-              <a:t>将</a:t>
-            </a:r>
-            <a:r>
-              <a:rPr lang="en-US" altLang="zh-CN" b="1" dirty="0" smtClean="0">
-                <a:effectLst/>
-              </a:rPr>
-              <a:t>test</a:t>
-            </a:r>
-            <a:r>
-              <a:rPr lang="zh-CN" altLang="en-US" b="1" dirty="0" smtClean="0">
-                <a:effectLst/>
-              </a:rPr>
-              <a:t>类型的</a:t>
-            </a:r>
-            <a:r>
-              <a:rPr lang="en-US" altLang="zh-CN" b="1" dirty="0" smtClean="0">
-                <a:effectLst/>
-              </a:rPr>
-              <a:t>resource</a:t>
-            </a:r>
-            <a:r>
-              <a:rPr lang="zh-CN" altLang="en-US" b="1" dirty="0" smtClean="0">
-                <a:effectLst/>
-              </a:rPr>
-              <a:t>移动到指定的 </a:t>
-            </a:r>
-            <a:r>
-              <a:rPr lang="en-US" altLang="zh-CN" b="1" dirty="0" smtClean="0">
-                <a:effectLst/>
-              </a:rPr>
-              <a:t>target</a:t>
-            </a:r>
-            <a:r>
-              <a:rPr lang="zh-CN" altLang="en-US" b="1" dirty="0" smtClean="0">
-                <a:effectLst/>
-              </a:rPr>
-              <a:t>目录下</a:t>
-            </a:r>
-            <a:r>
-              <a:rPr lang="en-US" altLang="zh-CN" b="1" dirty="0" smtClean="0">
-                <a:effectLst/>
-              </a:rPr>
-              <a:t>-----</a:t>
-            </a:r>
-            <a:r>
-              <a:rPr lang="en-US" altLang="zh-CN" sz="1200" b="1" kern="1200" dirty="0" smtClean="0">
-                <a:solidFill>
-                  <a:schemeClr val="tx1"/>
-                </a:solidFill>
-                <a:effectLst/>
-                <a:latin typeface="+mn-lt"/>
-                <a:ea typeface="+mn-ea"/>
-                <a:cs typeface="+mn-cs"/>
-              </a:rPr>
-              <a:t>-process-test-resource</a:t>
-            </a:r>
-            <a:r>
-              <a:rPr lang="zh-CN" altLang="en-US" b="1" dirty="0" smtClean="0">
-                <a:effectLst/>
-              </a:rPr>
-              <a:t>阶段；</a:t>
-            </a:r>
-            <a:br>
-              <a:rPr lang="zh-CN" altLang="en-US" b="1" dirty="0" smtClean="0">
-                <a:effectLst/>
-              </a:rPr>
-            </a:br>
-            <a:r>
-              <a:rPr lang="en-US" altLang="zh-CN" b="1" dirty="0" smtClean="0">
-                <a:effectLst/>
-              </a:rPr>
-              <a:t>4).</a:t>
-            </a:r>
-            <a:r>
-              <a:rPr lang="zh-CN" altLang="en-US" b="1" dirty="0" smtClean="0">
-                <a:effectLst/>
-              </a:rPr>
-              <a:t>将</a:t>
-            </a:r>
-            <a:r>
-              <a:rPr lang="en-US" altLang="zh-CN" b="1" dirty="0" smtClean="0">
-                <a:effectLst/>
-              </a:rPr>
-              <a:t>test</a:t>
-            </a:r>
-            <a:r>
-              <a:rPr lang="zh-CN" altLang="en-US" b="1" dirty="0" smtClean="0">
-                <a:effectLst/>
-              </a:rPr>
-              <a:t>类型的</a:t>
-            </a:r>
-            <a:r>
-              <a:rPr lang="en-US" altLang="zh-CN" b="1" dirty="0" smtClean="0">
-                <a:effectLst/>
-              </a:rPr>
-              <a:t>java </a:t>
-            </a:r>
-            <a:r>
-              <a:rPr lang="zh-CN" altLang="en-US" b="1" dirty="0" smtClean="0">
-                <a:effectLst/>
-              </a:rPr>
-              <a:t>源文件编译成</a:t>
-            </a:r>
-            <a:r>
-              <a:rPr lang="en-US" altLang="zh-CN" b="1" dirty="0" smtClean="0">
-                <a:effectLst/>
-              </a:rPr>
-              <a:t>class</a:t>
-            </a:r>
-            <a:r>
-              <a:rPr lang="zh-CN" altLang="en-US" b="1" dirty="0" smtClean="0">
-                <a:effectLst/>
-              </a:rPr>
-              <a:t>文件，然后放置到指定的</a:t>
-            </a:r>
-            <a:r>
-              <a:rPr lang="en-US" altLang="zh-CN" b="1" dirty="0" smtClean="0">
-                <a:effectLst/>
-              </a:rPr>
-              <a:t>target</a:t>
-            </a:r>
-            <a:r>
-              <a:rPr lang="zh-CN" altLang="en-US" b="1" dirty="0" smtClean="0">
-                <a:effectLst/>
-              </a:rPr>
-              <a:t>目录下</a:t>
-            </a:r>
-            <a:r>
-              <a:rPr lang="en-US" altLang="zh-CN" b="1" dirty="0" smtClean="0">
-                <a:effectLst/>
-              </a:rPr>
-              <a:t>------</a:t>
-            </a:r>
-            <a:r>
-              <a:rPr lang="en-US" altLang="zh-CN" sz="1200" b="1" kern="1200" dirty="0" smtClean="0">
-                <a:solidFill>
-                  <a:schemeClr val="tx1"/>
-                </a:solidFill>
-                <a:effectLst/>
-                <a:latin typeface="+mn-lt"/>
-                <a:ea typeface="+mn-ea"/>
-                <a:cs typeface="+mn-cs"/>
-              </a:rPr>
-              <a:t>test-compile</a:t>
-            </a:r>
-            <a:r>
-              <a:rPr lang="zh-CN" altLang="en-US" b="1" dirty="0" smtClean="0">
-                <a:effectLst/>
-              </a:rPr>
-              <a:t>阶段；</a:t>
-            </a:r>
-            <a:br>
-              <a:rPr lang="zh-CN" altLang="en-US" b="1" dirty="0" smtClean="0">
-                <a:effectLst/>
-              </a:rPr>
-            </a:br>
-            <a:r>
-              <a:rPr lang="en-US" altLang="zh-CN" b="1" dirty="0" smtClean="0">
-                <a:effectLst/>
-              </a:rPr>
-              <a:t>5).</a:t>
-            </a:r>
-            <a:r>
-              <a:rPr lang="zh-CN" altLang="en-US" b="1" dirty="0" smtClean="0">
-                <a:effectLst/>
-              </a:rPr>
-              <a:t>运行</a:t>
-            </a:r>
-            <a:r>
-              <a:rPr lang="en-US" altLang="zh-CN" b="1" dirty="0" smtClean="0">
-                <a:effectLst/>
-              </a:rPr>
-              <a:t>test</a:t>
-            </a:r>
-            <a:r>
-              <a:rPr lang="zh-CN" altLang="en-US" b="1" dirty="0" smtClean="0">
-                <a:effectLst/>
-              </a:rPr>
-              <a:t>测试用例</a:t>
-            </a:r>
-            <a:r>
-              <a:rPr lang="en-US" altLang="zh-CN" b="1" dirty="0" smtClean="0">
-                <a:effectLst/>
-              </a:rPr>
-              <a:t>------</a:t>
-            </a:r>
-            <a:r>
-              <a:rPr lang="en-US" altLang="zh-CN" sz="1200" b="1" kern="1200" dirty="0" smtClean="0">
-                <a:solidFill>
-                  <a:schemeClr val="tx1"/>
-                </a:solidFill>
-                <a:effectLst/>
-                <a:latin typeface="+mn-lt"/>
-                <a:ea typeface="+mn-ea"/>
-                <a:cs typeface="+mn-cs"/>
-              </a:rPr>
-              <a:t>-test</a:t>
-            </a:r>
-            <a:r>
-              <a:rPr lang="zh-CN" altLang="en-US" b="1" dirty="0" smtClean="0">
-                <a:effectLst/>
-              </a:rPr>
-              <a:t>阶段；</a:t>
-            </a:r>
-            <a:br>
-              <a:rPr lang="zh-CN" altLang="en-US" b="1" dirty="0" smtClean="0">
-                <a:effectLst/>
-              </a:rPr>
-            </a:br>
-            <a:r>
-              <a:rPr lang="en-US" altLang="zh-CN" b="1" dirty="0" smtClean="0">
-                <a:effectLst/>
-              </a:rPr>
-              <a:t>6).</a:t>
-            </a:r>
-            <a:r>
-              <a:rPr lang="zh-CN" altLang="en-US" b="1" dirty="0" smtClean="0">
-                <a:effectLst/>
-              </a:rPr>
-              <a:t>将</a:t>
-            </a:r>
-            <a:r>
-              <a:rPr lang="en-US" altLang="zh-CN" b="1" dirty="0" smtClean="0">
-                <a:effectLst/>
-              </a:rPr>
-              <a:t>compile</a:t>
-            </a:r>
-            <a:r>
-              <a:rPr lang="zh-CN" altLang="en-US" b="1" dirty="0" smtClean="0">
-                <a:effectLst/>
-              </a:rPr>
-              <a:t>阶段编译的</a:t>
-            </a:r>
-            <a:r>
-              <a:rPr lang="en-US" altLang="zh-CN" b="1" dirty="0" smtClean="0">
-                <a:effectLst/>
-              </a:rPr>
-              <a:t>class</a:t>
-            </a:r>
-            <a:r>
-              <a:rPr lang="zh-CN" altLang="en-US" b="1" dirty="0" smtClean="0">
-                <a:effectLst/>
-              </a:rPr>
-              <a:t>文件和</a:t>
-            </a:r>
-            <a:r>
-              <a:rPr lang="en-US" altLang="zh-CN" b="1" dirty="0" smtClean="0">
-                <a:effectLst/>
-              </a:rPr>
-              <a:t>resource</a:t>
-            </a:r>
-            <a:r>
-              <a:rPr lang="zh-CN" altLang="en-US" b="1" dirty="0" smtClean="0">
-                <a:effectLst/>
-              </a:rPr>
-              <a:t>资源打包成</a:t>
-            </a:r>
-            <a:r>
-              <a:rPr lang="en-US" altLang="zh-CN" b="1" dirty="0" smtClean="0">
-                <a:effectLst/>
-              </a:rPr>
-              <a:t>jar</a:t>
-            </a:r>
-            <a:r>
-              <a:rPr lang="zh-CN" altLang="en-US" b="1" dirty="0" smtClean="0">
-                <a:effectLst/>
-              </a:rPr>
-              <a:t>包或</a:t>
-            </a:r>
-            <a:r>
-              <a:rPr lang="en-US" altLang="zh-CN" b="1" dirty="0" smtClean="0">
-                <a:effectLst/>
-              </a:rPr>
-              <a:t>war</a:t>
-            </a:r>
-            <a:r>
-              <a:rPr lang="zh-CN" altLang="en-US" b="1" dirty="0" smtClean="0">
-                <a:effectLst/>
-              </a:rPr>
-              <a:t>包</a:t>
-            </a:r>
-            <a:r>
-              <a:rPr lang="en-US" altLang="zh-CN" b="1" dirty="0" smtClean="0">
-                <a:effectLst/>
-              </a:rPr>
-              <a:t>--------</a:t>
-            </a:r>
-            <a:r>
-              <a:rPr lang="en-US" altLang="zh-CN" sz="1200" b="1" kern="1200" dirty="0" smtClean="0">
-                <a:solidFill>
-                  <a:schemeClr val="tx1"/>
-                </a:solidFill>
-                <a:effectLst/>
-                <a:latin typeface="+mn-lt"/>
-                <a:ea typeface="+mn-ea"/>
-                <a:cs typeface="+mn-cs"/>
-              </a:rPr>
-              <a:t>package</a:t>
-            </a:r>
-            <a:r>
-              <a:rPr lang="zh-CN" altLang="en-US" b="1" dirty="0" smtClean="0">
-                <a:effectLst/>
-              </a:rPr>
-              <a:t>阶段；</a:t>
-            </a:r>
-            <a:br>
-              <a:rPr lang="zh-CN" altLang="en-US" b="1" dirty="0" smtClean="0">
-                <a:effectLst/>
-              </a:rPr>
-            </a:br>
-            <a:r>
-              <a:rPr lang="en-US" altLang="zh-CN" b="1" dirty="0" smtClean="0">
-                <a:effectLst/>
-              </a:rPr>
-              <a:t>7).</a:t>
-            </a:r>
-            <a:r>
-              <a:rPr lang="zh-CN" altLang="en-US" b="1" dirty="0" smtClean="0">
-                <a:effectLst/>
-              </a:rPr>
-              <a:t>将生成的包安装到本地仓库中</a:t>
-            </a:r>
-            <a:r>
-              <a:rPr lang="en-US" altLang="zh-CN" b="1" dirty="0" smtClean="0">
-                <a:effectLst/>
-              </a:rPr>
-              <a:t>------</a:t>
-            </a:r>
-            <a:r>
-              <a:rPr lang="en-US" altLang="zh-CN" sz="1200" b="1" kern="1200" dirty="0" smtClean="0">
-                <a:solidFill>
-                  <a:schemeClr val="tx1"/>
-                </a:solidFill>
-                <a:effectLst/>
-                <a:latin typeface="+mn-lt"/>
-                <a:ea typeface="+mn-ea"/>
-                <a:cs typeface="+mn-cs"/>
-              </a:rPr>
-              <a:t>install</a:t>
-            </a:r>
-            <a:r>
-              <a:rPr lang="zh-CN" altLang="en-US" b="1" dirty="0" smtClean="0">
-                <a:effectLst/>
-              </a:rPr>
-              <a:t>阶段</a:t>
-            </a:r>
-            <a:br>
-              <a:rPr lang="zh-CN" altLang="en-US" b="1" dirty="0" smtClean="0">
-                <a:effectLst/>
-              </a:rPr>
-            </a:br>
-            <a:r>
-              <a:rPr lang="en-US" altLang="zh-CN" b="1" dirty="0" smtClean="0">
-                <a:effectLst/>
-              </a:rPr>
-              <a:t>8).</a:t>
-            </a:r>
-            <a:r>
-              <a:rPr lang="zh-CN" altLang="en-US" b="1" dirty="0" smtClean="0">
-                <a:effectLst/>
-              </a:rPr>
-              <a:t>将生成的包部署到远程仓库中</a:t>
-            </a:r>
-            <a:r>
-              <a:rPr lang="en-US" altLang="zh-CN" b="1" dirty="0" smtClean="0">
-                <a:effectLst/>
-              </a:rPr>
-              <a:t>----</a:t>
-            </a:r>
-            <a:r>
-              <a:rPr lang="en-US" altLang="zh-CN" sz="1200" b="1" kern="1200" dirty="0" smtClean="0">
-                <a:solidFill>
-                  <a:schemeClr val="tx1"/>
-                </a:solidFill>
-                <a:effectLst/>
-                <a:latin typeface="+mn-lt"/>
-                <a:ea typeface="+mn-ea"/>
-                <a:cs typeface="+mn-cs"/>
-              </a:rPr>
-              <a:t>-deploy</a:t>
-            </a:r>
-            <a:r>
-              <a:rPr lang="zh-CN" altLang="en-US" b="1" dirty="0" smtClean="0">
-                <a:effectLst/>
-              </a:rPr>
-              <a:t>阶段</a:t>
-            </a:r>
-            <a:endParaRPr lang="en-US" altLang="zh-CN" sz="1200" b="0" i="0" kern="1200" dirty="0" smtClean="0">
-              <a:solidFill>
-                <a:schemeClr val="tx1"/>
-              </a:solidFill>
-              <a:effectLst/>
-              <a:latin typeface="+mn-lt"/>
-              <a:ea typeface="+mn-ea"/>
-              <a:cs typeface="+mn-cs"/>
-            </a:endParaRPr>
+            <a:endParaRPr lang="zh-CN" altLang="en-US" dirty="0"/>
           </a:p>
         </p:txBody>
       </p:sp>
       <p:sp>
         <p:nvSpPr>
-          <p:cNvPr id="4" name="幻灯片编号占位符 3"/>
+          <p:cNvPr id="4" name="灯片编号占位符 3"/>
           <p:cNvSpPr>
             <a:spLocks noGrp="1"/>
           </p:cNvSpPr>
@@ -4744,652 +4106,7 @@
             <a:fld id="{A0599F7F-2211-7141-8923-64F743D34222}" type="slidenum">
               <a:rPr kumimoji="1" lang="zh-CN" altLang="en-US" smtClean="0"/>
               <a:pPr/>
-              <a:t>7</a:t>
-            </a:fld>
-            <a:endParaRPr kumimoji="1" lang="zh-CN" altLang="en-US"/>
-          </a:p>
-        </p:txBody>
-      </p:sp>
-    </p:spTree>
-  </p:cSld>
-  <p:clrMapOvr>
-    <a:masterClrMapping/>
-  </p:clrMapOvr>
-</p:notes>
-</file>
-
-<file path=ppt/notesSlides/notesSlide5.xml><?xml version="1.0" encoding="utf-8"?>
-<p:notes xmlns:a="http://schemas.openxmlformats.org/drawingml/2006/main" xmlns:r="http://schemas.openxmlformats.org/officeDocument/2006/relationships" xmlns:p="http://schemas.openxmlformats.org/presentationml/2006/main">
-  <p:cSld>
-    <p:spTree>
-      <p:nvGrpSpPr>
-        <p:cNvPr id="1" name=""/>
-        <p:cNvGrpSpPr/>
-        <p:nvPr/>
-      </p:nvGrpSpPr>
-      <p:grpSpPr>
-        <a:xfrm>
-          <a:off x="0" y="0"/>
-          <a:ext cx="0" cy="0"/>
-          <a:chOff x="0" y="0"/>
-          <a:chExt cx="0" cy="0"/>
-        </a:xfrm>
-      </p:grpSpPr>
-      <p:sp>
-        <p:nvSpPr>
-          <p:cNvPr id="2" name="幻灯片图像占位符 1"/>
-          <p:cNvSpPr>
-            <a:spLocks noGrp="1" noRot="1" noChangeAspect="1"/>
-          </p:cNvSpPr>
-          <p:nvPr>
-            <p:ph type="sldImg"/>
-          </p:nvPr>
-        </p:nvSpPr>
-        <p:spPr/>
-      </p:sp>
-      <p:sp>
-        <p:nvSpPr>
-          <p:cNvPr id="3" name="备注占位符 2"/>
-          <p:cNvSpPr>
-            <a:spLocks noGrp="1"/>
-          </p:cNvSpPr>
-          <p:nvPr>
-            <p:ph type="body" idx="1"/>
-          </p:nvPr>
-        </p:nvSpPr>
-        <p:spPr/>
-        <p:txBody>
-          <a:bodyPr/>
-          <a:lstStyle/>
-          <a:p>
-            <a:r>
-              <a:rPr lang="en-US" altLang="zh-CN" b="1" dirty="0" smtClean="0">
-                <a:effectLst/>
-              </a:rPr>
-              <a:t>1).</a:t>
-            </a:r>
-            <a:r>
-              <a:rPr lang="zh-CN" altLang="en-US" b="1" dirty="0" smtClean="0">
-                <a:effectLst/>
-              </a:rPr>
-              <a:t>应该将</a:t>
-            </a:r>
-            <a:r>
-              <a:rPr lang="en-US" altLang="zh-CN" b="1" dirty="0" smtClean="0">
-                <a:effectLst/>
-              </a:rPr>
-              <a:t>resource</a:t>
-            </a:r>
-            <a:r>
-              <a:rPr lang="zh-CN" altLang="en-US" b="1" dirty="0" smtClean="0">
-                <a:effectLst/>
-              </a:rPr>
-              <a:t>资源文件准备好，放到指定的</a:t>
-            </a:r>
-            <a:r>
-              <a:rPr lang="en-US" altLang="zh-CN" b="1" dirty="0" smtClean="0">
-                <a:effectLst/>
-              </a:rPr>
-              <a:t>target</a:t>
-            </a:r>
-            <a:r>
-              <a:rPr lang="zh-CN" altLang="en-US" b="1" dirty="0" smtClean="0">
-                <a:effectLst/>
-              </a:rPr>
-              <a:t>目录下</a:t>
-            </a:r>
-            <a:r>
-              <a:rPr lang="en-US" altLang="zh-CN" b="1" dirty="0" smtClean="0">
-                <a:effectLst/>
-              </a:rPr>
-              <a:t>---</a:t>
-            </a:r>
-            <a:r>
-              <a:rPr lang="en-US" altLang="zh-CN" sz="1200" b="1" kern="1200" dirty="0" smtClean="0">
-                <a:solidFill>
-                  <a:schemeClr val="tx1"/>
-                </a:solidFill>
-                <a:effectLst/>
-                <a:latin typeface="+mn-lt"/>
-                <a:ea typeface="+mn-ea"/>
-                <a:cs typeface="+mn-cs"/>
-              </a:rPr>
-              <a:t>-process-resources</a:t>
-            </a:r>
-            <a:r>
-              <a:rPr lang="en-US" altLang="zh-CN" b="1" dirty="0" smtClean="0">
-                <a:effectLst/>
-              </a:rPr>
-              <a:t> </a:t>
-            </a:r>
-            <a:r>
-              <a:rPr lang="zh-CN" altLang="en-US" b="1" dirty="0" smtClean="0">
-                <a:effectLst/>
-              </a:rPr>
-              <a:t>阶段；</a:t>
-            </a:r>
-            <a:br>
-              <a:rPr lang="zh-CN" altLang="en-US" b="1" dirty="0" smtClean="0">
-                <a:effectLst/>
-              </a:rPr>
-            </a:br>
-            <a:r>
-              <a:rPr lang="en-US" altLang="zh-CN" b="1" dirty="0" smtClean="0">
-                <a:effectLst/>
-              </a:rPr>
-              <a:t>2).</a:t>
-            </a:r>
-            <a:r>
-              <a:rPr lang="zh-CN" altLang="en-US" b="1" dirty="0" smtClean="0">
-                <a:effectLst/>
-              </a:rPr>
-              <a:t>将</a:t>
-            </a:r>
-            <a:r>
-              <a:rPr lang="en-US" altLang="zh-CN" b="1" dirty="0" smtClean="0">
-                <a:effectLst/>
-              </a:rPr>
-              <a:t>java</a:t>
-            </a:r>
-            <a:r>
-              <a:rPr lang="zh-CN" altLang="en-US" b="1" dirty="0" smtClean="0">
-                <a:effectLst/>
-              </a:rPr>
-              <a:t>源文件编译成</a:t>
-            </a:r>
-            <a:r>
-              <a:rPr lang="en-US" altLang="zh-CN" b="1" dirty="0" smtClean="0">
-                <a:effectLst/>
-              </a:rPr>
-              <a:t>.class</a:t>
-            </a:r>
-            <a:r>
-              <a:rPr lang="zh-CN" altLang="en-US" b="1" dirty="0" smtClean="0">
-                <a:effectLst/>
-              </a:rPr>
-              <a:t>文件，然后将</a:t>
-            </a:r>
-            <a:r>
-              <a:rPr lang="en-US" altLang="zh-CN" b="1" dirty="0" smtClean="0">
-                <a:effectLst/>
-              </a:rPr>
-              <a:t>class </a:t>
-            </a:r>
-            <a:r>
-              <a:rPr lang="zh-CN" altLang="en-US" b="1" dirty="0" smtClean="0">
-                <a:effectLst/>
-              </a:rPr>
-              <a:t>文件放置到对应的</a:t>
-            </a:r>
-            <a:r>
-              <a:rPr lang="en-US" altLang="zh-CN" b="1" dirty="0" smtClean="0">
-                <a:effectLst/>
-              </a:rPr>
-              <a:t>target</a:t>
-            </a:r>
-            <a:r>
-              <a:rPr lang="zh-CN" altLang="en-US" b="1" dirty="0" smtClean="0">
-                <a:effectLst/>
-              </a:rPr>
-              <a:t>目录下</a:t>
-            </a:r>
-            <a:r>
-              <a:rPr lang="en-US" altLang="zh-CN" b="1" dirty="0" smtClean="0">
-                <a:effectLst/>
-              </a:rPr>
-              <a:t>----</a:t>
-            </a:r>
-            <a:r>
-              <a:rPr lang="en-US" altLang="zh-CN" sz="1200" b="1" kern="1200" dirty="0" smtClean="0">
-                <a:solidFill>
-                  <a:schemeClr val="tx1"/>
-                </a:solidFill>
-                <a:effectLst/>
-                <a:latin typeface="+mn-lt"/>
-                <a:ea typeface="+mn-ea"/>
-                <a:cs typeface="+mn-cs"/>
-              </a:rPr>
-              <a:t>compile</a:t>
-            </a:r>
-            <a:r>
-              <a:rPr lang="zh-CN" altLang="en-US" b="1" dirty="0" smtClean="0">
-                <a:effectLst/>
-              </a:rPr>
-              <a:t>阶段；</a:t>
-            </a:r>
-            <a:br>
-              <a:rPr lang="zh-CN" altLang="en-US" b="1" dirty="0" smtClean="0">
-                <a:effectLst/>
-              </a:rPr>
-            </a:br>
-            <a:r>
-              <a:rPr lang="en-US" altLang="zh-CN" b="1" dirty="0" smtClean="0">
-                <a:effectLst/>
-              </a:rPr>
-              <a:t>3).</a:t>
-            </a:r>
-            <a:r>
-              <a:rPr lang="zh-CN" altLang="en-US" b="1" dirty="0" smtClean="0">
-                <a:effectLst/>
-              </a:rPr>
-              <a:t>将</a:t>
-            </a:r>
-            <a:r>
-              <a:rPr lang="en-US" altLang="zh-CN" b="1" dirty="0" smtClean="0">
-                <a:effectLst/>
-              </a:rPr>
-              <a:t>test</a:t>
-            </a:r>
-            <a:r>
-              <a:rPr lang="zh-CN" altLang="en-US" b="1" dirty="0" smtClean="0">
-                <a:effectLst/>
-              </a:rPr>
-              <a:t>类型的</a:t>
-            </a:r>
-            <a:r>
-              <a:rPr lang="en-US" altLang="zh-CN" b="1" dirty="0" smtClean="0">
-                <a:effectLst/>
-              </a:rPr>
-              <a:t>resource</a:t>
-            </a:r>
-            <a:r>
-              <a:rPr lang="zh-CN" altLang="en-US" b="1" dirty="0" smtClean="0">
-                <a:effectLst/>
-              </a:rPr>
-              <a:t>移动到指定的 </a:t>
-            </a:r>
-            <a:r>
-              <a:rPr lang="en-US" altLang="zh-CN" b="1" dirty="0" smtClean="0">
-                <a:effectLst/>
-              </a:rPr>
-              <a:t>target</a:t>
-            </a:r>
-            <a:r>
-              <a:rPr lang="zh-CN" altLang="en-US" b="1" dirty="0" smtClean="0">
-                <a:effectLst/>
-              </a:rPr>
-              <a:t>目录下</a:t>
-            </a:r>
-            <a:r>
-              <a:rPr lang="en-US" altLang="zh-CN" b="1" dirty="0" smtClean="0">
-                <a:effectLst/>
-              </a:rPr>
-              <a:t>-----</a:t>
-            </a:r>
-            <a:r>
-              <a:rPr lang="en-US" altLang="zh-CN" sz="1200" b="1" kern="1200" dirty="0" smtClean="0">
-                <a:solidFill>
-                  <a:schemeClr val="tx1"/>
-                </a:solidFill>
-                <a:effectLst/>
-                <a:latin typeface="+mn-lt"/>
-                <a:ea typeface="+mn-ea"/>
-                <a:cs typeface="+mn-cs"/>
-              </a:rPr>
-              <a:t>-process-test-resource</a:t>
-            </a:r>
-            <a:r>
-              <a:rPr lang="zh-CN" altLang="en-US" b="1" dirty="0" smtClean="0">
-                <a:effectLst/>
-              </a:rPr>
-              <a:t>阶段；</a:t>
-            </a:r>
-            <a:br>
-              <a:rPr lang="zh-CN" altLang="en-US" b="1" dirty="0" smtClean="0">
-                <a:effectLst/>
-              </a:rPr>
-            </a:br>
-            <a:r>
-              <a:rPr lang="en-US" altLang="zh-CN" b="1" dirty="0" smtClean="0">
-                <a:effectLst/>
-              </a:rPr>
-              <a:t>4).</a:t>
-            </a:r>
-            <a:r>
-              <a:rPr lang="zh-CN" altLang="en-US" b="1" dirty="0" smtClean="0">
-                <a:effectLst/>
-              </a:rPr>
-              <a:t>将</a:t>
-            </a:r>
-            <a:r>
-              <a:rPr lang="en-US" altLang="zh-CN" b="1" dirty="0" smtClean="0">
-                <a:effectLst/>
-              </a:rPr>
-              <a:t>test</a:t>
-            </a:r>
-            <a:r>
-              <a:rPr lang="zh-CN" altLang="en-US" b="1" dirty="0" smtClean="0">
-                <a:effectLst/>
-              </a:rPr>
-              <a:t>类型的</a:t>
-            </a:r>
-            <a:r>
-              <a:rPr lang="en-US" altLang="zh-CN" b="1" dirty="0" smtClean="0">
-                <a:effectLst/>
-              </a:rPr>
-              <a:t>java </a:t>
-            </a:r>
-            <a:r>
-              <a:rPr lang="zh-CN" altLang="en-US" b="1" dirty="0" smtClean="0">
-                <a:effectLst/>
-              </a:rPr>
-              <a:t>源文件编译成</a:t>
-            </a:r>
-            <a:r>
-              <a:rPr lang="en-US" altLang="zh-CN" b="1" dirty="0" smtClean="0">
-                <a:effectLst/>
-              </a:rPr>
-              <a:t>class</a:t>
-            </a:r>
-            <a:r>
-              <a:rPr lang="zh-CN" altLang="en-US" b="1" dirty="0" smtClean="0">
-                <a:effectLst/>
-              </a:rPr>
-              <a:t>文件，然后放置到指定的</a:t>
-            </a:r>
-            <a:r>
-              <a:rPr lang="en-US" altLang="zh-CN" b="1" dirty="0" smtClean="0">
-                <a:effectLst/>
-              </a:rPr>
-              <a:t>target</a:t>
-            </a:r>
-            <a:r>
-              <a:rPr lang="zh-CN" altLang="en-US" b="1" dirty="0" smtClean="0">
-                <a:effectLst/>
-              </a:rPr>
-              <a:t>目录下</a:t>
-            </a:r>
-            <a:r>
-              <a:rPr lang="en-US" altLang="zh-CN" b="1" dirty="0" smtClean="0">
-                <a:effectLst/>
-              </a:rPr>
-              <a:t>------</a:t>
-            </a:r>
-            <a:r>
-              <a:rPr lang="en-US" altLang="zh-CN" sz="1200" b="1" kern="1200" dirty="0" smtClean="0">
-                <a:solidFill>
-                  <a:schemeClr val="tx1"/>
-                </a:solidFill>
-                <a:effectLst/>
-                <a:latin typeface="+mn-lt"/>
-                <a:ea typeface="+mn-ea"/>
-                <a:cs typeface="+mn-cs"/>
-              </a:rPr>
-              <a:t>test-compile</a:t>
-            </a:r>
-            <a:r>
-              <a:rPr lang="zh-CN" altLang="en-US" b="1" dirty="0" smtClean="0">
-                <a:effectLst/>
-              </a:rPr>
-              <a:t>阶段；</a:t>
-            </a:r>
-            <a:br>
-              <a:rPr lang="zh-CN" altLang="en-US" b="1" dirty="0" smtClean="0">
-                <a:effectLst/>
-              </a:rPr>
-            </a:br>
-            <a:r>
-              <a:rPr lang="en-US" altLang="zh-CN" b="1" dirty="0" smtClean="0">
-                <a:effectLst/>
-              </a:rPr>
-              <a:t>5).</a:t>
-            </a:r>
-            <a:r>
-              <a:rPr lang="zh-CN" altLang="en-US" b="1" dirty="0" smtClean="0">
-                <a:effectLst/>
-              </a:rPr>
-              <a:t>运行</a:t>
-            </a:r>
-            <a:r>
-              <a:rPr lang="en-US" altLang="zh-CN" b="1" dirty="0" smtClean="0">
-                <a:effectLst/>
-              </a:rPr>
-              <a:t>test</a:t>
-            </a:r>
-            <a:r>
-              <a:rPr lang="zh-CN" altLang="en-US" b="1" dirty="0" smtClean="0">
-                <a:effectLst/>
-              </a:rPr>
-              <a:t>测试用例</a:t>
-            </a:r>
-            <a:r>
-              <a:rPr lang="en-US" altLang="zh-CN" b="1" dirty="0" smtClean="0">
-                <a:effectLst/>
-              </a:rPr>
-              <a:t>------</a:t>
-            </a:r>
-            <a:r>
-              <a:rPr lang="en-US" altLang="zh-CN" sz="1200" b="1" kern="1200" dirty="0" smtClean="0">
-                <a:solidFill>
-                  <a:schemeClr val="tx1"/>
-                </a:solidFill>
-                <a:effectLst/>
-                <a:latin typeface="+mn-lt"/>
-                <a:ea typeface="+mn-ea"/>
-                <a:cs typeface="+mn-cs"/>
-              </a:rPr>
-              <a:t>-test</a:t>
-            </a:r>
-            <a:r>
-              <a:rPr lang="zh-CN" altLang="en-US" b="1" dirty="0" smtClean="0">
-                <a:effectLst/>
-              </a:rPr>
-              <a:t>阶段；</a:t>
-            </a:r>
-            <a:br>
-              <a:rPr lang="zh-CN" altLang="en-US" b="1" dirty="0" smtClean="0">
-                <a:effectLst/>
-              </a:rPr>
-            </a:br>
-            <a:r>
-              <a:rPr lang="en-US" altLang="zh-CN" b="1" dirty="0" smtClean="0">
-                <a:effectLst/>
-              </a:rPr>
-              <a:t>6).</a:t>
-            </a:r>
-            <a:r>
-              <a:rPr lang="zh-CN" altLang="en-US" b="1" dirty="0" smtClean="0">
-                <a:effectLst/>
-              </a:rPr>
-              <a:t>将</a:t>
-            </a:r>
-            <a:r>
-              <a:rPr lang="en-US" altLang="zh-CN" b="1" dirty="0" smtClean="0">
-                <a:effectLst/>
-              </a:rPr>
-              <a:t>compile</a:t>
-            </a:r>
-            <a:r>
-              <a:rPr lang="zh-CN" altLang="en-US" b="1" dirty="0" smtClean="0">
-                <a:effectLst/>
-              </a:rPr>
-              <a:t>阶段编译的</a:t>
-            </a:r>
-            <a:r>
-              <a:rPr lang="en-US" altLang="zh-CN" b="1" dirty="0" smtClean="0">
-                <a:effectLst/>
-              </a:rPr>
-              <a:t>class</a:t>
-            </a:r>
-            <a:r>
-              <a:rPr lang="zh-CN" altLang="en-US" b="1" dirty="0" smtClean="0">
-                <a:effectLst/>
-              </a:rPr>
-              <a:t>文件和</a:t>
-            </a:r>
-            <a:r>
-              <a:rPr lang="en-US" altLang="zh-CN" b="1" dirty="0" smtClean="0">
-                <a:effectLst/>
-              </a:rPr>
-              <a:t>resource</a:t>
-            </a:r>
-            <a:r>
-              <a:rPr lang="zh-CN" altLang="en-US" b="1" dirty="0" smtClean="0">
-                <a:effectLst/>
-              </a:rPr>
-              <a:t>资源打包成</a:t>
-            </a:r>
-            <a:r>
-              <a:rPr lang="en-US" altLang="zh-CN" b="1" dirty="0" smtClean="0">
-                <a:effectLst/>
-              </a:rPr>
-              <a:t>jar</a:t>
-            </a:r>
-            <a:r>
-              <a:rPr lang="zh-CN" altLang="en-US" b="1" dirty="0" smtClean="0">
-                <a:effectLst/>
-              </a:rPr>
-              <a:t>包或</a:t>
-            </a:r>
-            <a:r>
-              <a:rPr lang="en-US" altLang="zh-CN" b="1" dirty="0" smtClean="0">
-                <a:effectLst/>
-              </a:rPr>
-              <a:t>war</a:t>
-            </a:r>
-            <a:r>
-              <a:rPr lang="zh-CN" altLang="en-US" b="1" dirty="0" smtClean="0">
-                <a:effectLst/>
-              </a:rPr>
-              <a:t>包</a:t>
-            </a:r>
-            <a:r>
-              <a:rPr lang="en-US" altLang="zh-CN" b="1" dirty="0" smtClean="0">
-                <a:effectLst/>
-              </a:rPr>
-              <a:t>--------</a:t>
-            </a:r>
-            <a:r>
-              <a:rPr lang="en-US" altLang="zh-CN" sz="1200" b="1" kern="1200" dirty="0" smtClean="0">
-                <a:solidFill>
-                  <a:schemeClr val="tx1"/>
-                </a:solidFill>
-                <a:effectLst/>
-                <a:latin typeface="+mn-lt"/>
-                <a:ea typeface="+mn-ea"/>
-                <a:cs typeface="+mn-cs"/>
-              </a:rPr>
-              <a:t>package</a:t>
-            </a:r>
-            <a:r>
-              <a:rPr lang="zh-CN" altLang="en-US" b="1" dirty="0" smtClean="0">
-                <a:effectLst/>
-              </a:rPr>
-              <a:t>阶段；</a:t>
-            </a:r>
-            <a:br>
-              <a:rPr lang="zh-CN" altLang="en-US" b="1" dirty="0" smtClean="0">
-                <a:effectLst/>
-              </a:rPr>
-            </a:br>
-            <a:r>
-              <a:rPr lang="en-US" altLang="zh-CN" b="1" dirty="0" smtClean="0">
-                <a:effectLst/>
-              </a:rPr>
-              <a:t>7).</a:t>
-            </a:r>
-            <a:r>
-              <a:rPr lang="zh-CN" altLang="en-US" b="1" dirty="0" smtClean="0">
-                <a:effectLst/>
-              </a:rPr>
-              <a:t>将生成的包安装到本地仓库中</a:t>
-            </a:r>
-            <a:r>
-              <a:rPr lang="en-US" altLang="zh-CN" b="1" dirty="0" smtClean="0">
-                <a:effectLst/>
-              </a:rPr>
-              <a:t>------</a:t>
-            </a:r>
-            <a:r>
-              <a:rPr lang="en-US" altLang="zh-CN" sz="1200" b="1" kern="1200" dirty="0" smtClean="0">
-                <a:solidFill>
-                  <a:schemeClr val="tx1"/>
-                </a:solidFill>
-                <a:effectLst/>
-                <a:latin typeface="+mn-lt"/>
-                <a:ea typeface="+mn-ea"/>
-                <a:cs typeface="+mn-cs"/>
-              </a:rPr>
-              <a:t>install</a:t>
-            </a:r>
-            <a:r>
-              <a:rPr lang="zh-CN" altLang="en-US" b="1" dirty="0" smtClean="0">
-                <a:effectLst/>
-              </a:rPr>
-              <a:t>阶段</a:t>
-            </a:r>
-            <a:br>
-              <a:rPr lang="zh-CN" altLang="en-US" b="1" dirty="0" smtClean="0">
-                <a:effectLst/>
-              </a:rPr>
-            </a:br>
-            <a:r>
-              <a:rPr lang="en-US" altLang="zh-CN" b="1" dirty="0" smtClean="0">
-                <a:effectLst/>
-              </a:rPr>
-              <a:t>8).</a:t>
-            </a:r>
-            <a:r>
-              <a:rPr lang="zh-CN" altLang="en-US" b="1" dirty="0" smtClean="0">
-                <a:effectLst/>
-              </a:rPr>
-              <a:t>将生成的包部署到远程仓库中</a:t>
-            </a:r>
-            <a:r>
-              <a:rPr lang="en-US" altLang="zh-CN" b="1" dirty="0" smtClean="0">
-                <a:effectLst/>
-              </a:rPr>
-              <a:t>----</a:t>
-            </a:r>
-            <a:r>
-              <a:rPr lang="en-US" altLang="zh-CN" sz="1200" b="1" kern="1200" dirty="0" smtClean="0">
-                <a:solidFill>
-                  <a:schemeClr val="tx1"/>
-                </a:solidFill>
-                <a:effectLst/>
-                <a:latin typeface="+mn-lt"/>
-                <a:ea typeface="+mn-ea"/>
-                <a:cs typeface="+mn-cs"/>
-              </a:rPr>
-              <a:t>-deploy</a:t>
-            </a:r>
-            <a:r>
-              <a:rPr lang="zh-CN" altLang="en-US" b="1" dirty="0" smtClean="0">
-                <a:effectLst/>
-              </a:rPr>
-              <a:t>阶段</a:t>
-            </a:r>
-            <a:endParaRPr lang="en-US" altLang="zh-CN" sz="1200" b="0" i="0" kern="1200" dirty="0" smtClean="0">
-              <a:solidFill>
-                <a:schemeClr val="tx1"/>
-              </a:solidFill>
-              <a:effectLst/>
-              <a:latin typeface="+mn-lt"/>
-              <a:ea typeface="+mn-ea"/>
-              <a:cs typeface="+mn-cs"/>
-            </a:endParaRPr>
-          </a:p>
-        </p:txBody>
-      </p:sp>
-      <p:sp>
-        <p:nvSpPr>
-          <p:cNvPr id="4" name="幻灯片编号占位符 3"/>
-          <p:cNvSpPr>
-            <a:spLocks noGrp="1"/>
-          </p:cNvSpPr>
-          <p:nvPr>
-            <p:ph type="sldNum" sz="quarter" idx="10"/>
-          </p:nvPr>
-        </p:nvSpPr>
-        <p:spPr/>
-        <p:txBody>
-          <a:bodyPr/>
-          <a:lstStyle/>
-          <a:p>
-            <a:fld id="{A0599F7F-2211-7141-8923-64F743D34222}" type="slidenum">
-              <a:rPr kumimoji="1" lang="zh-CN" altLang="en-US" smtClean="0"/>
-              <a:pPr/>
-              <a:t>8</a:t>
+              <a:t>30</a:t>
             </a:fld>
             <a:endParaRPr kumimoji="1" lang="zh-CN" altLang="en-US"/>
           </a:p>
@@ -5593,7 +4310,7 @@
             <a:fld id="{918F5BD1-E764-4D65-9399-12C6B8652A7F}" type="datetimeFigureOut">
               <a:rPr lang="zh-CN" altLang="en-US" smtClean="0"/>
               <a:pPr/>
-              <a:t>2017/11/14 Tuesday</a:t>
+              <a:t>2017/11/27 Monday</a:t>
             </a:fld>
             <a:endParaRPr lang="zh-CN" altLang="en-US"/>
           </a:p>
@@ -5784,7 +4501,7 @@
             <a:fld id="{918F5BD1-E764-4D65-9399-12C6B8652A7F}" type="datetimeFigureOut">
               <a:rPr lang="zh-CN" altLang="en-US" smtClean="0"/>
               <a:pPr/>
-              <a:t>2017/11/14 Tuesday</a:t>
+              <a:t>2017/11/27 Monday</a:t>
             </a:fld>
             <a:endParaRPr lang="zh-CN" altLang="en-US"/>
           </a:p>
@@ -5985,7 +4702,7 @@
             <a:fld id="{918F5BD1-E764-4D65-9399-12C6B8652A7F}" type="datetimeFigureOut">
               <a:rPr lang="zh-CN" altLang="en-US" smtClean="0"/>
               <a:pPr/>
-              <a:t>2017/11/14 Tuesday</a:t>
+              <a:t>2017/11/27 Monday</a:t>
             </a:fld>
             <a:endParaRPr lang="zh-CN" altLang="en-US"/>
           </a:p>
@@ -6176,7 +4893,7 @@
             <a:fld id="{918F5BD1-E764-4D65-9399-12C6B8652A7F}" type="datetimeFigureOut">
               <a:rPr lang="zh-CN" altLang="en-US" smtClean="0"/>
               <a:pPr/>
-              <a:t>2017/11/14 Tuesday</a:t>
+              <a:t>2017/11/27 Monday</a:t>
             </a:fld>
             <a:endParaRPr lang="zh-CN" altLang="en-US"/>
           </a:p>
@@ -6443,7 +5160,7 @@
             <a:fld id="{918F5BD1-E764-4D65-9399-12C6B8652A7F}" type="datetimeFigureOut">
               <a:rPr lang="zh-CN" altLang="en-US" smtClean="0"/>
               <a:pPr/>
-              <a:t>2017/11/14 Tuesday</a:t>
+              <a:t>2017/11/27 Monday</a:t>
             </a:fld>
             <a:endParaRPr lang="zh-CN" altLang="en-US"/>
           </a:p>
@@ -6752,7 +5469,7 @@
             <a:fld id="{918F5BD1-E764-4D65-9399-12C6B8652A7F}" type="datetimeFigureOut">
               <a:rPr lang="zh-CN" altLang="en-US" smtClean="0"/>
               <a:pPr/>
-              <a:t>2017/11/14 Tuesday</a:t>
+              <a:t>2017/11/27 Monday</a:t>
             </a:fld>
             <a:endParaRPr lang="zh-CN" altLang="en-US"/>
           </a:p>
@@ -7200,7 +5917,7 @@
             <a:fld id="{918F5BD1-E764-4D65-9399-12C6B8652A7F}" type="datetimeFigureOut">
               <a:rPr lang="zh-CN" altLang="en-US" smtClean="0"/>
               <a:pPr/>
-              <a:t>2017/11/14 Tuesday</a:t>
+              <a:t>2017/11/27 Monday</a:t>
             </a:fld>
             <a:endParaRPr lang="zh-CN" altLang="en-US"/>
           </a:p>
@@ -7339,7 +6056,7 @@
             <a:fld id="{918F5BD1-E764-4D65-9399-12C6B8652A7F}" type="datetimeFigureOut">
               <a:rPr lang="zh-CN" altLang="en-US" smtClean="0"/>
               <a:pPr/>
-              <a:t>2017/11/14 Tuesday</a:t>
+              <a:t>2017/11/27 Monday</a:t>
             </a:fld>
             <a:endParaRPr lang="zh-CN" altLang="en-US"/>
           </a:p>
@@ -7455,7 +6172,7 @@
             <a:fld id="{918F5BD1-E764-4D65-9399-12C6B8652A7F}" type="datetimeFigureOut">
               <a:rPr lang="zh-CN" altLang="en-US" smtClean="0"/>
               <a:pPr/>
-              <a:t>2017/11/14 Tuesday</a:t>
+              <a:t>2017/11/27 Monday</a:t>
             </a:fld>
             <a:endParaRPr lang="zh-CN" altLang="en-US"/>
           </a:p>
@@ -7753,7 +6470,7 @@
             <a:fld id="{918F5BD1-E764-4D65-9399-12C6B8652A7F}" type="datetimeFigureOut">
               <a:rPr lang="zh-CN" altLang="en-US" smtClean="0"/>
               <a:pPr/>
-              <a:t>2017/11/14 Tuesday</a:t>
+              <a:t>2017/11/27 Monday</a:t>
             </a:fld>
             <a:endParaRPr lang="zh-CN" altLang="en-US"/>
           </a:p>
@@ -8027,7 +6744,7 @@
             <a:fld id="{918F5BD1-E764-4D65-9399-12C6B8652A7F}" type="datetimeFigureOut">
               <a:rPr lang="zh-CN" altLang="en-US" smtClean="0"/>
               <a:pPr/>
-              <a:t>2017/11/14 Tuesday</a:t>
+              <a:t>2017/11/27 Monday</a:t>
             </a:fld>
             <a:endParaRPr lang="zh-CN" altLang="en-US"/>
           </a:p>
@@ -8593,15 +7310,32 @@
           <a:p>
             <a:pPr algn="ctr"/>
             <a:r>
-              <a:rPr lang="zh-CN" altLang="en-US" sz="3700" b="1" dirty="0">
+              <a:rPr lang="en-US" altLang="zh-CN" sz="3700" b="1" dirty="0" smtClean="0">
                 <a:solidFill>
                   <a:schemeClr val="bg1"/>
                 </a:solidFill>
                 <a:latin typeface="微软雅黑" panose="020B0503020204020204" pitchFamily="34" charset="-122"/>
                 <a:ea typeface="微软雅黑" panose="020B0503020204020204" pitchFamily="34" charset="-122"/>
               </a:rPr>
-              <a:t>设计模式初体验</a:t>
-            </a:r>
+              <a:t>Java</a:t>
+            </a:r>
+            <a:r>
+              <a:rPr lang="zh-CN" altLang="en-US" sz="3700" b="1" dirty="0" smtClean="0">
+                <a:solidFill>
+                  <a:schemeClr val="bg1"/>
+                </a:solidFill>
+                <a:latin typeface="微软雅黑" panose="020B0503020204020204" pitchFamily="34" charset="-122"/>
+                <a:ea typeface="微软雅黑" panose="020B0503020204020204" pitchFamily="34" charset="-122"/>
+              </a:rPr>
+              <a:t>多线程与锁</a:t>
+            </a:r>
+            <a:endParaRPr lang="zh-CN" altLang="en-US" sz="3700" b="1" dirty="0">
+              <a:solidFill>
+                <a:schemeClr val="bg1"/>
+              </a:solidFill>
+              <a:latin typeface="微软雅黑" panose="020B0503020204020204" pitchFamily="34" charset="-122"/>
+              <a:ea typeface="微软雅黑" panose="020B0503020204020204" pitchFamily="34" charset="-122"/>
+            </a:endParaRPr>
           </a:p>
         </p:txBody>
       </p:sp>
@@ -8729,7 +7463,7 @@
                 <a:latin typeface="微软雅黑" panose="020B0503020204020204" pitchFamily="34" charset="-122"/>
                 <a:ea typeface="微软雅黑" panose="020B0503020204020204" pitchFamily="34" charset="-122"/>
               </a:rPr>
-              <a:t>21</a:t>
+              <a:t>28</a:t>
             </a:r>
             <a:r>
               <a:rPr lang="zh-CN" altLang="en-US" sz="1400" dirty="0" smtClean="0">
@@ -8785,7 +7519,34 @@
       </p:grpSpPr>
       <p:sp>
         <p:nvSpPr>
-          <p:cNvPr id="8" name="内容占位符 7"/>
+          <p:cNvPr id="2" name="标题 1"/>
+          <p:cNvSpPr>
+            <a:spLocks noGrp="1"/>
+          </p:cNvSpPr>
+          <p:nvPr>
+            <p:ph type="title"/>
+          </p:nvPr>
+        </p:nvSpPr>
+        <p:spPr/>
+        <p:txBody>
+          <a:bodyPr/>
+          <a:lstStyle/>
+          <a:p>
+            <a:r>
+              <a:rPr lang="en-US" altLang="zh-CN" dirty="0" smtClean="0"/>
+              <a:t>Java</a:t>
+            </a:r>
+            <a:r>
+              <a:rPr lang="zh-CN" altLang="en-US" dirty="0" smtClean="0"/>
+              <a:t>对线程的基本操作</a:t>
+            </a:r>
+            <a:endParaRPr lang="zh-CN" dirty="0"/>
+          </a:p>
+        </p:txBody>
+      </p:sp>
+      <p:sp>
+        <p:nvSpPr>
+          <p:cNvPr id="4" name="内容占位符 3"/>
           <p:cNvSpPr>
             <a:spLocks noGrp="1"/>
           </p:cNvSpPr>
@@ -8793,28 +7554,28 @@
             <p:ph idx="1"/>
           </p:nvPr>
         </p:nvSpPr>
-        <p:spPr>
-          <a:xfrm>
-            <a:off x="642620" y="596265"/>
-            <a:ext cx="6390005" cy="371475"/>
-          </a:xfrm>
-        </p:spPr>
+        <p:spPr/>
         <p:txBody>
-          <a:bodyPr>
-            <a:normAutofit/>
-          </a:bodyPr>
+          <a:bodyPr/>
           <a:lstStyle/>
           <a:p>
             <a:r>
-              <a:rPr kumimoji="1" lang="zh-CN" altLang="en-US" dirty="0"/>
-              <a:t>懒汉式</a:t>
-            </a:r>
+              <a:rPr lang="en-US" altLang="zh-CN" b="1" dirty="0" smtClean="0"/>
+              <a:t>Java</a:t>
+            </a:r>
+            <a:r>
+              <a:rPr lang="zh-CN" altLang="en-US" b="1" dirty="0" smtClean="0"/>
+              <a:t>线程的生命周期</a:t>
+            </a:r>
+          </a:p>
+          <a:p>
+            <a:endParaRPr lang="zh-CN" altLang="en-US" dirty="0"/>
           </a:p>
         </p:txBody>
       </p:sp>
       <p:pic>
         <p:nvPicPr>
-          <p:cNvPr id="6" name="图片 5"/>
+          <p:cNvPr id="6" name="图片 5" descr="线程生命周期.png"/>
           <p:cNvPicPr>
             <a:picLocks noChangeAspect="1"/>
           </p:cNvPicPr>
@@ -8828,8 +7589,8 @@
         </p:blipFill>
         <p:spPr>
           <a:xfrm>
-            <a:off x="724535" y="899160"/>
-            <a:ext cx="5024120" cy="3913505"/>
+            <a:off x="1835696" y="1203599"/>
+            <a:ext cx="5041193" cy="3528392"/>
           </a:xfrm>
           <a:prstGeom prst="rect">
             <a:avLst/>
@@ -8884,9 +7645,10 @@
           <a:lstStyle/>
           <a:p>
             <a:r>
-              <a:rPr dirty="0"/>
-              <a:t>建造者模式（Builder）</a:t>
-            </a:r>
+              <a:rPr lang="zh-CN" altLang="en-US" dirty="0" smtClean="0"/>
+              <a:t>线程的基本操作</a:t>
+            </a:r>
+            <a:endParaRPr lang="zh-CN" altLang="en-US" dirty="0"/>
           </a:p>
         </p:txBody>
       </p:sp>
@@ -8902,43 +7664,210 @@
         </p:nvSpPr>
         <p:spPr/>
         <p:txBody>
-          <a:bodyPr/>
+          <a:bodyPr>
+            <a:normAutofit lnSpcReduction="10000"/>
+          </a:bodyPr>
           <a:lstStyle/>
           <a:p>
             <a:r>
-              <a:rPr lang="zh-CN" altLang="en-US"/>
-              <a:t>工厂类模式提供的是创建单个类的模式，而建造者模式则是将各种产品集中起来进行管理，用来创建复合对象。</a:t>
-            </a:r>
-          </a:p>
-          <a:p>
-            <a:endParaRPr lang="zh-CN" altLang="en-US"/>
+              <a:rPr lang="zh-CN" altLang="en-US" dirty="0" smtClean="0"/>
+              <a:t>先建线程 </a:t>
+            </a:r>
+            <a:endParaRPr lang="en-US" altLang="zh-CN" dirty="0" smtClean="0"/>
+          </a:p>
+          <a:p>
+            <a:pPr lvl="1"/>
+            <a:r>
+              <a:rPr lang="zh-CN" altLang="en-US" dirty="0" smtClean="0"/>
+              <a:t>继承</a:t>
+            </a:r>
+            <a:r>
+              <a:rPr lang="en-US" altLang="zh-CN" dirty="0" smtClean="0"/>
+              <a:t>Thread</a:t>
+            </a:r>
+            <a:r>
+              <a:rPr lang="zh-CN" altLang="en-US" dirty="0" smtClean="0"/>
+              <a:t>，重写</a:t>
+            </a:r>
+            <a:r>
+              <a:rPr lang="en-US" altLang="zh-CN" dirty="0" smtClean="0"/>
+              <a:t>run</a:t>
+            </a:r>
+            <a:r>
+              <a:rPr lang="zh-CN" altLang="en-US" dirty="0" smtClean="0"/>
+              <a:t>（）方法</a:t>
+            </a:r>
+          </a:p>
+          <a:p>
+            <a:pPr lvl="1"/>
+            <a:r>
+              <a:rPr lang="zh-CN" altLang="en-US" dirty="0" smtClean="0"/>
+              <a:t>实现</a:t>
+            </a:r>
+            <a:r>
+              <a:rPr lang="en-US" altLang="zh-CN" dirty="0" err="1" smtClean="0"/>
+              <a:t>Runnable</a:t>
+            </a:r>
+            <a:r>
+              <a:rPr lang="zh-CN" altLang="en-US" dirty="0" smtClean="0"/>
+              <a:t>接口</a:t>
+            </a:r>
+          </a:p>
+          <a:p>
+            <a:pPr lvl="1"/>
+            <a:r>
+              <a:rPr lang="zh-CN" altLang="en-US" dirty="0" smtClean="0"/>
+              <a:t>通过线程</a:t>
+            </a:r>
+            <a:r>
+              <a:rPr lang="zh-CN" altLang="en-US" dirty="0" smtClean="0"/>
+              <a:t>池</a:t>
+            </a:r>
+            <a:endParaRPr lang="en-US" altLang="zh-CN" dirty="0" smtClean="0"/>
+          </a:p>
+          <a:p>
+            <a:r>
+              <a:rPr lang="zh-CN" altLang="en-US" dirty="0" smtClean="0"/>
+              <a:t>终止</a:t>
+            </a:r>
+            <a:r>
+              <a:rPr lang="zh-CN" altLang="en-US" dirty="0" smtClean="0"/>
+              <a:t>线程</a:t>
+            </a:r>
+            <a:endParaRPr lang="en-US" altLang="zh-CN" dirty="0" smtClean="0"/>
+          </a:p>
+          <a:p>
+            <a:pPr lvl="1"/>
+            <a:r>
+              <a:rPr lang="zh-CN" altLang="en-US" dirty="0" smtClean="0"/>
+              <a:t>使用</a:t>
+            </a:r>
+            <a:r>
+              <a:rPr lang="en-US" altLang="zh-CN" dirty="0" smtClean="0"/>
+              <a:t>stop</a:t>
+            </a:r>
+            <a:r>
+              <a:rPr lang="zh-CN" altLang="en-US" dirty="0" smtClean="0"/>
+              <a:t>（），即将弃用。</a:t>
+            </a:r>
+            <a:r>
+              <a:rPr lang="en-US" altLang="zh-CN" dirty="0" smtClean="0"/>
+              <a:t>stop</a:t>
+            </a:r>
+            <a:r>
+              <a:rPr lang="zh-CN" altLang="en-US" dirty="0" smtClean="0"/>
+              <a:t>（）方法太过于暴力，强行把执行到一半的线程终止，可能会引起一些数据不一致的问题。 </a:t>
+            </a:r>
+            <a:endParaRPr lang="en-US" altLang="zh-CN" dirty="0" smtClean="0"/>
+          </a:p>
+          <a:p>
+            <a:r>
+              <a:rPr lang="zh-CN" altLang="en-US" dirty="0" smtClean="0"/>
+              <a:t>线程中断 </a:t>
+            </a:r>
+            <a:br>
+              <a:rPr lang="zh-CN" altLang="en-US" dirty="0" smtClean="0"/>
+            </a:br>
+            <a:r>
+              <a:rPr lang="zh-CN" altLang="en-US" sz="1400" dirty="0" smtClean="0"/>
+              <a:t>在</a:t>
+            </a:r>
+            <a:r>
+              <a:rPr lang="en-US" altLang="zh-CN" sz="1400" dirty="0" smtClean="0"/>
+              <a:t>Java</a:t>
+            </a:r>
+            <a:r>
+              <a:rPr lang="zh-CN" altLang="en-US" sz="1400" dirty="0" smtClean="0"/>
+              <a:t>中，线程中断是一种重要的线程协作机制。线程中断不会使线程立即退出，而是给线程发一个通知，告知线程希望他退出。</a:t>
+            </a:r>
+            <a:r>
+              <a:rPr lang="zh-CN" altLang="en-US" dirty="0" smtClean="0"/>
+              <a:t> </a:t>
+            </a:r>
+            <a:br>
+              <a:rPr lang="zh-CN" altLang="en-US" dirty="0" smtClean="0"/>
+            </a:br>
+            <a:r>
+              <a:rPr lang="zh-CN" altLang="en-US" sz="1400" dirty="0" smtClean="0"/>
+              <a:t>线程中断相关的方法：</a:t>
+            </a:r>
+          </a:p>
+          <a:p>
+            <a:pPr lvl="1"/>
+            <a:r>
+              <a:rPr lang="en-US" altLang="zh-CN" dirty="0" smtClean="0"/>
+              <a:t>public void interrupt() </a:t>
+            </a:r>
+            <a:r>
+              <a:rPr lang="zh-CN" altLang="en-US" dirty="0" smtClean="0"/>
+              <a:t>：中断线程</a:t>
+            </a:r>
+          </a:p>
+          <a:p>
+            <a:pPr lvl="1"/>
+            <a:r>
+              <a:rPr lang="en-US" altLang="zh-CN" dirty="0" smtClean="0"/>
+              <a:t>public static </a:t>
+            </a:r>
+            <a:r>
+              <a:rPr lang="en-US" altLang="zh-CN" dirty="0" err="1" smtClean="0"/>
+              <a:t>boolean</a:t>
+            </a:r>
+            <a:r>
+              <a:rPr lang="en-US" altLang="zh-CN" dirty="0" smtClean="0"/>
+              <a:t> interrupted()</a:t>
+            </a:r>
+            <a:r>
+              <a:rPr lang="zh-CN" altLang="en-US" dirty="0" smtClean="0"/>
+              <a:t>：判断是否被中断</a:t>
+            </a:r>
+          </a:p>
+          <a:p>
+            <a:pPr lvl="1"/>
+            <a:r>
+              <a:rPr lang="en-US" altLang="zh-CN" dirty="0" smtClean="0"/>
+              <a:t>public static </a:t>
+            </a:r>
+            <a:r>
+              <a:rPr lang="en-US" altLang="zh-CN" dirty="0" err="1" smtClean="0"/>
+              <a:t>boolean</a:t>
+            </a:r>
+            <a:r>
+              <a:rPr lang="en-US" altLang="zh-CN" dirty="0" smtClean="0"/>
+              <a:t> interrupted() </a:t>
+            </a:r>
+            <a:r>
+              <a:rPr lang="zh-CN" altLang="en-US" dirty="0" smtClean="0"/>
+              <a:t>：判断是否被中断，并清除当前中断状态</a:t>
+            </a:r>
+          </a:p>
+          <a:p>
+            <a:r>
+              <a:rPr lang="zh-CN" altLang="en-US" b="1" dirty="0" smtClean="0"/>
+              <a:t>注意：</a:t>
+            </a:r>
+            <a:r>
+              <a:rPr lang="en-US" altLang="zh-CN" b="1" dirty="0" err="1" smtClean="0"/>
+              <a:t>Thread.sleep</a:t>
+            </a:r>
+            <a:r>
+              <a:rPr lang="en-US" altLang="zh-CN" b="1" dirty="0" smtClean="0"/>
+              <a:t>()</a:t>
+            </a:r>
+            <a:r>
+              <a:rPr lang="zh-CN" altLang="en-US" b="1" dirty="0" smtClean="0"/>
+              <a:t>方法由于中断而抛出异常，此时，他会清除中断标记，所以在异常处理中，再次设置中断标记。</a:t>
+            </a:r>
+          </a:p>
+          <a:p>
+            <a:endParaRPr lang="en-US" altLang="zh-CN" dirty="0" smtClean="0"/>
+          </a:p>
+          <a:p>
+            <a:pPr marL="0" indent="0"/>
+            <a:endParaRPr lang="en-US" altLang="zh-CN" dirty="0" smtClean="0"/>
           </a:p>
         </p:txBody>
       </p:sp>
-      <p:pic>
-        <p:nvPicPr>
-          <p:cNvPr id="6" name="图片 5"/>
-          <p:cNvPicPr>
-            <a:picLocks noChangeAspect="1"/>
-          </p:cNvPicPr>
-          <p:nvPr/>
-        </p:nvPicPr>
-        <p:blipFill>
-          <a:blip r:embed="rId2" cstate="print"/>
-          <a:stretch>
-            <a:fillRect/>
-          </a:stretch>
-        </p:blipFill>
-        <p:spPr>
-          <a:xfrm>
-            <a:off x="602615" y="1415415"/>
-            <a:ext cx="7291070" cy="2865120"/>
-          </a:xfrm>
-          <a:prstGeom prst="rect">
-            <a:avLst/>
-          </a:prstGeom>
-        </p:spPr>
-      </p:pic>
     </p:spTree>
   </p:cSld>
   <p:clrMapOvr>
@@ -8973,28 +7902,6 @@
       </p:grpSpPr>
       <p:sp>
         <p:nvSpPr>
-          <p:cNvPr id="2" name="标题 1"/>
-          <p:cNvSpPr>
-            <a:spLocks noGrp="1"/>
-          </p:cNvSpPr>
-          <p:nvPr>
-            <p:ph type="title"/>
-          </p:nvPr>
-        </p:nvSpPr>
-        <p:spPr/>
-        <p:txBody>
-          <a:bodyPr/>
-          <a:lstStyle/>
-          <a:p>
-            <a:r>
-              <a:rPr dirty="0"/>
-              <a:t>原型模式（Prototype）</a:t>
-            </a:r>
-          </a:p>
-        </p:txBody>
-      </p:sp>
-      <p:sp>
-        <p:nvSpPr>
           <p:cNvPr id="4" name="内容占位符 3"/>
           <p:cNvSpPr>
             <a:spLocks noGrp="1"/>
@@ -9003,45 +7910,338 @@
             <p:ph idx="1"/>
           </p:nvPr>
         </p:nvSpPr>
-        <p:spPr/>
+        <p:spPr>
+          <a:xfrm>
+            <a:off x="518864" y="339502"/>
+            <a:ext cx="8085584" cy="4392488"/>
+          </a:xfrm>
+        </p:spPr>
         <p:txBody>
-          <a:bodyPr/>
+          <a:bodyPr>
+            <a:normAutofit/>
+          </a:bodyPr>
           <a:lstStyle/>
           <a:p>
             <a:r>
-              <a:rPr lang="zh-CN" altLang="en-US"/>
-              <a:t>原型模式虽然是创建型的模式，但是与工厂模式没有关系，从名字即可看出，该模式的思想就是将一个对象作为原型，对其进行复制、克隆，产生一个和原对象类似的新对象。</a:t>
-            </a:r>
-          </a:p>
-          <a:p>
-            <a:endParaRPr lang="zh-CN" altLang="en-US"/>
+              <a:rPr lang="zh-CN" altLang="en-US" dirty="0" smtClean="0"/>
+              <a:t>等待（</a:t>
+            </a:r>
+            <a:r>
+              <a:rPr lang="en-US" altLang="zh-CN" dirty="0" smtClean="0"/>
+              <a:t>wait</a:t>
+            </a:r>
+            <a:r>
+              <a:rPr lang="zh-CN" altLang="en-US" dirty="0" smtClean="0"/>
+              <a:t>）和通知（</a:t>
+            </a:r>
+            <a:r>
+              <a:rPr lang="en-US" altLang="zh-CN" dirty="0" smtClean="0"/>
+              <a:t>notify</a:t>
+            </a:r>
+            <a:r>
+              <a:rPr lang="zh-CN" altLang="en-US" dirty="0" smtClean="0"/>
+              <a:t>）</a:t>
+            </a:r>
+            <a:endParaRPr lang="zh-CN" altLang="en-US" dirty="0" smtClean="0"/>
+          </a:p>
+          <a:p>
+            <a:pPr lvl="1"/>
+            <a:r>
+              <a:rPr lang="zh-CN" altLang="en-US" dirty="0" smtClean="0"/>
+              <a:t>为了支持多线程间的协作，</a:t>
+            </a:r>
+            <a:r>
+              <a:rPr lang="en-US" altLang="zh-CN" dirty="0" smtClean="0"/>
+              <a:t>JDK</a:t>
+            </a:r>
+            <a:r>
+              <a:rPr lang="zh-CN" altLang="en-US" dirty="0" smtClean="0"/>
+              <a:t>提供了等待（</a:t>
+            </a:r>
+            <a:r>
+              <a:rPr lang="en-US" altLang="zh-CN" dirty="0" smtClean="0"/>
+              <a:t>wait</a:t>
+            </a:r>
+            <a:r>
+              <a:rPr lang="zh-CN" altLang="en-US" dirty="0" smtClean="0"/>
+              <a:t>）和通知（</a:t>
+            </a:r>
+            <a:r>
+              <a:rPr lang="en-US" altLang="zh-CN" dirty="0" smtClean="0"/>
+              <a:t>notify</a:t>
+            </a:r>
+            <a:r>
+              <a:rPr lang="zh-CN" altLang="en-US" dirty="0" smtClean="0"/>
+              <a:t>）方法，这两个方法属于</a:t>
+            </a:r>
+            <a:r>
+              <a:rPr lang="en-US" altLang="zh-CN" dirty="0" smtClean="0"/>
+              <a:t>Object</a:t>
+            </a:r>
+            <a:r>
+              <a:rPr lang="zh-CN" altLang="en-US" dirty="0" smtClean="0"/>
+              <a:t>中的方法，所有对象都可以调用这两个方法。</a:t>
+            </a:r>
+          </a:p>
+          <a:p>
+            <a:pPr lvl="1"/>
+            <a:r>
+              <a:rPr lang="zh-CN" altLang="en-US" dirty="0" smtClean="0"/>
+              <a:t>当一个线程在一个对象实例上调用了</a:t>
+            </a:r>
+            <a:r>
+              <a:rPr lang="en-US" altLang="zh-CN" dirty="0" smtClean="0"/>
+              <a:t>wait</a:t>
+            </a:r>
+            <a:r>
+              <a:rPr lang="zh-CN" altLang="en-US" dirty="0" smtClean="0"/>
+              <a:t>（）方法后，当前线程就会在这个对象上等待，线程会一直等待到其他线程调用了</a:t>
+            </a:r>
+            <a:r>
+              <a:rPr lang="en-US" altLang="zh-CN" dirty="0" smtClean="0"/>
+              <a:t>notify</a:t>
+            </a:r>
+            <a:r>
+              <a:rPr lang="zh-CN" altLang="en-US" dirty="0" smtClean="0"/>
+              <a:t>（）方法。</a:t>
+            </a:r>
+          </a:p>
+          <a:p>
+            <a:pPr lvl="1"/>
+            <a:r>
+              <a:rPr lang="zh-CN" altLang="en-US" b="1" dirty="0" smtClean="0"/>
+              <a:t>注意</a:t>
+            </a:r>
+            <a:r>
+              <a:rPr lang="zh-CN" altLang="en-US" b="1" dirty="0" smtClean="0"/>
+              <a:t>：</a:t>
+            </a:r>
+            <a:endParaRPr lang="en-US" altLang="zh-CN" b="1" dirty="0" smtClean="0"/>
+          </a:p>
+          <a:p>
+            <a:pPr lvl="2"/>
+            <a:r>
+              <a:rPr lang="zh-CN" altLang="en-US" dirty="0" smtClean="0"/>
+              <a:t>无论</a:t>
+            </a:r>
+            <a:r>
+              <a:rPr lang="zh-CN" altLang="en-US" dirty="0" smtClean="0"/>
+              <a:t>是</a:t>
+            </a:r>
+            <a:r>
+              <a:rPr lang="en-US" altLang="zh-CN" dirty="0" smtClean="0"/>
+              <a:t>wait</a:t>
+            </a:r>
+            <a:r>
+              <a:rPr lang="zh-CN" altLang="en-US" dirty="0" smtClean="0"/>
+              <a:t>还是</a:t>
+            </a:r>
+            <a:r>
+              <a:rPr lang="en-US" altLang="zh-CN" dirty="0" smtClean="0"/>
+              <a:t>notify</a:t>
+            </a:r>
+            <a:r>
+              <a:rPr lang="zh-CN" altLang="en-US" dirty="0" smtClean="0"/>
+              <a:t>必须包含在对应的</a:t>
+            </a:r>
+            <a:r>
+              <a:rPr lang="en-US" altLang="zh-CN" dirty="0" smtClean="0"/>
+              <a:t>synchronized</a:t>
+            </a:r>
+            <a:r>
+              <a:rPr lang="zh-CN" altLang="en-US" dirty="0" smtClean="0"/>
+              <a:t>语句中，首先获取到目标对象的一个监视器。如果一个线程调用了</a:t>
+            </a:r>
+            <a:r>
+              <a:rPr lang="en-US" altLang="zh-CN" dirty="0" err="1" smtClean="0"/>
+              <a:t>object.wait</a:t>
+            </a:r>
+            <a:r>
+              <a:rPr lang="en-US" altLang="zh-CN" dirty="0" smtClean="0"/>
+              <a:t>()</a:t>
+            </a:r>
+            <a:r>
+              <a:rPr lang="zh-CN" altLang="en-US" dirty="0" smtClean="0"/>
+              <a:t>，那么它就会进入</a:t>
+            </a:r>
+            <a:r>
+              <a:rPr lang="en-US" altLang="zh-CN" dirty="0" smtClean="0"/>
+              <a:t>object</a:t>
+            </a:r>
+            <a:r>
+              <a:rPr lang="zh-CN" altLang="en-US" dirty="0" smtClean="0"/>
+              <a:t>对象的等待队列。</a:t>
+            </a:r>
+          </a:p>
+          <a:p>
+            <a:pPr lvl="2"/>
+            <a:r>
+              <a:rPr lang="en-US" altLang="zh-CN" dirty="0" err="1" smtClean="0"/>
+              <a:t>Object.wait</a:t>
+            </a:r>
+            <a:r>
+              <a:rPr lang="zh-CN" altLang="en-US" dirty="0" smtClean="0"/>
+              <a:t>（）和</a:t>
+            </a:r>
+            <a:r>
+              <a:rPr lang="en-US" altLang="zh-CN" dirty="0" err="1" smtClean="0"/>
+              <a:t>Thread.sleep</a:t>
+            </a:r>
+            <a:r>
+              <a:rPr lang="en-US" altLang="zh-CN" dirty="0" smtClean="0"/>
+              <a:t>()</a:t>
+            </a:r>
+            <a:r>
+              <a:rPr lang="zh-CN" altLang="en-US" dirty="0" smtClean="0"/>
+              <a:t>都可以让线程等待若干时间，</a:t>
+            </a:r>
+            <a:r>
+              <a:rPr lang="en-US" altLang="zh-CN" dirty="0" smtClean="0"/>
+              <a:t>wait</a:t>
+            </a:r>
+            <a:r>
+              <a:rPr lang="zh-CN" altLang="en-US" dirty="0" smtClean="0"/>
+              <a:t>可以被唤醒和释放目标对象的锁，</a:t>
+            </a:r>
+            <a:r>
+              <a:rPr lang="en-US" altLang="zh-CN" dirty="0" err="1" smtClean="0"/>
+              <a:t>Thread.sleep</a:t>
+            </a:r>
+            <a:r>
+              <a:rPr lang="en-US" altLang="zh-CN" dirty="0" smtClean="0"/>
+              <a:t>()</a:t>
+            </a:r>
+            <a:r>
+              <a:rPr lang="zh-CN" altLang="en-US" dirty="0" smtClean="0"/>
+              <a:t>不会释放任何资源。</a:t>
+            </a:r>
+          </a:p>
+          <a:p>
+            <a:r>
+              <a:rPr lang="zh-CN" altLang="en-US" dirty="0" smtClean="0"/>
+              <a:t>挂起（</a:t>
+            </a:r>
+            <a:r>
+              <a:rPr lang="en-US" altLang="zh-CN" dirty="0" smtClean="0"/>
+              <a:t>suspend</a:t>
+            </a:r>
+            <a:r>
+              <a:rPr lang="zh-CN" altLang="en-US" dirty="0" smtClean="0"/>
+              <a:t>）和继续执行（</a:t>
+            </a:r>
+            <a:r>
+              <a:rPr lang="en-US" altLang="zh-CN" dirty="0" smtClean="0"/>
+              <a:t>resume</a:t>
+            </a:r>
+            <a:r>
+              <a:rPr lang="zh-CN" altLang="en-US" dirty="0" smtClean="0"/>
+              <a:t>）线程 </a:t>
+            </a:r>
+            <a:endParaRPr lang="en-US" altLang="zh-CN" dirty="0" smtClean="0"/>
+          </a:p>
+          <a:p>
+            <a:pPr lvl="1"/>
+            <a:r>
+              <a:rPr lang="zh-CN" altLang="en-US" dirty="0" smtClean="0"/>
+              <a:t>不推荐使用，线程挂起不会释放任何锁资源。 </a:t>
+            </a:r>
+            <a:br>
+              <a:rPr lang="zh-CN" altLang="en-US" dirty="0" smtClean="0"/>
+            </a:br>
+            <a:r>
+              <a:rPr lang="zh-CN" altLang="en-US" dirty="0" smtClean="0"/>
+              <a:t>改进：可以使用</a:t>
+            </a:r>
+            <a:r>
+              <a:rPr lang="en-US" altLang="zh-CN" dirty="0" smtClean="0"/>
+              <a:t>wait</a:t>
+            </a:r>
+            <a:r>
+              <a:rPr lang="zh-CN" altLang="en-US" dirty="0" smtClean="0"/>
+              <a:t>和</a:t>
+            </a:r>
+            <a:r>
+              <a:rPr lang="en-US" altLang="zh-CN" dirty="0" smtClean="0"/>
+              <a:t>notify</a:t>
+            </a:r>
+            <a:r>
+              <a:rPr lang="zh-CN" altLang="en-US" dirty="0" smtClean="0"/>
+              <a:t>实现相应的功能</a:t>
+            </a:r>
+          </a:p>
+          <a:p>
+            <a:r>
+              <a:rPr lang="zh-CN" altLang="en-US" dirty="0" smtClean="0"/>
+              <a:t>等待线程结束（</a:t>
+            </a:r>
+            <a:r>
+              <a:rPr lang="en-US" altLang="zh-CN" dirty="0" smtClean="0"/>
+              <a:t>Join</a:t>
+            </a:r>
+            <a:r>
+              <a:rPr lang="zh-CN" altLang="en-US" dirty="0" smtClean="0"/>
+              <a:t>）和谦让（</a:t>
+            </a:r>
+            <a:r>
+              <a:rPr lang="en-US" altLang="zh-CN" dirty="0" smtClean="0"/>
+              <a:t>yield</a:t>
+            </a:r>
+            <a:r>
+              <a:rPr lang="zh-CN" altLang="en-US" dirty="0" smtClean="0"/>
+              <a:t>）</a:t>
+            </a:r>
+          </a:p>
+          <a:p>
+            <a:pPr lvl="1"/>
+            <a:r>
+              <a:rPr lang="zh-CN" altLang="en-US" dirty="0" smtClean="0"/>
+              <a:t>一个线程依赖另一个线程，使用</a:t>
+            </a:r>
+            <a:r>
+              <a:rPr lang="en-US" altLang="zh-CN" dirty="0" smtClean="0"/>
+              <a:t>join</a:t>
+            </a:r>
+            <a:r>
+              <a:rPr lang="zh-CN" altLang="en-US" dirty="0" smtClean="0"/>
+              <a:t>方法依赖一个线程进来，当前线程必须等待依赖线程执行完毕，才能继续执行。</a:t>
+            </a:r>
+          </a:p>
+          <a:p>
+            <a:pPr lvl="1"/>
+            <a:r>
+              <a:rPr lang="zh-CN" altLang="en-US" dirty="0" smtClean="0"/>
+              <a:t>静态方法</a:t>
+            </a:r>
+            <a:r>
+              <a:rPr lang="en-US" altLang="zh-CN" dirty="0" smtClean="0"/>
+              <a:t>yield</a:t>
+            </a:r>
+            <a:r>
+              <a:rPr lang="zh-CN" altLang="en-US" dirty="0" smtClean="0"/>
+              <a:t>方法，让当前线程让出</a:t>
+            </a:r>
+            <a:r>
+              <a:rPr lang="en-US" altLang="zh-CN" dirty="0" smtClean="0"/>
+              <a:t>CPU</a:t>
+            </a:r>
+            <a:r>
+              <a:rPr lang="zh-CN" altLang="en-US" dirty="0" smtClean="0"/>
+              <a:t>，但是还会参与</a:t>
+            </a:r>
+            <a:r>
+              <a:rPr lang="en-US" altLang="zh-CN" dirty="0" smtClean="0"/>
+              <a:t>CPU</a:t>
+            </a:r>
+            <a:r>
+              <a:rPr lang="zh-CN" altLang="en-US" dirty="0" smtClean="0"/>
+              <a:t>资源的争夺。</a:t>
+            </a:r>
+          </a:p>
+          <a:p>
+            <a:endParaRPr lang="zh-CN" altLang="en-US" dirty="0"/>
           </a:p>
         </p:txBody>
       </p:sp>
-      <p:pic>
-        <p:nvPicPr>
-          <p:cNvPr id="3" name="图片 2"/>
-          <p:cNvPicPr>
-            <a:picLocks noChangeAspect="1"/>
-          </p:cNvPicPr>
-          <p:nvPr/>
-        </p:nvPicPr>
-        <p:blipFill>
-          <a:blip r:embed="rId2" cstate="print"/>
-          <a:stretch>
-            <a:fillRect/>
-          </a:stretch>
-        </p:blipFill>
-        <p:spPr>
-          <a:xfrm>
-            <a:off x="518795" y="1843405"/>
-            <a:ext cx="8249920" cy="2007235"/>
-          </a:xfrm>
-          <a:prstGeom prst="rect">
-            <a:avLst/>
-          </a:prstGeom>
-        </p:spPr>
-      </p:pic>
     </p:spTree>
   </p:cSld>
   <p:clrMapOvr>
@@ -9090,9 +8290,10 @@
           <a:lstStyle/>
           <a:p>
             <a:r>
-              <a:rPr lang="zh-CN" dirty="0"/>
-              <a:t>结构型模式</a:t>
-            </a:r>
+              <a:rPr lang="zh-CN" altLang="en-US" dirty="0" smtClean="0"/>
+              <a:t>多线程数据访问一致性和安全性</a:t>
+            </a:r>
+            <a:endParaRPr lang="zh-CN" dirty="0"/>
           </a:p>
         </p:txBody>
       </p:sp>
@@ -9111,22 +8312,23 @@
           <a:bodyPr/>
           <a:lstStyle/>
           <a:p>
-            <a:pPr marL="0" indent="0">
-              <a:buNone/>
-            </a:pPr>
-            <a:r>
-              <a:rPr lang="zh-CN" altLang="en-US"/>
-              <a:t>适配器是各种结构型模式的起源</a:t>
-            </a:r>
-          </a:p>
-          <a:p>
-            <a:endParaRPr lang="zh-CN" altLang="en-US"/>
+            <a:r>
+              <a:rPr lang="en-US" altLang="zh-CN" b="1" dirty="0" smtClean="0"/>
+              <a:t>Java </a:t>
+            </a:r>
+            <a:r>
+              <a:rPr lang="zh-CN" altLang="en-US" b="1" dirty="0" smtClean="0"/>
+              <a:t>内存区域</a:t>
+            </a:r>
+          </a:p>
+          <a:p>
+            <a:endParaRPr lang="zh-CN" altLang="en-US" dirty="0"/>
           </a:p>
         </p:txBody>
       </p:sp>
       <p:pic>
         <p:nvPicPr>
-          <p:cNvPr id="5" name="图片 4"/>
+          <p:cNvPr id="5" name="图片 4" descr="Java内存区域.png"/>
           <p:cNvPicPr>
             <a:picLocks noChangeAspect="1"/>
           </p:cNvPicPr>
@@ -9140,8 +8342,8 @@
         </p:blipFill>
         <p:spPr>
           <a:xfrm>
-            <a:off x="518795" y="1307465"/>
-            <a:ext cx="6325870" cy="3350895"/>
+            <a:off x="2272000" y="1086035"/>
+            <a:ext cx="4600000" cy="2971429"/>
           </a:xfrm>
           <a:prstGeom prst="rect">
             <a:avLst/>
@@ -9196,9 +8398,22 @@
           <a:lstStyle/>
           <a:p>
             <a:r>
-              <a:rPr lang="zh-CN" dirty="0"/>
-              <a:t>适配器模式</a:t>
-            </a:r>
+              <a:rPr lang="en-US" altLang="zh-CN" dirty="0" smtClean="0"/>
+              <a:t>Java</a:t>
+            </a:r>
+            <a:r>
+              <a:rPr lang="zh-CN" altLang="en-US" dirty="0" smtClean="0"/>
+              <a:t>内存模型（</a:t>
+            </a:r>
+            <a:r>
+              <a:rPr lang="en-US" altLang="zh-CN" dirty="0" smtClean="0"/>
+              <a:t>JMM</a:t>
+            </a:r>
+            <a:r>
+              <a:rPr lang="zh-CN" altLang="en-US" dirty="0" smtClean="0"/>
+              <a:t>）</a:t>
+            </a:r>
+            <a:endParaRPr lang="zh-CN" altLang="en-US" dirty="0"/>
           </a:p>
         </p:txBody>
       </p:sp>
@@ -9217,22 +8432,60 @@
           <a:bodyPr/>
           <a:lstStyle/>
           <a:p>
-            <a:pPr marL="0" indent="0">
-              <a:buNone/>
-            </a:pPr>
-            <a:r>
-              <a:rPr lang="zh-CN" altLang="en-US"/>
-              <a:t>类的适配器模式</a:t>
-            </a:r>
-          </a:p>
-          <a:p>
-            <a:endParaRPr lang="zh-CN" altLang="en-US"/>
+            <a:r>
+              <a:rPr lang="en-US" altLang="zh-CN" dirty="0" smtClean="0"/>
+              <a:t>Java</a:t>
+            </a:r>
+            <a:r>
+              <a:rPr lang="zh-CN" altLang="en-US" dirty="0" smtClean="0"/>
+              <a:t>内存模型</a:t>
+            </a:r>
+            <a:r>
+              <a:rPr lang="en-US" altLang="zh-CN" dirty="0" smtClean="0"/>
+              <a:t>(</a:t>
+            </a:r>
+            <a:r>
+              <a:rPr lang="zh-CN" altLang="en-US" dirty="0" smtClean="0"/>
+              <a:t>即</a:t>
+            </a:r>
+            <a:r>
+              <a:rPr lang="en-US" altLang="zh-CN" dirty="0" smtClean="0"/>
+              <a:t>Java Memory Model</a:t>
+            </a:r>
+            <a:r>
+              <a:rPr lang="zh-CN" altLang="en-US" dirty="0" smtClean="0"/>
+              <a:t>，简称</a:t>
+            </a:r>
+            <a:r>
+              <a:rPr lang="en-US" altLang="zh-CN" dirty="0" smtClean="0"/>
+              <a:t>JMM)</a:t>
+            </a:r>
+            <a:r>
+              <a:rPr lang="zh-CN" altLang="en-US" dirty="0" smtClean="0"/>
+              <a:t>本身是一种抽象的概念，并不真实存在，它描述的是一组规则或规范，通过这组规范定义了程序中各个变量（包括实例字段，静态字段和构成</a:t>
+            </a:r>
+            <a:r>
+              <a:rPr lang="zh-CN" altLang="en-US" dirty="0" smtClean="0"/>
+              <a:t>数组对象</a:t>
+            </a:r>
+            <a:r>
+              <a:rPr lang="zh-CN" altLang="en-US" dirty="0" smtClean="0"/>
+              <a:t>的元素）的访问方式</a:t>
+            </a:r>
+            <a:r>
+              <a:rPr lang="zh-CN" altLang="en-US" dirty="0" smtClean="0"/>
+              <a:t>。</a:t>
+            </a:r>
+            <a:endParaRPr lang="en-US" altLang="zh-CN" dirty="0" smtClean="0"/>
+          </a:p>
+          <a:p>
+            <a:endParaRPr lang="zh-CN" altLang="en-US" i="1" dirty="0"/>
           </a:p>
         </p:txBody>
       </p:sp>
       <p:pic>
         <p:nvPicPr>
-          <p:cNvPr id="3" name="图片 2"/>
+          <p:cNvPr id="6" name="图片 5" descr="Java内存模型.png"/>
           <p:cNvPicPr>
             <a:picLocks noChangeAspect="1"/>
           </p:cNvPicPr>
@@ -9246,8 +8499,8 @@
         </p:blipFill>
         <p:spPr>
           <a:xfrm>
-            <a:off x="518795" y="1266190"/>
-            <a:ext cx="5723890" cy="2971165"/>
+            <a:off x="2483767" y="1563638"/>
+            <a:ext cx="4291201" cy="3168351"/>
           </a:xfrm>
           <a:prstGeom prst="rect">
             <a:avLst/>
@@ -9298,13 +8551,23 @@
         </p:nvSpPr>
         <p:spPr/>
         <p:txBody>
-          <a:bodyPr/>
+          <a:bodyPr>
+            <a:normAutofit fontScale="90000"/>
+          </a:bodyPr>
           <a:lstStyle/>
           <a:p>
             <a:r>
-              <a:rPr lang="zh-CN" dirty="0"/>
-              <a:t>适配器模式</a:t>
-            </a:r>
+              <a:rPr lang="zh-CN" altLang="en-US" b="0" dirty="0" smtClean="0"/>
+              <a:t>原子性、 可见性与有序性</a:t>
+            </a:r>
+            <a:r>
+              <a:rPr lang="zh-CN" altLang="en-US" dirty="0" smtClean="0"/>
+              <a:t> </a:t>
+            </a:r>
+            <a:br>
+              <a:rPr lang="zh-CN" altLang="en-US" dirty="0" smtClean="0"/>
+            </a:br>
+            <a:endParaRPr lang="zh-CN" dirty="0"/>
           </a:p>
         </p:txBody>
       </p:sp>
@@ -9327,39 +8590,89 @@
               <a:buNone/>
             </a:pPr>
             <a:r>
-              <a:rPr lang="zh-CN" altLang="en-US"/>
-              <a:t>对象的适配器模式</a:t>
-            </a:r>
-          </a:p>
-          <a:p>
-            <a:endParaRPr lang="zh-CN" altLang="en-US"/>
+              <a:rPr lang="en-US" altLang="zh-CN" dirty="0" smtClean="0"/>
+              <a:t>Java</a:t>
+            </a:r>
+            <a:r>
+              <a:rPr lang="zh-CN" altLang="en-US" dirty="0" smtClean="0"/>
+              <a:t>内存模型是围绕着在</a:t>
+            </a:r>
+            <a:r>
+              <a:rPr lang="zh-CN" altLang="en-US" dirty="0" smtClean="0"/>
+              <a:t>并发过程</a:t>
+            </a:r>
+            <a:r>
+              <a:rPr lang="zh-CN" altLang="en-US" dirty="0" smtClean="0"/>
+              <a:t>中如何处理原子性、 可见性和有序性这</a:t>
+            </a:r>
+            <a:r>
+              <a:rPr lang="en-US" altLang="zh-CN" dirty="0" smtClean="0"/>
+              <a:t>3</a:t>
+            </a:r>
+            <a:r>
+              <a:rPr lang="zh-CN" altLang="en-US" dirty="0" smtClean="0"/>
+              <a:t>个特征来建立的 </a:t>
+            </a:r>
+            <a:r>
+              <a:rPr lang="zh-CN" altLang="en-US" dirty="0" smtClean="0"/>
+              <a:t>。</a:t>
+            </a:r>
+            <a:endParaRPr lang="en-US" altLang="zh-CN" dirty="0" smtClean="0"/>
+          </a:p>
+          <a:p>
+            <a:r>
+              <a:rPr lang="zh-CN" altLang="en-US" dirty="0" smtClean="0"/>
+              <a:t>原子性 </a:t>
+            </a:r>
+            <a:br>
+              <a:rPr lang="zh-CN" altLang="en-US" dirty="0" smtClean="0"/>
+            </a:br>
+            <a:r>
+              <a:rPr lang="zh-CN" altLang="en-US" sz="1200" dirty="0" smtClean="0"/>
+              <a:t>原子性是指一个操作是不可中断的，即使是在多个线程一起执行的时候，一个线程一旦开始，就不会被其他线程干扰。</a:t>
+            </a:r>
+          </a:p>
+          <a:p>
+            <a:r>
+              <a:rPr lang="zh-CN" altLang="en-US" dirty="0" smtClean="0"/>
+              <a:t>可见性 </a:t>
+            </a:r>
+            <a:br>
+              <a:rPr lang="zh-CN" altLang="en-US" dirty="0" smtClean="0"/>
+            </a:br>
+            <a:r>
+              <a:rPr lang="zh-CN" altLang="en-US" sz="1200" dirty="0" smtClean="0"/>
+              <a:t>可见性是指一个线程修改了一个共享变量的值，其他线程是否能够立即知道这个修改。</a:t>
+            </a:r>
+          </a:p>
+          <a:p>
+            <a:r>
+              <a:rPr lang="zh-CN" altLang="en-US" dirty="0" smtClean="0"/>
+              <a:t>有序性 </a:t>
+            </a:r>
+            <a:br>
+              <a:rPr lang="zh-CN" altLang="en-US" dirty="0" smtClean="0"/>
+            </a:br>
+            <a:r>
+              <a:rPr lang="zh-CN" altLang="en-US" sz="1200" dirty="0" smtClean="0"/>
+              <a:t>如果在本线程内观察， 所有的操作都是有序的； 如果在一个线程中观察另一个线程， 所有的操作都是无序的。</a:t>
+            </a:r>
+          </a:p>
+          <a:p>
+            <a:pPr marL="0" indent="0">
+              <a:buNone/>
+            </a:pPr>
+            <a:r>
+              <a:rPr lang="zh-CN" altLang="en-US" dirty="0" smtClean="0"/>
+              <a:t/>
+            </a:r>
+            <a:br>
+              <a:rPr lang="zh-CN" altLang="en-US" dirty="0" smtClean="0"/>
+            </a:br>
+            <a:endParaRPr lang="zh-CN" altLang="en-US" i="1" dirty="0"/>
           </a:p>
         </p:txBody>
       </p:sp>
-      <p:pic>
-        <p:nvPicPr>
-          <p:cNvPr id="5" name="图片 4"/>
-          <p:cNvPicPr>
-            <a:picLocks noChangeAspect="1"/>
-          </p:cNvPicPr>
-          <p:nvPr/>
-        </p:nvPicPr>
-        <p:blipFill>
-          <a:blip r:embed="rId2" cstate="print"/>
-          <a:stretch>
-            <a:fillRect/>
-          </a:stretch>
-        </p:blipFill>
-        <p:spPr>
-          <a:xfrm>
-            <a:off x="518795" y="1275080"/>
-            <a:ext cx="5771515" cy="3199765"/>
-          </a:xfrm>
-          <a:prstGeom prst="rect">
-            <a:avLst/>
-          </a:prstGeom>
-        </p:spPr>
-      </p:pic>
     </p:spTree>
   </p:cSld>
   <p:clrMapOvr>
@@ -9408,9 +8721,22 @@
           <a:lstStyle/>
           <a:p>
             <a:r>
-              <a:rPr lang="zh-CN" dirty="0"/>
-              <a:t>适配器模式</a:t>
-            </a:r>
+              <a:rPr lang="en-US" altLang="zh-CN" b="0" dirty="0" smtClean="0"/>
+              <a:t>Java</a:t>
+            </a:r>
+            <a:r>
+              <a:rPr lang="zh-CN" altLang="en-US" b="0" dirty="0" smtClean="0"/>
+              <a:t>有序性原则：</a:t>
+            </a:r>
+            <a:r>
+              <a:rPr lang="en-US" altLang="zh-CN" b="0" dirty="0" smtClean="0"/>
+              <a:t>happen-before</a:t>
+            </a:r>
+            <a:r>
+              <a:rPr lang="zh-CN" altLang="en-US" b="0" dirty="0" smtClean="0"/>
+              <a:t>规则</a:t>
+            </a:r>
+            <a:endParaRPr lang="zh-CN" dirty="0"/>
           </a:p>
         </p:txBody>
       </p:sp>
@@ -9429,43 +8755,174 @@
           <a:bodyPr/>
           <a:lstStyle/>
           <a:p>
-            <a:pPr marL="0" indent="0">
-              <a:buNone/>
-            </a:pPr>
-            <a:r>
-              <a:rPr lang="zh-CN" altLang="en-US"/>
-              <a:t>接口的适配器模式</a:t>
-            </a:r>
-          </a:p>
-          <a:p>
-            <a:endParaRPr lang="zh-CN" altLang="en-US"/>
+            <a:r>
+              <a:rPr lang="zh-CN" altLang="en-US" dirty="0" smtClean="0"/>
+              <a:t>程序顺序性原则：一个线程内保证语义的串行性</a:t>
+            </a:r>
+          </a:p>
+          <a:p>
+            <a:r>
+              <a:rPr lang="en-US" altLang="zh-CN" dirty="0" smtClean="0"/>
+              <a:t>volatile </a:t>
+            </a:r>
+            <a:r>
+              <a:rPr lang="zh-CN" altLang="en-US" dirty="0" smtClean="0"/>
+              <a:t>规则：</a:t>
+            </a:r>
+            <a:r>
+              <a:rPr lang="en-US" altLang="zh-CN" dirty="0" smtClean="0"/>
+              <a:t>volatile</a:t>
+            </a:r>
+            <a:r>
+              <a:rPr lang="zh-CN" altLang="en-US" dirty="0" smtClean="0"/>
+              <a:t>变量的写，先发生于读，这保证了</a:t>
+            </a:r>
+            <a:r>
+              <a:rPr lang="en-US" altLang="zh-CN" dirty="0" smtClean="0"/>
+              <a:t>volatile</a:t>
+            </a:r>
+            <a:r>
+              <a:rPr lang="zh-CN" altLang="en-US" dirty="0" smtClean="0"/>
+              <a:t>变量的可见性</a:t>
+            </a:r>
+          </a:p>
+          <a:p>
+            <a:r>
+              <a:rPr lang="zh-CN" altLang="en-US" dirty="0" smtClean="0"/>
+              <a:t>锁规则：解锁（</a:t>
+            </a:r>
+            <a:r>
+              <a:rPr lang="en-US" altLang="zh-CN" dirty="0" smtClean="0"/>
+              <a:t>unlock</a:t>
+            </a:r>
+            <a:r>
+              <a:rPr lang="zh-CN" altLang="en-US" dirty="0" smtClean="0"/>
+              <a:t>）必然发生在随后加锁（</a:t>
+            </a:r>
+            <a:r>
+              <a:rPr lang="en-US" altLang="zh-CN" dirty="0" smtClean="0"/>
+              <a:t>lock</a:t>
+            </a:r>
+            <a:r>
+              <a:rPr lang="zh-CN" altLang="en-US" dirty="0" smtClean="0"/>
+              <a:t>）前</a:t>
+            </a:r>
+          </a:p>
+          <a:p>
+            <a:r>
+              <a:rPr lang="zh-CN" altLang="en-US" dirty="0" smtClean="0"/>
+              <a:t>传递性：</a:t>
+            </a:r>
+            <a:r>
+              <a:rPr lang="en-US" altLang="zh-CN" dirty="0" smtClean="0"/>
+              <a:t>A</a:t>
+            </a:r>
+            <a:r>
+              <a:rPr lang="zh-CN" altLang="en-US" dirty="0" smtClean="0"/>
+              <a:t>先于</a:t>
+            </a:r>
+            <a:r>
+              <a:rPr lang="en-US" altLang="zh-CN" dirty="0" smtClean="0"/>
+              <a:t>B</a:t>
+            </a:r>
+            <a:r>
+              <a:rPr lang="zh-CN" altLang="en-US" dirty="0" smtClean="0"/>
+              <a:t>，</a:t>
+            </a:r>
+            <a:r>
+              <a:rPr lang="en-US" altLang="zh-CN" dirty="0" smtClean="0"/>
+              <a:t>B</a:t>
+            </a:r>
+            <a:r>
+              <a:rPr lang="zh-CN" altLang="en-US" dirty="0" smtClean="0"/>
+              <a:t>先于</a:t>
+            </a:r>
+            <a:r>
+              <a:rPr lang="en-US" altLang="zh-CN" dirty="0" smtClean="0"/>
+              <a:t>C</a:t>
+            </a:r>
+            <a:r>
+              <a:rPr lang="zh-CN" altLang="en-US" dirty="0" smtClean="0"/>
+              <a:t>，那么</a:t>
+            </a:r>
+            <a:r>
+              <a:rPr lang="en-US" altLang="zh-CN" dirty="0" smtClean="0"/>
+              <a:t>A</a:t>
+            </a:r>
+            <a:r>
+              <a:rPr lang="zh-CN" altLang="en-US" dirty="0" smtClean="0"/>
+              <a:t>必然先于</a:t>
+            </a:r>
+            <a:r>
+              <a:rPr lang="en-US" altLang="zh-CN" dirty="0" smtClean="0"/>
+              <a:t>C</a:t>
+            </a:r>
+          </a:p>
+          <a:p>
+            <a:r>
+              <a:rPr lang="zh-CN" altLang="en-US" dirty="0" smtClean="0"/>
+              <a:t>线程的</a:t>
+            </a:r>
+            <a:r>
+              <a:rPr lang="en-US" altLang="zh-CN" dirty="0" smtClean="0"/>
+              <a:t>start</a:t>
+            </a:r>
+            <a:r>
+              <a:rPr lang="zh-CN" altLang="en-US" dirty="0" smtClean="0"/>
+              <a:t>（）方法先于它的每一个动作</a:t>
+            </a:r>
+          </a:p>
+          <a:p>
+            <a:r>
+              <a:rPr lang="zh-CN" altLang="en-US" dirty="0" smtClean="0"/>
+              <a:t>线程的所有操作先于线程的终结（</a:t>
+            </a:r>
+            <a:r>
+              <a:rPr lang="en-US" altLang="zh-CN" dirty="0" err="1" smtClean="0"/>
+              <a:t>Thread.join</a:t>
+            </a:r>
+            <a:r>
+              <a:rPr lang="en-US" altLang="zh-CN" dirty="0" smtClean="0"/>
+              <a:t>()</a:t>
+            </a:r>
+            <a:r>
+              <a:rPr lang="zh-CN" altLang="en-US" dirty="0" smtClean="0"/>
+              <a:t>）</a:t>
+            </a:r>
+          </a:p>
+          <a:p>
+            <a:r>
+              <a:rPr lang="zh-CN" altLang="en-US" dirty="0" smtClean="0"/>
+              <a:t>线程的中断（</a:t>
+            </a:r>
+            <a:r>
+              <a:rPr lang="en-US" altLang="zh-CN" dirty="0" smtClean="0"/>
+              <a:t>interrupt</a:t>
+            </a:r>
+            <a:r>
+              <a:rPr lang="zh-CN" altLang="en-US" dirty="0" smtClean="0"/>
+              <a:t>（））先于被中断的代码</a:t>
+            </a:r>
+          </a:p>
+          <a:p>
+            <a:r>
+              <a:rPr lang="zh-CN" altLang="en-US" dirty="0" smtClean="0"/>
+              <a:t>对象的构造函数执行、结束先于</a:t>
+            </a:r>
+            <a:r>
+              <a:rPr lang="en-US" altLang="zh-CN" dirty="0" smtClean="0"/>
+              <a:t>finalize</a:t>
+            </a:r>
+            <a:r>
+              <a:rPr lang="zh-CN" altLang="en-US" dirty="0" smtClean="0"/>
+              <a:t>（）方法</a:t>
+            </a:r>
+          </a:p>
+          <a:p>
+            <a:endParaRPr lang="zh-CN" altLang="en-US" i="1" dirty="0"/>
           </a:p>
         </p:txBody>
       </p:sp>
-      <p:pic>
-        <p:nvPicPr>
-          <p:cNvPr id="6" name="图片 5"/>
-          <p:cNvPicPr>
-            <a:picLocks noChangeAspect="1"/>
-          </p:cNvPicPr>
-          <p:nvPr/>
-        </p:nvPicPr>
-        <p:blipFill>
-          <a:blip r:embed="rId2" cstate="print"/>
-          <a:stretch>
-            <a:fillRect/>
-          </a:stretch>
-        </p:blipFill>
-        <p:spPr>
-          <a:xfrm>
-            <a:off x="518795" y="1319530"/>
-            <a:ext cx="4590415" cy="3314065"/>
-          </a:xfrm>
-          <a:prstGeom prst="rect">
-            <a:avLst/>
-          </a:prstGeom>
-        </p:spPr>
-      </p:pic>
     </p:spTree>
   </p:cSld>
   <p:clrMapOvr>
@@ -9514,9 +8971,14 @@
           <a:lstStyle/>
           <a:p>
             <a:r>
-              <a:rPr lang="zh-CN" dirty="0"/>
-              <a:t>装饰模式（Decorator）</a:t>
-            </a:r>
+              <a:rPr lang="en-US" altLang="zh-CN" b="0" dirty="0" smtClean="0"/>
+              <a:t>volatile</a:t>
+            </a:r>
+            <a:r>
+              <a:rPr lang="zh-CN" altLang="en-US" b="0" dirty="0" smtClean="0"/>
+              <a:t>内存语义 </a:t>
+            </a:r>
+            <a:endParaRPr lang="zh-CN" dirty="0"/>
           </a:p>
         </p:txBody>
       </p:sp>
@@ -9535,43 +8997,127 @@
           <a:bodyPr/>
           <a:lstStyle/>
           <a:p>
-            <a:pPr marL="0" indent="0">
-              <a:buNone/>
-            </a:pPr>
-            <a:r>
-              <a:rPr lang="zh-CN" altLang="en-US"/>
-              <a:t>顾名思义，装饰模式就是给一个对象增加一些新的功能，而且是动态的，要求装饰对象和被装饰对象实现同一个接口，装饰对象持有被装饰对象的实例</a:t>
-            </a:r>
-          </a:p>
-          <a:p>
-            <a:endParaRPr lang="zh-CN" altLang="en-US" i="1"/>
+            <a:r>
+              <a:rPr lang="zh-CN" altLang="en-US" dirty="0" smtClean="0"/>
+              <a:t>可见性</a:t>
+            </a:r>
+            <a:endParaRPr lang="en-US" altLang="zh-CN" dirty="0" smtClean="0"/>
+          </a:p>
+          <a:p>
+            <a:pPr lvl="1"/>
+            <a:r>
+              <a:rPr lang="zh-CN" altLang="en-US" dirty="0" smtClean="0"/>
+              <a:t>保证</a:t>
+            </a:r>
+            <a:r>
+              <a:rPr lang="zh-CN" altLang="en-US" dirty="0" smtClean="0"/>
+              <a:t>被</a:t>
+            </a:r>
+            <a:r>
+              <a:rPr lang="en-US" altLang="zh-CN" dirty="0" smtClean="0"/>
+              <a:t>volatile</a:t>
+            </a:r>
+            <a:r>
+              <a:rPr lang="zh-CN" altLang="en-US" dirty="0" smtClean="0"/>
+              <a:t>修饰的共享变量对所有线程总是可见的，也就是当一个线程修改了一个被</a:t>
+            </a:r>
+            <a:r>
+              <a:rPr lang="en-US" altLang="zh-CN" dirty="0" smtClean="0"/>
+              <a:t>volatile</a:t>
+            </a:r>
+            <a:r>
+              <a:rPr lang="zh-CN" altLang="en-US" dirty="0" smtClean="0"/>
+              <a:t>修饰共享变量的值，新值总是可以被其他线程立即得知。</a:t>
+            </a:r>
+          </a:p>
+          <a:p>
+            <a:r>
+              <a:rPr lang="zh-CN" altLang="en-US" dirty="0" smtClean="0"/>
+              <a:t>禁止指令重排序优化</a:t>
+            </a:r>
+            <a:r>
+              <a:rPr lang="zh-CN" altLang="en-US" dirty="0" smtClean="0"/>
+              <a:t>。</a:t>
+            </a:r>
+            <a:endParaRPr lang="en-US" altLang="zh-CN" dirty="0" smtClean="0"/>
+          </a:p>
+          <a:p>
+            <a:pPr lvl="1"/>
+            <a:r>
+              <a:rPr lang="en-US" altLang="zh-CN" dirty="0" smtClean="0"/>
+              <a:t>volatile</a:t>
+            </a:r>
+            <a:r>
+              <a:rPr lang="zh-CN" altLang="en-US" dirty="0" smtClean="0"/>
+              <a:t>修饰的变量， 赋值后多执行了一个“</a:t>
+            </a:r>
+            <a:r>
+              <a:rPr lang="en-US" altLang="zh-CN" dirty="0" smtClean="0"/>
+              <a:t>lock” </a:t>
+            </a:r>
+            <a:r>
+              <a:rPr lang="zh-CN" altLang="en-US" dirty="0" smtClean="0"/>
+              <a:t>操作， 这个操作相当于一个内存屏障， 只有一个</a:t>
+            </a:r>
+            <a:r>
+              <a:rPr lang="en-US" altLang="zh-CN" dirty="0" smtClean="0"/>
+              <a:t>CPU</a:t>
+            </a:r>
+            <a:r>
+              <a:rPr lang="zh-CN" altLang="en-US" dirty="0" smtClean="0"/>
+              <a:t>访问内存时， 并不需要内存屏障； 但如果有两个或更多</a:t>
+            </a:r>
+            <a:r>
+              <a:rPr lang="en-US" altLang="zh-CN" dirty="0" smtClean="0"/>
+              <a:t>CPU</a:t>
+            </a:r>
+            <a:r>
+              <a:rPr lang="zh-CN" altLang="en-US" dirty="0" smtClean="0"/>
+              <a:t>访问同一块内存， 且其中有一个在观测另一个， 就需要内存屏障来保证一致性了。</a:t>
+            </a:r>
+          </a:p>
+          <a:p>
+            <a:r>
+              <a:rPr lang="zh-CN" altLang="en-US" b="1" dirty="0" smtClean="0"/>
+              <a:t>注意：</a:t>
+            </a:r>
+          </a:p>
+          <a:p>
+            <a:pPr lvl="1"/>
+            <a:r>
+              <a:rPr lang="zh-CN" altLang="en-US" dirty="0" smtClean="0"/>
+              <a:t>由于</a:t>
+            </a:r>
+            <a:r>
+              <a:rPr lang="en-US" altLang="zh-CN" dirty="0" smtClean="0"/>
+              <a:t>volatile</a:t>
+            </a:r>
+            <a:r>
+              <a:rPr lang="zh-CN" altLang="en-US" dirty="0" smtClean="0"/>
+              <a:t>变量只能保证可见性， 仍然要通过加锁（使用</a:t>
+            </a:r>
+            <a:r>
+              <a:rPr lang="en-US" altLang="zh-CN" dirty="0" err="1" smtClean="0"/>
+              <a:t>chronized</a:t>
+            </a:r>
+            <a:r>
+              <a:rPr lang="zh-CN" altLang="en-US" dirty="0" smtClean="0"/>
+              <a:t>或</a:t>
+            </a:r>
+            <a:r>
+              <a:rPr lang="en-US" altLang="zh-CN" dirty="0" err="1" smtClean="0"/>
+              <a:t>java.util.concurrent</a:t>
+            </a:r>
+            <a:r>
+              <a:rPr lang="zh-CN" altLang="en-US" dirty="0" smtClean="0"/>
+              <a:t>中的原子类） 来保证原子性。</a:t>
+            </a:r>
+          </a:p>
+          <a:p>
+            <a:endParaRPr lang="zh-CN" altLang="en-US" i="1" dirty="0"/>
           </a:p>
         </p:txBody>
       </p:sp>
-      <p:pic>
-        <p:nvPicPr>
-          <p:cNvPr id="3" name="图片 2"/>
-          <p:cNvPicPr>
-            <a:picLocks noChangeAspect="1"/>
-          </p:cNvPicPr>
-          <p:nvPr/>
-        </p:nvPicPr>
-        <p:blipFill>
-          <a:blip r:embed="rId2" cstate="print"/>
-          <a:stretch>
-            <a:fillRect/>
-          </a:stretch>
-        </p:blipFill>
-        <p:spPr>
-          <a:xfrm>
-            <a:off x="518795" y="1675130"/>
-            <a:ext cx="4239895" cy="2531110"/>
-          </a:xfrm>
-          <a:prstGeom prst="rect">
-            <a:avLst/>
-          </a:prstGeom>
-        </p:spPr>
-      </p:pic>
     </p:spTree>
   </p:cSld>
   <p:clrMapOvr>
@@ -9620,9 +9166,18 @@
           <a:lstStyle/>
           <a:p>
             <a:r>
-              <a:rPr lang="zh-CN" dirty="0"/>
-              <a:t>代理模式（Proxy）</a:t>
-            </a:r>
+              <a:rPr lang="zh-CN" altLang="en-US" dirty="0" smtClean="0"/>
+              <a:t>互斥锁（</a:t>
+            </a:r>
+            <a:r>
+              <a:rPr lang="en-US" altLang="zh-CN" dirty="0" smtClean="0"/>
+              <a:t>synchronized</a:t>
+            </a:r>
+            <a:r>
+              <a:rPr lang="zh-CN" altLang="en-US" dirty="0" smtClean="0"/>
+              <a:t>）</a:t>
+            </a:r>
+            <a:endParaRPr lang="zh-CN" dirty="0"/>
           </a:p>
         </p:txBody>
       </p:sp>
@@ -9641,43 +9196,209 @@
           <a:bodyPr/>
           <a:lstStyle/>
           <a:p>
-            <a:pPr marL="0" indent="0">
+            <a:r>
+              <a:rPr lang="zh-CN" altLang="en-US" b="1" dirty="0" smtClean="0"/>
+              <a:t>用法</a:t>
+            </a:r>
+            <a:endParaRPr lang="en-US" altLang="zh-CN" b="1" dirty="0" smtClean="0"/>
+          </a:p>
+          <a:p>
+            <a:pPr lvl="1"/>
+            <a:r>
+              <a:rPr lang="zh-CN" altLang="en-US" dirty="0" smtClean="0"/>
+              <a:t>修饰实例方法，作用于当前实例加锁，进入同步代码前要获得当前实例的锁</a:t>
+            </a:r>
+          </a:p>
+          <a:p>
+            <a:pPr lvl="1"/>
+            <a:r>
+              <a:rPr lang="zh-CN" altLang="en-US" dirty="0" smtClean="0"/>
+              <a:t>修饰静态方法，作用于当前类对象加锁，进入同步代码前要获得当前类对象的锁</a:t>
+            </a:r>
+            <a:r>
+              <a:rPr lang="en-US" altLang="zh-CN" dirty="0" smtClean="0"/>
+              <a:t>(</a:t>
+            </a:r>
+            <a:r>
+              <a:rPr lang="zh-CN" altLang="en-US" dirty="0" smtClean="0"/>
+              <a:t>其锁就是当前类的</a:t>
+            </a:r>
+            <a:r>
+              <a:rPr lang="en-US" altLang="zh-CN" dirty="0" smtClean="0"/>
+              <a:t>class</a:t>
+            </a:r>
+            <a:r>
+              <a:rPr lang="zh-CN" altLang="en-US" dirty="0" smtClean="0"/>
+              <a:t>对象锁</a:t>
+            </a:r>
+            <a:r>
+              <a:rPr lang="en-US" altLang="zh-CN" dirty="0" smtClean="0"/>
+              <a:t>)</a:t>
+            </a:r>
+          </a:p>
+          <a:p>
+            <a:pPr lvl="1"/>
+            <a:r>
+              <a:rPr lang="zh-CN" altLang="en-US" dirty="0" smtClean="0"/>
+              <a:t>修饰代码块，指定加锁对象，对给定对象加锁，进入同步代码库前要获得给定对象的锁。</a:t>
+            </a:r>
+          </a:p>
+          <a:p>
+            <a:r>
+              <a:rPr lang="en-US" altLang="zh-CN" b="1" dirty="0" smtClean="0"/>
+              <a:t>synchronized</a:t>
+            </a:r>
+            <a:r>
+              <a:rPr lang="zh-CN" altLang="en-US" b="1" dirty="0" smtClean="0"/>
+              <a:t>底层语义</a:t>
+            </a:r>
+            <a:r>
+              <a:rPr lang="zh-CN" altLang="en-US" b="1" dirty="0" smtClean="0"/>
+              <a:t>原理</a:t>
+            </a:r>
+            <a:endParaRPr lang="en-US" altLang="zh-CN" b="1" dirty="0" smtClean="0"/>
+          </a:p>
+          <a:p>
+            <a:pPr>
               <a:buNone/>
             </a:pPr>
             <a:r>
-              <a:rPr lang="zh-CN" altLang="en-US"/>
-              <a:t>代理模式就是多一个代理类出来，替原对象进行一些额外操作</a:t>
-            </a:r>
-          </a:p>
-          <a:p>
-            <a:endParaRPr lang="zh-CN" altLang="en-US" i="1"/>
+              <a:rPr lang="en-US" altLang="zh-CN" dirty="0" smtClean="0"/>
+              <a:t>	Java </a:t>
+            </a:r>
+            <a:r>
+              <a:rPr lang="zh-CN" altLang="en-US" dirty="0" smtClean="0"/>
+              <a:t>虚拟机中的同步</a:t>
+            </a:r>
+            <a:r>
+              <a:rPr lang="en-US" altLang="zh-CN" dirty="0" smtClean="0"/>
+              <a:t>(Synchronization)</a:t>
+            </a:r>
+            <a:r>
+              <a:rPr lang="zh-CN" altLang="en-US" dirty="0" smtClean="0"/>
+              <a:t>基于进入和退出管程</a:t>
+            </a:r>
+            <a:r>
+              <a:rPr lang="en-US" altLang="zh-CN" dirty="0" smtClean="0"/>
+              <a:t>(Monitor)</a:t>
+            </a:r>
+            <a:r>
+              <a:rPr lang="zh-CN" altLang="en-US" dirty="0" smtClean="0"/>
+              <a:t>对象实现</a:t>
+            </a:r>
+          </a:p>
+          <a:p>
+            <a:pPr lvl="1"/>
+            <a:r>
+              <a:rPr lang="zh-CN" altLang="en-US" dirty="0" smtClean="0"/>
+              <a:t>同步代码块有明确的 </a:t>
+            </a:r>
+            <a:r>
+              <a:rPr lang="en-US" altLang="zh-CN" dirty="0" err="1" smtClean="0"/>
+              <a:t>monitorenter</a:t>
+            </a:r>
+            <a:r>
+              <a:rPr lang="en-US" altLang="zh-CN" dirty="0" smtClean="0"/>
+              <a:t> </a:t>
+            </a:r>
+            <a:r>
+              <a:rPr lang="zh-CN" altLang="en-US" dirty="0" smtClean="0"/>
+              <a:t>和 </a:t>
+            </a:r>
+            <a:r>
+              <a:rPr lang="en-US" altLang="zh-CN" dirty="0" err="1" smtClean="0"/>
+              <a:t>monitorexit</a:t>
+            </a:r>
+            <a:r>
+              <a:rPr lang="en-US" altLang="zh-CN" dirty="0" smtClean="0"/>
+              <a:t> </a:t>
+            </a:r>
+            <a:r>
+              <a:rPr lang="zh-CN" altLang="en-US" dirty="0" smtClean="0"/>
+              <a:t>指令指明</a:t>
+            </a:r>
+            <a:endParaRPr lang="zh-CN" altLang="en-US" dirty="0" smtClean="0"/>
+          </a:p>
+          <a:p>
+            <a:pPr lvl="1"/>
+            <a:r>
+              <a:rPr lang="zh-CN" altLang="en-US" dirty="0" smtClean="0"/>
+              <a:t>同步方法是由方法调用指令读取运行时常量池中方法的 </a:t>
+            </a:r>
+            <a:r>
+              <a:rPr lang="en-US" altLang="zh-CN" dirty="0" smtClean="0"/>
+              <a:t>ACC_SYNCHRONIZED </a:t>
+            </a:r>
+            <a:r>
+              <a:rPr lang="zh-CN" altLang="en-US" dirty="0" smtClean="0"/>
+              <a:t>标志来隐式实现的</a:t>
+            </a:r>
+          </a:p>
+          <a:p>
+            <a:r>
+              <a:rPr lang="en-US" altLang="zh-CN" b="1" dirty="0" smtClean="0"/>
+              <a:t>Java</a:t>
+            </a:r>
+            <a:r>
+              <a:rPr lang="zh-CN" altLang="en-US" b="1" dirty="0" smtClean="0"/>
+              <a:t>虚拟机对</a:t>
+            </a:r>
+            <a:r>
+              <a:rPr lang="en-US" altLang="zh-CN" b="1" dirty="0" smtClean="0"/>
+              <a:t>synchronized</a:t>
+            </a:r>
+            <a:r>
+              <a:rPr lang="zh-CN" altLang="en-US" b="1" dirty="0" smtClean="0"/>
+              <a:t>的优化</a:t>
+            </a:r>
+            <a:endParaRPr lang="en-US" altLang="zh-CN" b="1" dirty="0" smtClean="0"/>
+          </a:p>
+          <a:p>
+            <a:pPr lvl="1"/>
+            <a:r>
+              <a:rPr lang="zh-CN" altLang="en-US" dirty="0" smtClean="0"/>
+              <a:t>偏向</a:t>
+            </a:r>
+            <a:r>
+              <a:rPr lang="zh-CN" altLang="en-US" dirty="0" smtClean="0"/>
+              <a:t>锁</a:t>
+            </a:r>
+            <a:endParaRPr lang="en-US" altLang="zh-CN" dirty="0" smtClean="0"/>
+          </a:p>
+          <a:p>
+            <a:pPr lvl="1"/>
+            <a:r>
+              <a:rPr lang="zh-CN" altLang="en-US" dirty="0" smtClean="0"/>
+              <a:t>轻量级</a:t>
+            </a:r>
+            <a:r>
+              <a:rPr lang="zh-CN" altLang="en-US" dirty="0" smtClean="0"/>
+              <a:t>锁</a:t>
+            </a:r>
+            <a:endParaRPr lang="en-US" altLang="zh-CN" dirty="0" smtClean="0"/>
+          </a:p>
+          <a:p>
+            <a:pPr lvl="1"/>
+            <a:r>
+              <a:rPr lang="zh-CN" altLang="en-US" dirty="0" smtClean="0"/>
+              <a:t>自旋</a:t>
+            </a:r>
+            <a:r>
+              <a:rPr lang="zh-CN" altLang="en-US" dirty="0" smtClean="0"/>
+              <a:t>锁</a:t>
+            </a:r>
+            <a:endParaRPr lang="en-US" altLang="zh-CN" dirty="0" smtClean="0"/>
+          </a:p>
+          <a:p>
+            <a:pPr lvl="1"/>
+            <a:r>
+              <a:rPr lang="zh-CN" altLang="en-US" dirty="0" smtClean="0"/>
+              <a:t>锁消除</a:t>
+            </a:r>
+            <a:endParaRPr lang="zh-CN" altLang="en-US" i="1" dirty="0"/>
           </a:p>
         </p:txBody>
       </p:sp>
-      <p:pic>
-        <p:nvPicPr>
-          <p:cNvPr id="5" name="图片 4"/>
-          <p:cNvPicPr>
-            <a:picLocks noChangeAspect="1"/>
-          </p:cNvPicPr>
-          <p:nvPr/>
-        </p:nvPicPr>
-        <p:blipFill>
-          <a:blip r:embed="rId2" cstate="print"/>
-          <a:stretch>
-            <a:fillRect/>
-          </a:stretch>
-        </p:blipFill>
-        <p:spPr>
-          <a:xfrm>
-            <a:off x="518795" y="1495425"/>
-            <a:ext cx="5489575" cy="2686050"/>
-          </a:xfrm>
-          <a:prstGeom prst="rect">
-            <a:avLst/>
-          </a:prstGeom>
-        </p:spPr>
-      </p:pic>
     </p:spTree>
   </p:cSld>
   <p:clrMapOvr>
@@ -9726,9 +9447,14 @@
           <a:lstStyle/>
           <a:p>
             <a:r>
-              <a:rPr lang="zh-CN" dirty="0"/>
-              <a:t>代理模式（Proxy）</a:t>
-            </a:r>
+              <a:rPr lang="zh-CN" altLang="en-US" b="0" dirty="0" smtClean="0"/>
+              <a:t>重入锁：</a:t>
+            </a:r>
+            <a:r>
+              <a:rPr lang="en-US" altLang="zh-CN" b="0" dirty="0" err="1" smtClean="0"/>
+              <a:t>ReentrantLock</a:t>
+            </a:r>
+            <a:endParaRPr lang="zh-CN" dirty="0"/>
           </a:p>
         </p:txBody>
       </p:sp>
@@ -9744,46 +9470,179 @@
         </p:nvSpPr>
         <p:spPr/>
         <p:txBody>
-          <a:bodyPr/>
+          <a:bodyPr>
+            <a:normAutofit/>
+          </a:bodyPr>
           <a:lstStyle/>
           <a:p>
-            <a:pPr marL="0" indent="0">
-              <a:buNone/>
-            </a:pPr>
-            <a:r>
-              <a:rPr lang="zh-CN" altLang="en-US"/>
-              <a:t>代理模式就是多一个代理类出来，替原对象进行一些额外操作</a:t>
-            </a:r>
-          </a:p>
-          <a:p>
-            <a:endParaRPr lang="zh-CN" altLang="en-US" i="1"/>
+            <a:r>
+              <a:rPr lang="zh-CN" altLang="en-US" dirty="0" smtClean="0"/>
+              <a:t>显示的加锁和释放锁，灵活性好</a:t>
+            </a:r>
+          </a:p>
+          <a:p>
+            <a:r>
+              <a:rPr lang="zh-CN" altLang="en-US" dirty="0" smtClean="0"/>
+              <a:t>一个线程可以连续获得同一把锁</a:t>
+            </a:r>
+          </a:p>
+          <a:p>
+            <a:r>
+              <a:rPr lang="zh-CN" altLang="en-US" dirty="0" smtClean="0"/>
+              <a:t>锁定方法： </a:t>
+            </a:r>
+          </a:p>
+          <a:p>
+            <a:pPr lvl="1"/>
+            <a:r>
+              <a:rPr lang="en-US" altLang="zh-CN" dirty="0" err="1" smtClean="0"/>
+              <a:t>lock.lock</a:t>
+            </a:r>
+            <a:r>
+              <a:rPr lang="en-US" altLang="zh-CN" dirty="0" smtClean="0"/>
+              <a:t>()//</a:t>
+            </a:r>
+            <a:r>
+              <a:rPr lang="zh-CN" altLang="en-US" dirty="0" smtClean="0"/>
+              <a:t>获得锁，如果锁已经被占用，则等待</a:t>
+            </a:r>
+          </a:p>
+          <a:p>
+            <a:pPr lvl="1"/>
+            <a:r>
+              <a:rPr lang="en-US" altLang="zh-CN" dirty="0" err="1" smtClean="0"/>
+              <a:t>lock.lockInterruptibly</a:t>
+            </a:r>
+            <a:r>
+              <a:rPr lang="en-US" altLang="zh-CN" dirty="0" smtClean="0"/>
+              <a:t>();//</a:t>
+            </a:r>
+            <a:r>
+              <a:rPr lang="zh-CN" altLang="en-US" dirty="0" smtClean="0"/>
+              <a:t>获得锁，但优先响应中断</a:t>
+            </a:r>
+          </a:p>
+          <a:p>
+            <a:pPr lvl="1"/>
+            <a:r>
+              <a:rPr lang="en-US" altLang="zh-CN" dirty="0" err="1" smtClean="0"/>
+              <a:t>lock.tryLock</a:t>
+            </a:r>
+            <a:r>
+              <a:rPr lang="en-US" altLang="zh-CN" dirty="0" smtClean="0"/>
+              <a:t>(5, </a:t>
+            </a:r>
+            <a:r>
+              <a:rPr lang="en-US" altLang="zh-CN" dirty="0" err="1" smtClean="0"/>
+              <a:t>TimeUnit.SECONDS</a:t>
+            </a:r>
+            <a:r>
+              <a:rPr lang="en-US" altLang="zh-CN" dirty="0" smtClean="0"/>
+              <a:t>)//</a:t>
+            </a:r>
+            <a:r>
+              <a:rPr lang="zh-CN" altLang="en-US" dirty="0" smtClean="0"/>
+              <a:t>在给定的时间内获得锁</a:t>
+            </a:r>
+          </a:p>
+          <a:p>
+            <a:pPr lvl="1"/>
+            <a:r>
+              <a:rPr lang="en-US" altLang="zh-CN" dirty="0" err="1" smtClean="0"/>
+              <a:t>lock.tryLock</a:t>
+            </a:r>
+            <a:r>
+              <a:rPr lang="en-US" altLang="zh-CN" dirty="0" smtClean="0"/>
+              <a:t>()//</a:t>
+            </a:r>
+            <a:r>
+              <a:rPr lang="zh-CN" altLang="en-US" dirty="0" smtClean="0"/>
+              <a:t>尝试申请锁，成功返回</a:t>
+            </a:r>
+            <a:r>
+              <a:rPr lang="en-US" altLang="zh-CN" dirty="0" smtClean="0"/>
+              <a:t>true</a:t>
+            </a:r>
+            <a:r>
+              <a:rPr lang="zh-CN" altLang="en-US" dirty="0" smtClean="0"/>
+              <a:t>，否则返回</a:t>
+            </a:r>
+            <a:r>
+              <a:rPr lang="en-US" altLang="zh-CN" dirty="0" smtClean="0"/>
+              <a:t>false</a:t>
+            </a:r>
+            <a:r>
+              <a:rPr lang="zh-CN" altLang="en-US" dirty="0" smtClean="0"/>
+              <a:t>，不会引起线程等待，立即返回</a:t>
+            </a:r>
+          </a:p>
+          <a:p>
+            <a:pPr lvl="1"/>
+            <a:r>
+              <a:rPr lang="en-US" altLang="zh-CN" dirty="0" smtClean="0"/>
+              <a:t>unlock()//</a:t>
+            </a:r>
+            <a:r>
+              <a:rPr lang="zh-CN" altLang="en-US" dirty="0" smtClean="0"/>
+              <a:t>释放锁</a:t>
+            </a:r>
+          </a:p>
+          <a:p>
+            <a:r>
+              <a:rPr lang="zh-CN" altLang="en-US" dirty="0" smtClean="0"/>
+              <a:t>重入锁的实现中包含三个主要因素 </a:t>
+            </a:r>
+          </a:p>
+          <a:p>
+            <a:pPr lvl="1"/>
+            <a:r>
+              <a:rPr lang="zh-CN" altLang="en-US" dirty="0" smtClean="0"/>
+              <a:t>原子状态：使用</a:t>
+            </a:r>
+            <a:r>
+              <a:rPr lang="en-US" altLang="zh-CN" dirty="0" smtClean="0"/>
+              <a:t>CAS</a:t>
+            </a:r>
+            <a:r>
+              <a:rPr lang="zh-CN" altLang="en-US" dirty="0" smtClean="0"/>
+              <a:t>操作来存储当前锁的状态，判断锁是否已经被别的线程持有。</a:t>
+            </a:r>
+          </a:p>
+          <a:p>
+            <a:pPr lvl="1"/>
+            <a:r>
+              <a:rPr lang="zh-CN" altLang="en-US" dirty="0" smtClean="0"/>
+              <a:t>等待队列：所有请求锁的线程，会进入等待队列进行等待，待有线程释放锁后，系统就能从等待队列中唤醒一个线程继续工作。</a:t>
+            </a:r>
+          </a:p>
+          <a:p>
+            <a:pPr lvl="1"/>
+            <a:r>
+              <a:rPr lang="zh-CN" altLang="en-US" dirty="0" smtClean="0"/>
+              <a:t>阻塞原语：</a:t>
+            </a:r>
+            <a:r>
+              <a:rPr lang="en-US" altLang="zh-CN" dirty="0" smtClean="0"/>
+              <a:t>park</a:t>
+            </a:r>
+            <a:r>
+              <a:rPr lang="zh-CN" altLang="en-US" dirty="0" smtClean="0"/>
+              <a:t>（）和</a:t>
+            </a:r>
+            <a:r>
+              <a:rPr lang="en-US" altLang="zh-CN" dirty="0" err="1" smtClean="0"/>
+              <a:t>unpark</a:t>
+            </a:r>
+            <a:r>
+              <a:rPr lang="zh-CN" altLang="en-US" dirty="0" smtClean="0"/>
+              <a:t>（），用来挂起和恢复线程。</a:t>
+            </a:r>
+          </a:p>
+          <a:p>
+            <a:endParaRPr lang="zh-CN" altLang="en-US" i="1" dirty="0"/>
           </a:p>
         </p:txBody>
       </p:sp>
-      <p:pic>
-        <p:nvPicPr>
-          <p:cNvPr id="5" name="图片 4"/>
-          <p:cNvPicPr>
-            <a:picLocks noChangeAspect="1"/>
-          </p:cNvPicPr>
-          <p:nvPr/>
-        </p:nvPicPr>
-        <p:blipFill>
-          <a:blip r:embed="rId2" cstate="print"/>
-          <a:stretch>
-            <a:fillRect/>
-          </a:stretch>
-        </p:blipFill>
-        <p:spPr>
-          <a:xfrm>
-            <a:off x="518795" y="1495425"/>
-            <a:ext cx="5489575" cy="2686050"/>
-          </a:xfrm>
-          <a:prstGeom prst="rect">
-            <a:avLst/>
-          </a:prstGeom>
-        </p:spPr>
-      </p:pic>
     </p:spTree>
   </p:cSld>
   <p:clrMapOvr>
@@ -9889,9 +9748,14 @@
           <a:lstStyle/>
           <a:p>
             <a:r>
-              <a:rPr lang="zh-CN" dirty="0"/>
-              <a:t>外观模式（Facade）</a:t>
-            </a:r>
+              <a:rPr lang="en-US" altLang="zh-CN" b="0" dirty="0" smtClean="0"/>
+              <a:t>Condition</a:t>
+            </a:r>
+            <a:r>
+              <a:rPr lang="zh-CN" altLang="en-US" b="0" dirty="0" smtClean="0"/>
+              <a:t>条件</a:t>
+            </a:r>
+            <a:endParaRPr lang="zh-CN" dirty="0"/>
           </a:p>
         </p:txBody>
       </p:sp>
@@ -9910,43 +9774,107 @@
           <a:bodyPr/>
           <a:lstStyle/>
           <a:p>
+            <a:r>
+              <a:rPr lang="zh-CN" altLang="en-US" dirty="0" smtClean="0"/>
+              <a:t>利用</a:t>
+            </a:r>
+            <a:r>
+              <a:rPr lang="en-US" altLang="zh-CN" dirty="0" smtClean="0"/>
+              <a:t>Condition</a:t>
+            </a:r>
+            <a:r>
+              <a:rPr lang="zh-CN" altLang="en-US" dirty="0" smtClean="0"/>
+              <a:t>对象，可以让线程在合适的时候等待，或者在某一个特定的时刻得到通知，继续执行</a:t>
+            </a:r>
+          </a:p>
+          <a:p>
+            <a:r>
+              <a:rPr lang="zh-CN" altLang="en-US" dirty="0" smtClean="0"/>
+              <a:t>主要方法： </a:t>
+            </a:r>
+          </a:p>
+          <a:p>
+            <a:pPr lvl="1"/>
+            <a:r>
+              <a:rPr lang="en-US" altLang="zh-CN" dirty="0" smtClean="0"/>
+              <a:t>await</a:t>
+            </a:r>
+            <a:r>
+              <a:rPr lang="zh-CN" altLang="en-US" dirty="0" smtClean="0"/>
+              <a:t>（）：使当前线程等待，并释放当前锁；直到其他线程中使用了</a:t>
+            </a:r>
+            <a:r>
+              <a:rPr lang="en-US" altLang="zh-CN" dirty="0" smtClean="0"/>
+              <a:t>signal</a:t>
+            </a:r>
+            <a:r>
+              <a:rPr lang="zh-CN" altLang="en-US" dirty="0" smtClean="0"/>
+              <a:t>（），线程会重新获得锁，当线程被中断时也会跳出等待</a:t>
+            </a:r>
+          </a:p>
+          <a:p>
+            <a:pPr lvl="1"/>
+            <a:r>
+              <a:rPr lang="en-US" altLang="zh-CN" dirty="0" err="1" smtClean="0"/>
+              <a:t>awaitUninterruptibly</a:t>
+            </a:r>
+            <a:r>
+              <a:rPr lang="zh-CN" altLang="en-US" dirty="0" smtClean="0"/>
+              <a:t>（）</a:t>
+            </a:r>
+            <a:r>
+              <a:rPr lang="zh-CN" altLang="en-US" dirty="0" smtClean="0"/>
+              <a:t>：</a:t>
+            </a:r>
+            <a:r>
+              <a:rPr lang="zh-CN" altLang="en-US" dirty="0" smtClean="0"/>
+              <a:t>与</a:t>
+            </a:r>
+            <a:r>
+              <a:rPr lang="en-US" altLang="zh-CN" dirty="0" smtClean="0"/>
+              <a:t>await</a:t>
+            </a:r>
+            <a:r>
+              <a:rPr lang="zh-CN" altLang="en-US" dirty="0" smtClean="0"/>
+              <a:t>一样，但是不会响应中断</a:t>
+            </a:r>
+          </a:p>
+          <a:p>
+            <a:pPr lvl="1"/>
+            <a:r>
+              <a:rPr lang="en-US" altLang="zh-CN" dirty="0" smtClean="0"/>
+              <a:t>signal</a:t>
+            </a:r>
+            <a:r>
+              <a:rPr lang="zh-CN" altLang="en-US" dirty="0" smtClean="0"/>
+              <a:t>（）：用户唤醒一个等待中的</a:t>
+            </a:r>
+            <a:r>
+              <a:rPr lang="zh-CN" altLang="en-US" dirty="0" smtClean="0"/>
+              <a:t>线程</a:t>
+            </a:r>
+            <a:endParaRPr lang="en-US" altLang="zh-CN" dirty="0" smtClean="0"/>
+          </a:p>
+          <a:p>
+            <a:pPr lvl="1"/>
+            <a:r>
+              <a:rPr lang="en-US" altLang="zh-CN" dirty="0" err="1" smtClean="0"/>
+              <a:t>signalAll</a:t>
+            </a:r>
+            <a:r>
+              <a:rPr lang="zh-CN" altLang="en-US" dirty="0" smtClean="0"/>
+              <a:t>（）：</a:t>
+            </a:r>
+            <a:endParaRPr lang="zh-CN" altLang="en-US" dirty="0" smtClean="0"/>
+          </a:p>
+          <a:p>
             <a:pPr marL="0" indent="0">
               <a:buNone/>
             </a:pPr>
-            <a:r>
-              <a:rPr lang="zh-CN" altLang="en-US"/>
-              <a:t>外观模式是为了解决类与类之家的依赖关系的，像spring一样，可以将类和类之间的关系配置到配置文件中，而外观模式就是将他们的关系放在一个Facade类中，降低了类类之间的耦合度</a:t>
-            </a:r>
-          </a:p>
-          <a:p>
-            <a:endParaRPr lang="zh-CN" altLang="en-US" i="1"/>
+            <a:endParaRPr lang="zh-CN" altLang="en-US" dirty="0"/>
           </a:p>
         </p:txBody>
       </p:sp>
-      <p:pic>
-        <p:nvPicPr>
-          <p:cNvPr id="3" name="图片 2"/>
-          <p:cNvPicPr>
-            <a:picLocks noChangeAspect="1"/>
-          </p:cNvPicPr>
-          <p:nvPr/>
-        </p:nvPicPr>
-        <p:blipFill>
-          <a:blip r:embed="rId2" cstate="print"/>
-          <a:stretch>
-            <a:fillRect/>
-          </a:stretch>
-        </p:blipFill>
-        <p:spPr>
-          <a:xfrm>
-            <a:off x="518795" y="1667510"/>
-            <a:ext cx="5180965" cy="2799715"/>
-          </a:xfrm>
-          <a:prstGeom prst="rect">
-            <a:avLst/>
-          </a:prstGeom>
-        </p:spPr>
-      </p:pic>
     </p:spTree>
   </p:cSld>
   <p:clrMapOvr>
@@ -9995,9 +9923,14 @@
           <a:lstStyle/>
           <a:p>
             <a:r>
-              <a:rPr lang="zh-CN" dirty="0"/>
-              <a:t>桥接模式（Bridge）</a:t>
-            </a:r>
+              <a:rPr lang="en-US" altLang="zh-CN" dirty="0" smtClean="0"/>
+              <a:t>CAS </a:t>
+            </a:r>
+            <a:r>
+              <a:rPr lang="zh-CN" altLang="en-US" dirty="0" smtClean="0"/>
+              <a:t>比较交换，与众不同的并发策略</a:t>
+            </a:r>
+            <a:endParaRPr lang="zh-CN" dirty="0"/>
           </a:p>
         </p:txBody>
       </p:sp>
@@ -10016,43 +9949,169 @@
           <a:bodyPr/>
           <a:lstStyle/>
           <a:p>
+            <a:r>
+              <a:rPr lang="en-US" altLang="zh-CN" dirty="0" smtClean="0"/>
+              <a:t>CAS</a:t>
+            </a:r>
+            <a:r>
+              <a:rPr lang="zh-CN" altLang="en-US" dirty="0" smtClean="0"/>
+              <a:t>算法：包含三个参数</a:t>
+            </a:r>
+            <a:r>
+              <a:rPr lang="en-US" altLang="zh-CN" dirty="0" smtClean="0"/>
+              <a:t>CAS</a:t>
+            </a:r>
+            <a:r>
+              <a:rPr lang="zh-CN" altLang="en-US" dirty="0" smtClean="0"/>
+              <a:t>（</a:t>
+            </a:r>
+            <a:r>
+              <a:rPr lang="en-US" altLang="zh-CN" dirty="0" smtClean="0"/>
+              <a:t>V</a:t>
+            </a:r>
+            <a:r>
+              <a:rPr lang="zh-CN" altLang="en-US" dirty="0" smtClean="0"/>
+              <a:t>，</a:t>
+            </a:r>
+            <a:r>
+              <a:rPr lang="en-US" altLang="zh-CN" dirty="0" smtClean="0"/>
+              <a:t>E</a:t>
+            </a:r>
+            <a:r>
+              <a:rPr lang="zh-CN" altLang="en-US" dirty="0" smtClean="0"/>
+              <a:t>，</a:t>
+            </a:r>
+            <a:r>
+              <a:rPr lang="en-US" altLang="zh-CN" dirty="0" smtClean="0"/>
+              <a:t>N</a:t>
+            </a:r>
+            <a:r>
+              <a:rPr lang="zh-CN" altLang="en-US" dirty="0" smtClean="0"/>
+              <a:t>），</a:t>
+            </a:r>
+            <a:r>
+              <a:rPr lang="en-US" altLang="zh-CN" dirty="0" smtClean="0"/>
+              <a:t>V</a:t>
+            </a:r>
+            <a:r>
+              <a:rPr lang="zh-CN" altLang="en-US" dirty="0" smtClean="0"/>
+              <a:t>表示要更新的变量，</a:t>
+            </a:r>
+            <a:r>
+              <a:rPr lang="en-US" altLang="zh-CN" dirty="0" smtClean="0"/>
+              <a:t>E</a:t>
+            </a:r>
+            <a:r>
+              <a:rPr lang="zh-CN" altLang="en-US" dirty="0" smtClean="0"/>
+              <a:t>表示预期值，</a:t>
+            </a:r>
+            <a:r>
+              <a:rPr lang="en-US" altLang="zh-CN" dirty="0" smtClean="0"/>
+              <a:t>N</a:t>
+            </a:r>
+            <a:r>
+              <a:rPr lang="zh-CN" altLang="en-US" dirty="0" smtClean="0"/>
+              <a:t>表示新值</a:t>
+            </a:r>
+          </a:p>
+          <a:p>
+            <a:r>
+              <a:rPr lang="en-US" altLang="zh-CN" dirty="0" smtClean="0"/>
+              <a:t>Java</a:t>
+            </a:r>
+            <a:r>
+              <a:rPr lang="zh-CN" altLang="en-US" dirty="0" smtClean="0"/>
+              <a:t>中的指针</a:t>
+            </a:r>
+            <a:r>
+              <a:rPr lang="en-US" altLang="zh-CN" dirty="0" err="1" smtClean="0"/>
+              <a:t>UnSafe</a:t>
+            </a:r>
+            <a:r>
+              <a:rPr lang="zh-CN" altLang="en-US" dirty="0" smtClean="0"/>
+              <a:t>类 </a:t>
+            </a:r>
+            <a:br>
+              <a:rPr lang="zh-CN" altLang="en-US" dirty="0" smtClean="0"/>
+            </a:br>
+            <a:endParaRPr lang="zh-CN" altLang="en-US" dirty="0" smtClean="0"/>
+          </a:p>
+          <a:p>
+            <a:pPr lvl="1"/>
+            <a:r>
+              <a:rPr lang="en-US" altLang="zh-CN" dirty="0" err="1" smtClean="0"/>
+              <a:t>allocateMemory</a:t>
+            </a:r>
+            <a:r>
+              <a:rPr lang="zh-CN" altLang="en-US" dirty="0" smtClean="0"/>
+              <a:t>、</a:t>
+            </a:r>
+            <a:r>
+              <a:rPr lang="en-US" altLang="zh-CN" dirty="0" err="1" smtClean="0"/>
+              <a:t>reallocateMemory</a:t>
+            </a:r>
+            <a:r>
+              <a:rPr lang="zh-CN" altLang="en-US" dirty="0" smtClean="0"/>
+              <a:t>、</a:t>
+            </a:r>
+            <a:r>
+              <a:rPr lang="en-US" altLang="zh-CN" dirty="0" err="1" smtClean="0"/>
+              <a:t>freeMemory</a:t>
+            </a:r>
+            <a:r>
+              <a:rPr lang="zh-CN" altLang="en-US" dirty="0" smtClean="0"/>
+              <a:t>分别用于分配内存，扩充内存和释放内存；</a:t>
+            </a:r>
+          </a:p>
+          <a:p>
+            <a:pPr lvl="1"/>
+            <a:r>
+              <a:rPr lang="zh-CN" altLang="en-US" dirty="0" smtClean="0"/>
+              <a:t>可以定位对象某字段的内存位置，也可以修改对象的字段值，即使它是私有的；</a:t>
+            </a:r>
+          </a:p>
+          <a:p>
+            <a:pPr lvl="1"/>
+            <a:r>
+              <a:rPr lang="zh-CN" altLang="en-US" dirty="0" smtClean="0"/>
+              <a:t>线程挂起与恢复，对线程的挂起操作被封装在 </a:t>
+            </a:r>
+            <a:r>
+              <a:rPr lang="en-US" altLang="zh-CN" dirty="0" err="1" smtClean="0"/>
+              <a:t>LockSupport</a:t>
+            </a:r>
+            <a:r>
+              <a:rPr lang="zh-CN" altLang="en-US" dirty="0" smtClean="0"/>
+              <a:t>类中；</a:t>
+            </a:r>
+          </a:p>
+          <a:p>
+            <a:pPr lvl="1"/>
+            <a:r>
+              <a:rPr lang="en-US" altLang="zh-CN" dirty="0" smtClean="0"/>
+              <a:t>CAS</a:t>
+            </a:r>
+            <a:r>
+              <a:rPr lang="zh-CN" altLang="en-US" dirty="0" smtClean="0"/>
+              <a:t>操作：是通过</a:t>
+            </a:r>
+            <a:r>
+              <a:rPr lang="en-US" altLang="zh-CN" dirty="0" err="1" smtClean="0"/>
+              <a:t>compareAndSwapXXX</a:t>
+            </a:r>
+            <a:r>
+              <a:rPr lang="zh-CN" altLang="en-US" dirty="0" smtClean="0"/>
+              <a:t>方法实现的</a:t>
+            </a:r>
+          </a:p>
+          <a:p>
             <a:pPr marL="0" indent="0">
               <a:buNone/>
             </a:pPr>
-            <a:r>
-              <a:rPr lang="zh-CN" altLang="en-US"/>
-              <a:t>桥接模式就是把事物和其具体实现分开，使他们可以各自独立的变化。桥接的用意是：将抽象化与实现化解耦，使得二者可以独立变化</a:t>
-            </a:r>
-          </a:p>
-          <a:p>
-            <a:endParaRPr lang="zh-CN" altLang="en-US" i="1"/>
+            <a:endParaRPr lang="zh-CN" altLang="en-US" dirty="0"/>
           </a:p>
         </p:txBody>
       </p:sp>
-      <p:pic>
-        <p:nvPicPr>
-          <p:cNvPr id="6" name="图片 5"/>
-          <p:cNvPicPr>
-            <a:picLocks noChangeAspect="1"/>
-          </p:cNvPicPr>
-          <p:nvPr/>
-        </p:nvPicPr>
-        <p:blipFill>
-          <a:blip r:embed="rId2" cstate="print"/>
-          <a:stretch>
-            <a:fillRect/>
-          </a:stretch>
-        </p:blipFill>
-        <p:spPr>
-          <a:xfrm>
-            <a:off x="518795" y="1633855"/>
-            <a:ext cx="7698740" cy="2474595"/>
-          </a:xfrm>
-          <a:prstGeom prst="rect">
-            <a:avLst/>
-          </a:prstGeom>
-        </p:spPr>
-      </p:pic>
     </p:spTree>
   </p:cSld>
   <p:clrMapOvr>
@@ -10101,9 +10160,14 @@
           <a:lstStyle/>
           <a:p>
             <a:r>
-              <a:rPr lang="zh-CN" dirty="0"/>
-              <a:t>组合模式（Composite）</a:t>
-            </a:r>
+              <a:rPr lang="en-US" altLang="zh-CN" dirty="0" smtClean="0"/>
+              <a:t>AQS</a:t>
+            </a:r>
+            <a:r>
+              <a:rPr lang="zh-CN" altLang="en-US" dirty="0" smtClean="0"/>
+              <a:t>工作原理概要</a:t>
+            </a:r>
+            <a:endParaRPr lang="zh-CN" dirty="0"/>
           </a:p>
         </p:txBody>
       </p:sp>
@@ -10122,43 +10186,195 @@
           <a:bodyPr/>
           <a:lstStyle/>
           <a:p>
-            <a:pPr marL="0" indent="0">
-              <a:buNone/>
-            </a:pPr>
-            <a:r>
-              <a:rPr lang="zh-CN" altLang="en-US"/>
-              <a:t>组合模式有时又叫部分-整体模式在处理类似树形结构的问题时比较方便</a:t>
-            </a:r>
-          </a:p>
-          <a:p>
-            <a:endParaRPr lang="zh-CN" altLang="en-US" i="1"/>
+            <a:r>
+              <a:rPr lang="en-US" altLang="zh-CN" dirty="0" err="1" smtClean="0"/>
+              <a:t>AbstractQueuedSynchronizer</a:t>
+            </a:r>
+            <a:r>
+              <a:rPr lang="zh-CN" altLang="en-US" dirty="0" smtClean="0"/>
+              <a:t>又称为队列同步器</a:t>
+            </a:r>
+            <a:r>
+              <a:rPr lang="en-US" altLang="zh-CN" dirty="0" smtClean="0"/>
+              <a:t>(</a:t>
+            </a:r>
+            <a:r>
+              <a:rPr lang="zh-CN" altLang="en-US" dirty="0" smtClean="0"/>
+              <a:t>后面简称</a:t>
+            </a:r>
+            <a:r>
+              <a:rPr lang="en-US" altLang="zh-CN" dirty="0" smtClean="0"/>
+              <a:t>AQS)</a:t>
+            </a:r>
+            <a:r>
+              <a:rPr lang="zh-CN" altLang="en-US" dirty="0" smtClean="0"/>
+              <a:t>，它是用来构建锁或其他同步组件的</a:t>
+            </a:r>
+            <a:r>
+              <a:rPr lang="zh-CN" altLang="en-US" dirty="0" smtClean="0"/>
+              <a:t>基础框架</a:t>
+            </a:r>
+            <a:r>
+              <a:rPr lang="zh-CN" altLang="en-US" dirty="0" smtClean="0"/>
+              <a:t>，</a:t>
+            </a:r>
+            <a:r>
+              <a:rPr lang="zh-CN" altLang="en-US" dirty="0" smtClean="0"/>
+              <a:t>内部</a:t>
+            </a:r>
+            <a:r>
+              <a:rPr lang="zh-CN" altLang="en-US" dirty="0" smtClean="0"/>
+              <a:t>通过一</a:t>
+            </a:r>
+            <a:r>
+              <a:rPr lang="zh-CN" altLang="en-US" dirty="0" smtClean="0"/>
+              <a:t>个</a:t>
+            </a:r>
+            <a:r>
+              <a:rPr lang="en-US" altLang="zh-CN" dirty="0" smtClean="0"/>
+              <a:t>volatile </a:t>
+            </a:r>
+            <a:r>
+              <a:rPr lang="en-US" altLang="zh-CN" dirty="0" err="1" smtClean="0"/>
+              <a:t>int</a:t>
+            </a:r>
+            <a:r>
+              <a:rPr lang="zh-CN" altLang="en-US" dirty="0" smtClean="0"/>
+              <a:t>类型的成员变量</a:t>
+            </a:r>
+            <a:r>
+              <a:rPr lang="en-US" altLang="zh-CN" dirty="0" smtClean="0"/>
+              <a:t>state</a:t>
+            </a:r>
+            <a:r>
+              <a:rPr lang="zh-CN" altLang="en-US" dirty="0" smtClean="0"/>
+              <a:t>来控制</a:t>
+            </a:r>
+            <a:r>
+              <a:rPr lang="zh-CN" altLang="en-US" dirty="0" smtClean="0"/>
+              <a:t>同步</a:t>
+            </a:r>
+            <a:r>
+              <a:rPr lang="zh-CN" altLang="en-US" dirty="0" smtClean="0"/>
+              <a:t>状态。</a:t>
+            </a:r>
+            <a:endParaRPr lang="en-US" altLang="zh-CN" dirty="0" smtClean="0"/>
+          </a:p>
+          <a:p>
+            <a:r>
+              <a:rPr lang="en-US" altLang="zh-CN" dirty="0" smtClean="0"/>
+              <a:t>AQS</a:t>
+            </a:r>
+            <a:r>
+              <a:rPr lang="zh-CN" altLang="en-US" dirty="0" smtClean="0"/>
+              <a:t>作为基础组件，对于锁的实现存在两种不同的模式，即共享模式</a:t>
+            </a:r>
+            <a:r>
+              <a:rPr lang="en-US" altLang="zh-CN" dirty="0" smtClean="0"/>
+              <a:t>(</a:t>
+            </a:r>
+            <a:r>
+              <a:rPr lang="zh-CN" altLang="en-US" dirty="0" smtClean="0"/>
+              <a:t>如</a:t>
+            </a:r>
+            <a:r>
+              <a:rPr lang="en-US" altLang="zh-CN" dirty="0" smtClean="0"/>
+              <a:t>Semaphore)</a:t>
+            </a:r>
+            <a:r>
+              <a:rPr lang="zh-CN" altLang="en-US" dirty="0" smtClean="0"/>
+              <a:t>和独占模式</a:t>
+            </a:r>
+            <a:r>
+              <a:rPr lang="en-US" altLang="zh-CN" dirty="0" smtClean="0"/>
+              <a:t>(</a:t>
+            </a:r>
+            <a:r>
+              <a:rPr lang="zh-CN" altLang="en-US" dirty="0" smtClean="0"/>
+              <a:t>如</a:t>
+            </a:r>
+            <a:r>
+              <a:rPr lang="en-US" altLang="zh-CN" dirty="0" err="1" smtClean="0"/>
+              <a:t>ReetrantLock</a:t>
+            </a:r>
+            <a:r>
+              <a:rPr lang="en-US" altLang="zh-CN" dirty="0" smtClean="0"/>
+              <a:t>)</a:t>
+            </a:r>
+            <a:r>
+              <a:rPr lang="zh-CN" altLang="en-US" dirty="0" smtClean="0"/>
+              <a:t>，无论是共享模式还是独占模式的实现类，其内部都是基于</a:t>
+            </a:r>
+            <a:r>
+              <a:rPr lang="en-US" altLang="zh-CN" dirty="0" smtClean="0"/>
+              <a:t>AQS</a:t>
+            </a:r>
+            <a:r>
+              <a:rPr lang="zh-CN" altLang="en-US" dirty="0" smtClean="0"/>
+              <a:t>实现的，也都维持着一个虚拟的同步队列，当请求锁的线程超过现有模式的限制时，会将线程包装成</a:t>
+            </a:r>
+            <a:r>
+              <a:rPr lang="en-US" altLang="zh-CN" dirty="0" smtClean="0"/>
+              <a:t>Node</a:t>
+            </a:r>
+            <a:r>
+              <a:rPr lang="zh-CN" altLang="en-US" dirty="0" smtClean="0"/>
+              <a:t>结点并将线程当前必要的信息存储到</a:t>
+            </a:r>
+            <a:r>
+              <a:rPr lang="en-US" altLang="zh-CN" dirty="0" smtClean="0"/>
+              <a:t>node</a:t>
+            </a:r>
+            <a:r>
+              <a:rPr lang="zh-CN" altLang="en-US" dirty="0" smtClean="0"/>
+              <a:t>结点中，然后加入同步队列等会获取锁，而这系列操作都有</a:t>
+            </a:r>
+            <a:r>
+              <a:rPr lang="en-US" altLang="zh-CN" dirty="0" smtClean="0"/>
+              <a:t>AQS</a:t>
+            </a:r>
+            <a:r>
+              <a:rPr lang="zh-CN" altLang="en-US" dirty="0" smtClean="0"/>
+              <a:t>协助我们完成，这也是作为基础组件的原因，无论是</a:t>
+            </a:r>
+            <a:r>
+              <a:rPr lang="en-US" altLang="zh-CN" dirty="0" smtClean="0"/>
+              <a:t>Semaphore</a:t>
+            </a:r>
+            <a:r>
+              <a:rPr lang="zh-CN" altLang="en-US" dirty="0" smtClean="0"/>
+              <a:t>还是</a:t>
+            </a:r>
+            <a:r>
+              <a:rPr lang="en-US" altLang="zh-CN" dirty="0" err="1" smtClean="0"/>
+              <a:t>ReetrantLock</a:t>
+            </a:r>
+            <a:r>
+              <a:rPr lang="zh-CN" altLang="en-US" dirty="0" smtClean="0"/>
+              <a:t>，其内部绝大多数方法都是间接调用</a:t>
+            </a:r>
+            <a:r>
+              <a:rPr lang="en-US" altLang="zh-CN" dirty="0" smtClean="0"/>
+              <a:t>AQS</a:t>
+            </a:r>
+            <a:r>
+              <a:rPr lang="zh-CN" altLang="en-US" dirty="0" smtClean="0"/>
+              <a:t>完成</a:t>
+            </a:r>
+            <a:r>
+              <a:rPr lang="zh-CN" altLang="en-US" dirty="0" smtClean="0"/>
+              <a:t>的。</a:t>
+            </a:r>
+            <a:endParaRPr lang="en-US" altLang="zh-CN" dirty="0" smtClean="0"/>
+          </a:p>
+          <a:p>
+            <a:endParaRPr lang="en-US" altLang="zh-CN" dirty="0" smtClean="0"/>
+          </a:p>
+          <a:p>
+            <a:endParaRPr lang="zh-CN" altLang="en-US" dirty="0"/>
           </a:p>
         </p:txBody>
       </p:sp>
-      <p:pic>
-        <p:nvPicPr>
-          <p:cNvPr id="7" name="图片 6"/>
-          <p:cNvPicPr>
-            <a:picLocks noChangeAspect="1"/>
-          </p:cNvPicPr>
-          <p:nvPr/>
-        </p:nvPicPr>
-        <p:blipFill>
-          <a:blip r:embed="rId2" cstate="print"/>
-          <a:stretch>
-            <a:fillRect/>
-          </a:stretch>
-        </p:blipFill>
-        <p:spPr>
-          <a:xfrm>
-            <a:off x="518795" y="1452245"/>
-            <a:ext cx="7214870" cy="2670175"/>
-          </a:xfrm>
-          <a:prstGeom prst="rect">
-            <a:avLst/>
-          </a:prstGeom>
-        </p:spPr>
-      </p:pic>
     </p:spTree>
   </p:cSld>
   <p:clrMapOvr>
@@ -10207,40 +10423,32 @@
           <a:lstStyle/>
           <a:p>
             <a:r>
-              <a:rPr lang="zh-CN" dirty="0"/>
-              <a:t>享元模式（Flyweight）</a:t>
-            </a:r>
-          </a:p>
-        </p:txBody>
-      </p:sp>
-      <p:sp>
-        <p:nvSpPr>
-          <p:cNvPr id="4" name="内容占位符 3"/>
-          <p:cNvSpPr>
-            <a:spLocks noGrp="1"/>
-          </p:cNvSpPr>
-          <p:nvPr>
-            <p:ph idx="1"/>
-          </p:nvPr>
-        </p:nvSpPr>
-        <p:spPr/>
-        <p:txBody>
-          <a:bodyPr/>
-          <a:lstStyle/>
-          <a:p>
-            <a:pPr marL="0" indent="0">
-              <a:buNone/>
-            </a:pPr>
-            <a:r>
-              <a:rPr lang="zh-CN" altLang="en-US"/>
-              <a:t>享元模式的主要目的是实现对象的共享，即共享池，当系统中对象多的时候可以减少内存的开销，通常与工厂模式一起使用</a:t>
-            </a:r>
+              <a:rPr lang="zh-CN" altLang="en-US" dirty="0" smtClean="0"/>
+              <a:t>基于并发</a:t>
+            </a:r>
+            <a:r>
+              <a:rPr lang="en-US" altLang="zh-CN" dirty="0" smtClean="0"/>
+              <a:t>AQS</a:t>
+            </a:r>
+            <a:r>
+              <a:rPr lang="zh-CN" altLang="en-US" dirty="0" smtClean="0"/>
+              <a:t>的重入锁</a:t>
+            </a:r>
+            <a:r>
+              <a:rPr lang="en-US" altLang="zh-CN" dirty="0" err="1" smtClean="0"/>
+              <a:t>ReentrantLock</a:t>
+            </a:r>
+            <a:r>
+              <a:rPr lang="zh-CN" altLang="en-US" dirty="0" smtClean="0"/>
+              <a:t>流程</a:t>
+            </a:r>
+            <a:endParaRPr lang="zh-CN" dirty="0"/>
           </a:p>
         </p:txBody>
       </p:sp>
       <p:pic>
         <p:nvPicPr>
-          <p:cNvPr id="3" name="图片 2"/>
+          <p:cNvPr id="5" name="图片 4" descr="aqs-reentrantlock.png"/>
           <p:cNvPicPr>
             <a:picLocks noChangeAspect="1"/>
           </p:cNvPicPr>
@@ -10254,8 +10462,8 @@
         </p:blipFill>
         <p:spPr>
           <a:xfrm>
-            <a:off x="518795" y="1638300"/>
-            <a:ext cx="5493385" cy="2382520"/>
+            <a:off x="1835697" y="555527"/>
+            <a:ext cx="4320479" cy="4207770"/>
           </a:xfrm>
           <a:prstGeom prst="rect">
             <a:avLst/>
@@ -10310,9 +10518,10 @@
           <a:lstStyle/>
           <a:p>
             <a:r>
-              <a:rPr lang="zh-CN" dirty="0"/>
-              <a:t>行为型模式</a:t>
-            </a:r>
+              <a:rPr lang="zh-CN" altLang="en-US" dirty="0" smtClean="0"/>
+              <a:t>线程复用：线程池</a:t>
+            </a:r>
+            <a:endParaRPr lang="zh-CN" dirty="0"/>
           </a:p>
         </p:txBody>
       </p:sp>
@@ -10331,40 +10540,221 @@
           <a:bodyPr/>
           <a:lstStyle/>
           <a:p>
-            <a:pPr marL="0" indent="0">
-              <a:buNone/>
+            <a:r>
+              <a:rPr lang="zh-CN" altLang="en-US" b="1" dirty="0" smtClean="0"/>
+              <a:t>线程过多对性能的影响</a:t>
+            </a:r>
+            <a:endParaRPr lang="en-US" altLang="zh-CN" b="1" dirty="0" smtClean="0"/>
+          </a:p>
+          <a:p>
+            <a:pPr lvl="1"/>
+            <a:r>
+              <a:rPr lang="zh-CN" altLang="en-US" dirty="0" smtClean="0"/>
+              <a:t>线程</a:t>
+            </a:r>
+            <a:r>
+              <a:rPr lang="zh-CN" altLang="en-US" dirty="0" smtClean="0"/>
+              <a:t>数量过大，会耗尽</a:t>
+            </a:r>
+            <a:r>
+              <a:rPr lang="en-US" altLang="zh-CN" dirty="0" smtClean="0"/>
+              <a:t>CPU</a:t>
+            </a:r>
+            <a:r>
+              <a:rPr lang="zh-CN" altLang="en-US" dirty="0" smtClean="0"/>
+              <a:t>和内存资源</a:t>
+            </a:r>
+          </a:p>
+          <a:p>
+            <a:pPr lvl="1"/>
+            <a:r>
+              <a:rPr lang="zh-CN" altLang="en-US" dirty="0" smtClean="0"/>
+              <a:t>创建和关闭线程需要花费过多时间</a:t>
+            </a:r>
+          </a:p>
+          <a:p>
+            <a:pPr lvl="1"/>
+            <a:r>
+              <a:rPr lang="zh-CN" altLang="en-US" dirty="0" smtClean="0"/>
+              <a:t>大量线程回收会给</a:t>
+            </a:r>
+            <a:r>
+              <a:rPr lang="en-US" altLang="zh-CN" dirty="0" smtClean="0"/>
+              <a:t>GC</a:t>
+            </a:r>
+            <a:r>
+              <a:rPr lang="zh-CN" altLang="en-US" dirty="0" smtClean="0"/>
+              <a:t>带来压力，延长</a:t>
+            </a:r>
+            <a:r>
+              <a:rPr lang="en-US" altLang="zh-CN" dirty="0" smtClean="0"/>
+              <a:t>GC</a:t>
+            </a:r>
+            <a:r>
+              <a:rPr lang="zh-CN" altLang="en-US" dirty="0" smtClean="0"/>
+              <a:t>停顿</a:t>
+            </a:r>
+            <a:r>
+              <a:rPr lang="zh-CN" altLang="en-US" dirty="0" smtClean="0"/>
+              <a:t>时间</a:t>
+            </a:r>
+            <a:endParaRPr lang="en-US" altLang="zh-CN" dirty="0" smtClean="0"/>
+          </a:p>
+          <a:p>
+            <a:r>
+              <a:rPr lang="zh-CN" altLang="en-US" b="1" dirty="0" smtClean="0"/>
+              <a:t>线程池的优点</a:t>
+            </a:r>
+          </a:p>
+          <a:p>
+            <a:pPr lvl="1"/>
+            <a:r>
+              <a:rPr lang="zh-CN" altLang="en-US" dirty="0" smtClean="0"/>
+              <a:t>避免</a:t>
+            </a:r>
+            <a:r>
+              <a:rPr lang="zh-CN" altLang="en-US" dirty="0" smtClean="0"/>
+              <a:t>线程的创建和销毁带来的性能开销</a:t>
+            </a:r>
+            <a:r>
+              <a:rPr lang="zh-CN" altLang="en-US" dirty="0" smtClean="0"/>
+              <a:t>。</a:t>
+            </a:r>
+            <a:endParaRPr lang="en-US" altLang="zh-CN" dirty="0" smtClean="0"/>
+          </a:p>
+          <a:p>
+            <a:pPr lvl="1"/>
+            <a:r>
+              <a:rPr lang="zh-CN" altLang="en-US" dirty="0" smtClean="0"/>
+              <a:t>避免</a:t>
+            </a:r>
+            <a:r>
+              <a:rPr lang="zh-CN" altLang="en-US" dirty="0" smtClean="0"/>
+              <a:t>大量的线程间因互相抢占系统资源导致的阻塞现象</a:t>
+            </a:r>
+            <a:r>
+              <a:rPr lang="zh-CN" altLang="en-US" dirty="0" smtClean="0"/>
+              <a:t>。</a:t>
+            </a:r>
+            <a:endParaRPr lang="en-US" altLang="zh-CN" dirty="0" smtClean="0"/>
+          </a:p>
+          <a:p>
+            <a:pPr lvl="1"/>
+            <a:r>
+              <a:rPr lang="zh-CN" altLang="en-US" dirty="0" smtClean="0"/>
+              <a:t>能够</a:t>
+            </a:r>
+            <a:r>
+              <a:rPr lang="zh-CN" altLang="en-US" dirty="0" smtClean="0"/>
+              <a:t>对线程进行简单的管理并提供定时执行、间隔执行等功能</a:t>
+            </a:r>
+            <a:r>
+              <a:rPr lang="zh-CN" altLang="en-US" dirty="0" smtClean="0"/>
+              <a:t>。</a:t>
+            </a:r>
+            <a:endParaRPr lang="en-US" altLang="zh-CN" dirty="0" smtClean="0"/>
+          </a:p>
+          <a:p>
+            <a:pPr marL="342900" lvl="1" indent="-342900">
+              <a:buFont typeface="Arial" panose="020B0604020202020204" pitchFamily="34" charset="0"/>
+              <a:buChar char="•"/>
             </a:pPr>
             <a:r>
-              <a:rPr lang="zh-CN" altLang="en-US"/>
-              <a:t>第一类：通过父类与子类的关系进行实现。第二类：两个类之间。第三类：类的状态。第四类：通过中间类</a:t>
-            </a:r>
+              <a:rPr lang="zh-CN" altLang="en-US" sz="1600" b="1" dirty="0" smtClean="0"/>
+              <a:t>线程池接口及类</a:t>
+            </a:r>
+            <a:r>
+              <a:rPr lang="zh-CN" altLang="en-US" sz="1600" b="1" dirty="0" smtClean="0"/>
+              <a:t>说明</a:t>
+            </a:r>
+            <a:endParaRPr lang="en-US" altLang="zh-CN" sz="1600" b="1" dirty="0" smtClean="0"/>
+          </a:p>
+          <a:p>
+            <a:pPr marL="742950" lvl="2" indent="-342900"/>
+            <a:r>
+              <a:rPr lang="en-US" altLang="zh-CN" dirty="0" smtClean="0"/>
+              <a:t>Executor </a:t>
+            </a:r>
+            <a:r>
+              <a:rPr lang="zh-CN" altLang="en-US" dirty="0" smtClean="0"/>
+              <a:t>：</a:t>
+            </a:r>
+            <a:r>
+              <a:rPr lang="en-US" altLang="zh-CN" dirty="0" smtClean="0"/>
+              <a:t>Java</a:t>
+            </a:r>
+            <a:r>
+              <a:rPr lang="zh-CN" altLang="en-US" dirty="0" smtClean="0"/>
+              <a:t>里面线程池的顶级</a:t>
+            </a:r>
+            <a:r>
+              <a:rPr lang="zh-CN" altLang="en-US" dirty="0" smtClean="0"/>
+              <a:t>接口</a:t>
+            </a:r>
+            <a:endParaRPr lang="en-US" altLang="zh-CN" dirty="0" smtClean="0"/>
+          </a:p>
+          <a:p>
+            <a:pPr marL="742950" lvl="2" indent="-342900"/>
+            <a:r>
+              <a:rPr lang="en-US" altLang="zh-CN" dirty="0" err="1" smtClean="0"/>
+              <a:t>ExecutorService</a:t>
+            </a:r>
+            <a:r>
+              <a:rPr lang="zh-CN" altLang="en-US" dirty="0" smtClean="0"/>
+              <a:t>：真正</a:t>
+            </a:r>
+            <a:r>
+              <a:rPr lang="zh-CN" altLang="en-US" dirty="0" smtClean="0"/>
+              <a:t>的线程池</a:t>
+            </a:r>
+            <a:r>
+              <a:rPr lang="zh-CN" altLang="en-US" dirty="0" smtClean="0"/>
+              <a:t>接口</a:t>
+            </a:r>
+            <a:endParaRPr lang="en-US" altLang="zh-CN" dirty="0" smtClean="0"/>
+          </a:p>
+          <a:p>
+            <a:pPr marL="742950" lvl="2" indent="-342900"/>
+            <a:r>
+              <a:rPr lang="en-US" altLang="zh-CN" dirty="0" err="1" smtClean="0"/>
+              <a:t>ThreadPoolExecutor</a:t>
+            </a:r>
+            <a:r>
+              <a:rPr lang="zh-CN" altLang="en-US" dirty="0" smtClean="0"/>
+              <a:t>： </a:t>
+            </a:r>
+            <a:r>
+              <a:rPr lang="en-US" altLang="zh-CN" dirty="0" err="1" smtClean="0"/>
+              <a:t>ExecutorService</a:t>
+            </a:r>
+            <a:r>
+              <a:rPr lang="en-US" altLang="zh-CN" dirty="0" smtClean="0"/>
+              <a:t> </a:t>
+            </a:r>
+            <a:r>
+              <a:rPr lang="zh-CN" altLang="en-US" dirty="0" smtClean="0"/>
+              <a:t>的默认</a:t>
+            </a:r>
+            <a:r>
+              <a:rPr lang="zh-CN" altLang="en-US" dirty="0" smtClean="0"/>
+              <a:t>实现</a:t>
+            </a:r>
+            <a:endParaRPr lang="en-US" altLang="zh-CN" dirty="0" smtClean="0"/>
+          </a:p>
+          <a:p>
+            <a:pPr marL="742950" lvl="2" indent="-342900"/>
+            <a:r>
+              <a:rPr lang="en-US" altLang="zh-CN" dirty="0" smtClean="0"/>
+              <a:t>Executors </a:t>
+            </a:r>
+            <a:r>
+              <a:rPr lang="zh-CN" altLang="en-US" dirty="0" smtClean="0"/>
+              <a:t>：线程池工具类</a:t>
+            </a:r>
+            <a:endParaRPr lang="zh-CN" altLang="en-US" dirty="0" smtClean="0"/>
           </a:p>
         </p:txBody>
       </p:sp>
-      <p:pic>
-        <p:nvPicPr>
-          <p:cNvPr id="5" name="图片 4"/>
-          <p:cNvPicPr>
-            <a:picLocks noChangeAspect="1"/>
-          </p:cNvPicPr>
-          <p:nvPr/>
-        </p:nvPicPr>
-        <p:blipFill>
-          <a:blip r:embed="rId2" cstate="print"/>
-          <a:stretch>
-            <a:fillRect/>
-          </a:stretch>
-        </p:blipFill>
-        <p:spPr>
-          <a:xfrm>
-            <a:off x="518795" y="1551940"/>
-            <a:ext cx="6193790" cy="2849245"/>
-          </a:xfrm>
-          <a:prstGeom prst="rect">
-            <a:avLst/>
-          </a:prstGeom>
-        </p:spPr>
-      </p:pic>
     </p:spTree>
   </p:cSld>
   <p:clrMapOvr>
@@ -10407,15 +10797,33 @@
             <p:ph type="title"/>
           </p:nvPr>
         </p:nvSpPr>
-        <p:spPr/>
+        <p:spPr>
+          <a:xfrm>
+            <a:off x="518864" y="215503"/>
+            <a:ext cx="8085584" cy="421556"/>
+          </a:xfrm>
+        </p:spPr>
         <p:txBody>
           <a:bodyPr/>
           <a:lstStyle/>
           <a:p>
             <a:r>
-              <a:rPr lang="zh-CN" dirty="0"/>
-              <a:t>策略模式（strategy）</a:t>
-            </a:r>
+              <a:rPr lang="en-US" altLang="zh-CN" b="0" dirty="0" smtClean="0"/>
+              <a:t>Executors </a:t>
+            </a:r>
+            <a:r>
+              <a:rPr lang="zh-CN" altLang="en-US" b="0" dirty="0" smtClean="0"/>
+              <a:t>提供四</a:t>
+            </a:r>
+            <a:r>
+              <a:rPr lang="zh-CN" altLang="en-US" b="0" dirty="0" smtClean="0"/>
+              <a:t>种方式创建线程</a:t>
+            </a:r>
+            <a:r>
+              <a:rPr lang="zh-CN" altLang="en-US" b="0" dirty="0" smtClean="0"/>
+              <a:t>池</a:t>
+            </a:r>
+            <a:endParaRPr lang="zh-CN" dirty="0"/>
           </a:p>
         </p:txBody>
       </p:sp>
@@ -10434,40 +10842,60 @@
           <a:bodyPr/>
           <a:lstStyle/>
           <a:p>
-            <a:pPr marL="0" indent="0">
-              <a:buNone/>
-            </a:pPr>
-            <a:r>
-              <a:rPr lang="zh-CN" altLang="en-US"/>
-              <a:t>策略模式定义了一系列算法，并将每个算法封装起来，使他们可以相互替换，且算法的变化不会影响到使用算法的客户。</a:t>
-            </a:r>
+            <a:r>
+              <a:rPr lang="en-US" altLang="zh-CN" dirty="0" err="1" smtClean="0"/>
+              <a:t>newFixedThreadPool</a:t>
+            </a:r>
+            <a:r>
+              <a:rPr lang="zh-CN" altLang="en-US" dirty="0" smtClean="0"/>
+              <a:t>（）：返回一个固定线程数量的线程池，新任务到达时，如有空闲线程则执行，没有空闲线程则将任务放入任务队列。</a:t>
+            </a:r>
+          </a:p>
+          <a:p>
+            <a:r>
+              <a:rPr lang="en-US" altLang="zh-CN" dirty="0" err="1" smtClean="0"/>
+              <a:t>newSingleThreadExecutor</a:t>
+            </a:r>
+            <a:r>
+              <a:rPr lang="zh-CN" altLang="en-US" dirty="0" smtClean="0"/>
+              <a:t>（）：返回只有一个线程的线程池，新任务到达时任务会被保存到任务队列，待线程空闲时按照先进先出的顺序执行队列中的任务。</a:t>
+            </a:r>
+          </a:p>
+          <a:p>
+            <a:r>
+              <a:rPr lang="en-US" altLang="zh-CN" dirty="0" err="1" smtClean="0"/>
+              <a:t>newCachedThreadPool</a:t>
+            </a:r>
+            <a:r>
+              <a:rPr lang="en-US" altLang="zh-CN" dirty="0" smtClean="0"/>
+              <a:t> </a:t>
+            </a:r>
+            <a:r>
+              <a:rPr lang="zh-CN" altLang="en-US" dirty="0" smtClean="0"/>
+              <a:t>（）：返回一个可根据需要创建新线程的线程池。</a:t>
+            </a:r>
+          </a:p>
+          <a:p>
+            <a:r>
+              <a:rPr lang="en-US" altLang="zh-CN" dirty="0" err="1" smtClean="0"/>
+              <a:t>newScheduledThreadPool</a:t>
+            </a:r>
+            <a:r>
+              <a:rPr lang="zh-CN" altLang="en-US" dirty="0" smtClean="0"/>
+              <a:t>（）：</a:t>
+            </a:r>
+            <a:r>
+              <a:rPr lang="en-US" altLang="zh-CN" dirty="0" smtClean="0"/>
+              <a:t> </a:t>
+            </a:r>
+            <a:r>
+              <a:rPr lang="zh-CN" altLang="en-US" dirty="0" smtClean="0"/>
+              <a:t>创建一个大小无限的线程池，此线程池支持定时以及周期性执行任务的需求。</a:t>
+            </a:r>
+            <a:endParaRPr lang="zh-CN" altLang="en-US" dirty="0"/>
           </a:p>
         </p:txBody>
       </p:sp>
-      <p:pic>
-        <p:nvPicPr>
-          <p:cNvPr id="6" name="图片 5"/>
-          <p:cNvPicPr>
-            <a:picLocks noChangeAspect="1"/>
-          </p:cNvPicPr>
-          <p:nvPr/>
-        </p:nvPicPr>
-        <p:blipFill>
-          <a:blip r:embed="rId2" cstate="print"/>
-          <a:stretch>
-            <a:fillRect/>
-          </a:stretch>
-        </p:blipFill>
-        <p:spPr>
-          <a:xfrm>
-            <a:off x="518795" y="1582420"/>
-            <a:ext cx="6500495" cy="3018790"/>
-          </a:xfrm>
-          <a:prstGeom prst="rect">
-            <a:avLst/>
-          </a:prstGeom>
-        </p:spPr>
-      </p:pic>
     </p:spTree>
   </p:cSld>
   <p:clrMapOvr>
@@ -10510,15 +10938,25 @@
             <p:ph type="title"/>
           </p:nvPr>
         </p:nvSpPr>
-        <p:spPr/>
+        <p:spPr>
+          <a:xfrm>
+            <a:off x="518864" y="215503"/>
+            <a:ext cx="8085584" cy="421556"/>
+          </a:xfrm>
+        </p:spPr>
         <p:txBody>
           <a:bodyPr/>
           <a:lstStyle/>
           <a:p>
             <a:r>
-              <a:rPr lang="zh-CN" dirty="0"/>
-              <a:t>模板方法模式（Template Method）</a:t>
-            </a:r>
+              <a:rPr lang="zh-CN" altLang="en-US" b="0" dirty="0" smtClean="0"/>
+              <a:t>线程池默认实现：</a:t>
+            </a:r>
+            <a:r>
+              <a:rPr lang="en-US" altLang="zh-CN" b="0" dirty="0" err="1" smtClean="0"/>
+              <a:t>ThreadPoolExecutor</a:t>
+            </a:r>
+            <a:endParaRPr lang="zh-CN" dirty="0"/>
           </a:p>
         </p:txBody>
       </p:sp>
@@ -10534,43 +10972,254 @@
         </p:nvSpPr>
         <p:spPr/>
         <p:txBody>
-          <a:bodyPr/>
+          <a:bodyPr>
+            <a:normAutofit/>
+          </a:bodyPr>
           <a:lstStyle/>
+          <a:p>
+            <a:r>
+              <a:rPr lang="zh-CN" altLang="en-US" dirty="0" smtClean="0"/>
+              <a:t>构造方法</a:t>
+            </a:r>
+            <a:endParaRPr lang="en-US" altLang="zh-CN" dirty="0" smtClean="0"/>
+          </a:p>
+          <a:p>
+            <a:pPr lvl="1"/>
+            <a:r>
+              <a:rPr lang="en-US" altLang="zh-CN" dirty="0" smtClean="0"/>
+              <a:t>public </a:t>
+            </a:r>
+            <a:r>
+              <a:rPr lang="en-US" altLang="zh-CN" dirty="0" err="1" smtClean="0"/>
+              <a:t>ThreadPoolExecutor</a:t>
+            </a:r>
+            <a:r>
+              <a:rPr lang="en-US" altLang="zh-CN" dirty="0" smtClean="0"/>
+              <a:t>(</a:t>
+            </a:r>
+            <a:r>
+              <a:rPr lang="en-US" altLang="zh-CN" dirty="0" err="1" smtClean="0"/>
+              <a:t>int</a:t>
+            </a:r>
+            <a:r>
+              <a:rPr lang="en-US" altLang="zh-CN" dirty="0" smtClean="0"/>
+              <a:t> </a:t>
+            </a:r>
+            <a:r>
+              <a:rPr lang="en-US" altLang="zh-CN" dirty="0" err="1" smtClean="0"/>
+              <a:t>corePoolSize</a:t>
+            </a:r>
+            <a:r>
+              <a:rPr lang="en-US" altLang="zh-CN" dirty="0" smtClean="0"/>
+              <a:t>, </a:t>
+            </a:r>
+            <a:r>
+              <a:rPr lang="en-US" altLang="zh-CN" dirty="0" err="1" smtClean="0"/>
+              <a:t>int</a:t>
+            </a:r>
+            <a:r>
+              <a:rPr lang="en-US" altLang="zh-CN" dirty="0" smtClean="0"/>
+              <a:t> </a:t>
+            </a:r>
+            <a:r>
+              <a:rPr lang="en-US" altLang="zh-CN" dirty="0" err="1" smtClean="0"/>
+              <a:t>maximumPoolSize</a:t>
+            </a:r>
+            <a:r>
+              <a:rPr lang="en-US" altLang="zh-CN" dirty="0" smtClean="0"/>
+              <a:t>, </a:t>
+            </a:r>
+            <a:r>
+              <a:rPr lang="en-US" altLang="zh-CN" dirty="0" smtClean="0"/>
+              <a:t>long </a:t>
+            </a:r>
+            <a:r>
+              <a:rPr lang="en-US" altLang="zh-CN" dirty="0" err="1" smtClean="0"/>
+              <a:t>keepAliveTime</a:t>
+            </a:r>
+            <a:r>
+              <a:rPr lang="en-US" altLang="zh-CN" dirty="0" smtClean="0"/>
+              <a:t>, </a:t>
+            </a:r>
+            <a:r>
+              <a:rPr lang="en-US" altLang="zh-CN" dirty="0" err="1" smtClean="0"/>
+              <a:t>TimeUnit</a:t>
+            </a:r>
+            <a:r>
+              <a:rPr lang="en-US" altLang="zh-CN" dirty="0" smtClean="0"/>
+              <a:t> </a:t>
+            </a:r>
+            <a:r>
+              <a:rPr lang="en-US" altLang="zh-CN" dirty="0" smtClean="0"/>
+              <a:t>unit, </a:t>
+            </a:r>
+            <a:r>
+              <a:rPr lang="en-US" altLang="zh-CN" dirty="0" err="1" smtClean="0"/>
+              <a:t>BlockingQueue</a:t>
+            </a:r>
+            <a:r>
+              <a:rPr lang="en-US" altLang="zh-CN" dirty="0" smtClean="0"/>
+              <a:t>&lt;</a:t>
+            </a:r>
+            <a:r>
+              <a:rPr lang="en-US" altLang="zh-CN" dirty="0" err="1" smtClean="0"/>
+              <a:t>Runnable</a:t>
+            </a:r>
+            <a:r>
+              <a:rPr lang="en-US" altLang="zh-CN" dirty="0" smtClean="0"/>
+              <a:t>&gt; </a:t>
+            </a:r>
+            <a:r>
+              <a:rPr lang="en-US" altLang="zh-CN" dirty="0" err="1" smtClean="0"/>
+              <a:t>workQueue</a:t>
+            </a:r>
+            <a:r>
+              <a:rPr lang="en-US" altLang="zh-CN" dirty="0" smtClean="0"/>
+              <a:t>, </a:t>
+            </a:r>
+            <a:r>
+              <a:rPr lang="en-US" altLang="zh-CN" dirty="0" err="1" smtClean="0"/>
+              <a:t>ThreadFactory</a:t>
+            </a:r>
+            <a:r>
+              <a:rPr lang="en-US" altLang="zh-CN" dirty="0" smtClean="0"/>
+              <a:t> </a:t>
+            </a:r>
+            <a:r>
+              <a:rPr lang="en-US" altLang="zh-CN" dirty="0" err="1" smtClean="0"/>
+              <a:t>threadFactory</a:t>
+            </a:r>
+            <a:r>
+              <a:rPr lang="en-US" altLang="zh-CN" dirty="0" smtClean="0"/>
+              <a:t>, </a:t>
+            </a:r>
+            <a:r>
+              <a:rPr lang="en-US" altLang="zh-CN" dirty="0" err="1" smtClean="0"/>
+              <a:t>RejectedExecutionHandler</a:t>
+            </a:r>
+            <a:r>
+              <a:rPr lang="en-US" altLang="zh-CN" dirty="0" smtClean="0"/>
+              <a:t> </a:t>
+            </a:r>
+            <a:r>
+              <a:rPr lang="en-US" altLang="zh-CN" dirty="0" smtClean="0"/>
+              <a:t>handler)</a:t>
+            </a:r>
+          </a:p>
+          <a:p>
+            <a:endParaRPr lang="en-US" altLang="zh-CN" dirty="0" smtClean="0"/>
+          </a:p>
+          <a:p>
+            <a:r>
+              <a:rPr lang="zh-CN" altLang="en-US" dirty="0" smtClean="0"/>
+              <a:t>参数</a:t>
+            </a:r>
+            <a:r>
+              <a:rPr lang="zh-CN" altLang="en-US" dirty="0" smtClean="0"/>
+              <a:t>说明</a:t>
+            </a:r>
+          </a:p>
+          <a:p>
+            <a:pPr lvl="1"/>
+            <a:r>
+              <a:rPr lang="en-US" altLang="zh-CN" dirty="0" err="1" smtClean="0"/>
+              <a:t>corePoolSize</a:t>
+            </a:r>
+            <a:r>
+              <a:rPr lang="zh-CN" altLang="en-US" dirty="0" smtClean="0"/>
+              <a:t>：指定了线程池中的线程数量</a:t>
+            </a:r>
+          </a:p>
+          <a:p>
+            <a:pPr lvl="1"/>
+            <a:r>
+              <a:rPr lang="en-US" altLang="zh-CN" dirty="0" err="1" smtClean="0"/>
+              <a:t>maximumPoolSize</a:t>
+            </a:r>
+            <a:r>
+              <a:rPr lang="zh-CN" altLang="en-US" dirty="0" smtClean="0"/>
+              <a:t>：指定了线程池中最大的线程数量</a:t>
+            </a:r>
+          </a:p>
+          <a:p>
+            <a:pPr lvl="1"/>
+            <a:r>
+              <a:rPr lang="en-US" altLang="zh-CN" dirty="0" err="1" smtClean="0"/>
+              <a:t>keepAliveTime</a:t>
+            </a:r>
+            <a:r>
+              <a:rPr lang="zh-CN" altLang="en-US" dirty="0" smtClean="0"/>
+              <a:t>：当线程池中的线程数量超过</a:t>
+            </a:r>
+            <a:r>
+              <a:rPr lang="en-US" altLang="zh-CN" dirty="0" err="1" smtClean="0"/>
+              <a:t>corePoolSize</a:t>
+            </a:r>
+            <a:r>
+              <a:rPr lang="zh-CN" altLang="en-US" dirty="0" smtClean="0"/>
+              <a:t>时，多余的空闲线程存活的时间</a:t>
+            </a:r>
+          </a:p>
+          <a:p>
+            <a:pPr lvl="1"/>
+            <a:r>
+              <a:rPr lang="en-US" altLang="zh-CN" dirty="0" smtClean="0"/>
+              <a:t>unit</a:t>
+            </a:r>
+            <a:r>
+              <a:rPr lang="zh-CN" altLang="en-US" dirty="0" smtClean="0"/>
+              <a:t>：</a:t>
+            </a:r>
+            <a:r>
+              <a:rPr lang="en-US" altLang="zh-CN" dirty="0" err="1" smtClean="0"/>
+              <a:t>keepAliveTime</a:t>
+            </a:r>
+            <a:r>
+              <a:rPr lang="zh-CN" altLang="en-US" dirty="0" smtClean="0"/>
+              <a:t>的单位</a:t>
+            </a:r>
+          </a:p>
+          <a:p>
+            <a:pPr lvl="1"/>
+            <a:r>
+              <a:rPr lang="en-US" altLang="zh-CN" dirty="0" err="1" smtClean="0"/>
+              <a:t>workQueue</a:t>
+            </a:r>
+            <a:r>
+              <a:rPr lang="zh-CN" altLang="en-US" dirty="0" smtClean="0"/>
+              <a:t>：任务队列，被提交当尚未被执行额任务</a:t>
+            </a:r>
+          </a:p>
+          <a:p>
+            <a:pPr lvl="1"/>
+            <a:r>
+              <a:rPr lang="en-US" altLang="zh-CN" dirty="0" err="1" smtClean="0"/>
+              <a:t>treadFactory</a:t>
+            </a:r>
+            <a:r>
+              <a:rPr lang="zh-CN" altLang="en-US" dirty="0" smtClean="0"/>
+              <a:t>：线程工厂</a:t>
+            </a:r>
+          </a:p>
+          <a:p>
+            <a:pPr lvl="1"/>
+            <a:r>
+              <a:rPr lang="en-US" altLang="zh-CN" dirty="0" smtClean="0"/>
+              <a:t>handler</a:t>
+            </a:r>
+            <a:r>
+              <a:rPr lang="zh-CN" altLang="en-US" dirty="0" smtClean="0"/>
+              <a:t>：拒绝策略，任务太多来不及处理，如何拒绝任务</a:t>
+            </a:r>
+          </a:p>
           <a:p>
             <a:pPr marL="0" indent="0">
               <a:buNone/>
             </a:pPr>
-            <a:r>
-              <a:rPr lang="zh-CN" altLang="en-US"/>
-              <a:t>解释一下模板方法模式，就是指：一个抽象类中，有一个主方法，再定义1...n个方法，可以是抽象的，也可以是实际的方法，定义一个类，继承该抽象类，重写抽象方法，通过调用抽象类，实现对子类的调用</a:t>
-            </a:r>
+            <a:endParaRPr lang="zh-CN" altLang="en-US" dirty="0"/>
           </a:p>
         </p:txBody>
       </p:sp>
-      <p:pic>
-        <p:nvPicPr>
-          <p:cNvPr id="3" name="图片 2"/>
-          <p:cNvPicPr>
-            <a:picLocks noChangeAspect="1"/>
-          </p:cNvPicPr>
-          <p:nvPr/>
-        </p:nvPicPr>
-        <p:blipFill>
-          <a:blip r:embed="rId2" cstate="print"/>
-          <a:stretch>
-            <a:fillRect/>
-          </a:stretch>
-        </p:blipFill>
-        <p:spPr>
-          <a:xfrm>
-            <a:off x="518795" y="1595755"/>
-            <a:ext cx="7042150" cy="3020695"/>
-          </a:xfrm>
-          <a:prstGeom prst="rect">
-            <a:avLst/>
-          </a:prstGeom>
-        </p:spPr>
-      </p:pic>
     </p:spTree>
   </p:cSld>
   <p:clrMapOvr>
@@ -10613,15 +11262,21 @@
             <p:ph type="title"/>
           </p:nvPr>
         </p:nvSpPr>
-        <p:spPr/>
+        <p:spPr>
+          <a:xfrm>
+            <a:off x="518864" y="225028"/>
+            <a:ext cx="8085584" cy="421556"/>
+          </a:xfrm>
+        </p:spPr>
         <p:txBody>
           <a:bodyPr/>
           <a:lstStyle/>
           <a:p>
             <a:r>
-              <a:rPr lang="zh-CN" dirty="0"/>
-              <a:t>观察者模式（Observer）</a:t>
-            </a:r>
+              <a:rPr lang="zh-CN" altLang="en-US" b="0" dirty="0" smtClean="0"/>
+              <a:t>任务队列的几种实现</a:t>
+            </a:r>
+            <a:endParaRPr lang="zh-CN" dirty="0"/>
           </a:p>
         </p:txBody>
       </p:sp>
@@ -10640,40 +11295,85 @@
           <a:bodyPr/>
           <a:lstStyle/>
           <a:p>
+            <a:r>
+              <a:rPr lang="en-US" altLang="zh-CN" dirty="0" err="1" smtClean="0"/>
+              <a:t>SynchronousQueue</a:t>
+            </a:r>
+            <a:r>
+              <a:rPr lang="zh-CN" altLang="en-US" dirty="0" smtClean="0"/>
+              <a:t>：没有容量，总是将新任务提交给线程执行，没有空闲线程则新建线程，大于最大线程数，则执行拒绝策略</a:t>
+            </a:r>
+          </a:p>
+          <a:p>
+            <a:r>
+              <a:rPr lang="en-US" altLang="zh-CN" dirty="0" err="1" smtClean="0"/>
+              <a:t>ArrayBlockingQueue</a:t>
+            </a:r>
+            <a:r>
+              <a:rPr lang="zh-CN" altLang="en-US" dirty="0" smtClean="0"/>
+              <a:t>：有界队列，如果线程池中的实际的线程数量小于</a:t>
+            </a:r>
+            <a:r>
+              <a:rPr lang="en-US" altLang="zh-CN" dirty="0" err="1" smtClean="0"/>
+              <a:t>corePoolSize</a:t>
+            </a:r>
+            <a:r>
+              <a:rPr lang="zh-CN" altLang="en-US" dirty="0" smtClean="0"/>
+              <a:t>，则优先创建线程，若大于</a:t>
+            </a:r>
+            <a:r>
+              <a:rPr lang="en-US" altLang="zh-CN" dirty="0" err="1" smtClean="0"/>
+              <a:t>corePoolSize</a:t>
+            </a:r>
+            <a:r>
+              <a:rPr lang="zh-CN" altLang="en-US" dirty="0" smtClean="0"/>
+              <a:t>，则将新任务加入队列，若队列已满，在线程数量不大于</a:t>
+            </a:r>
+            <a:r>
+              <a:rPr lang="en-US" altLang="zh-CN" dirty="0" err="1" smtClean="0"/>
+              <a:t>maximumPoolSize</a:t>
+            </a:r>
+            <a:r>
+              <a:rPr lang="zh-CN" altLang="en-US" dirty="0" smtClean="0"/>
+              <a:t>的情况下，创建线程，否则执行拒绝策略</a:t>
+            </a:r>
+          </a:p>
+          <a:p>
+            <a:r>
+              <a:rPr lang="en-US" altLang="zh-CN" dirty="0" err="1" smtClean="0"/>
+              <a:t>LinkedBlockingQueue</a:t>
+            </a:r>
+            <a:r>
+              <a:rPr lang="zh-CN" altLang="en-US" dirty="0" smtClean="0"/>
+              <a:t>：无界队列，和</a:t>
+            </a:r>
+            <a:r>
+              <a:rPr lang="en-US" altLang="zh-CN" dirty="0" err="1" smtClean="0"/>
+              <a:t>ArrayBlockingQueue</a:t>
+            </a:r>
+            <a:r>
+              <a:rPr lang="zh-CN" altLang="en-US" dirty="0" smtClean="0"/>
+              <a:t>类似，只是队列除非资源耗尽，否则不会出现如队列失败的情况</a:t>
+            </a:r>
+          </a:p>
+          <a:p>
+            <a:r>
+              <a:rPr lang="en-US" altLang="zh-CN" dirty="0" err="1" smtClean="0"/>
+              <a:t>PriorityBlockingQueue</a:t>
+            </a:r>
+            <a:r>
+              <a:rPr lang="zh-CN" altLang="en-US" dirty="0" smtClean="0"/>
+              <a:t>：优先队列</a:t>
+            </a:r>
+          </a:p>
+          <a:p>
             <a:pPr marL="0" indent="0">
               <a:buNone/>
             </a:pPr>
-            <a:r>
-              <a:rPr lang="zh-CN" altLang="en-US"/>
-              <a:t>订阅和通知</a:t>
-            </a:r>
+            <a:endParaRPr lang="zh-CN" altLang="en-US" dirty="0"/>
           </a:p>
         </p:txBody>
       </p:sp>
-      <p:pic>
-        <p:nvPicPr>
-          <p:cNvPr id="5" name="图片 4"/>
-          <p:cNvPicPr>
-            <a:picLocks noChangeAspect="1"/>
-          </p:cNvPicPr>
-          <p:nvPr/>
-        </p:nvPicPr>
-        <p:blipFill>
-          <a:blip r:embed="rId2" cstate="print"/>
-          <a:stretch>
-            <a:fillRect/>
-          </a:stretch>
-        </p:blipFill>
-        <p:spPr>
-          <a:xfrm>
-            <a:off x="518795" y="1113155"/>
-            <a:ext cx="5962015" cy="3618865"/>
-          </a:xfrm>
-          <a:prstGeom prst="rect">
-            <a:avLst/>
-          </a:prstGeom>
-        </p:spPr>
-      </p:pic>
     </p:spTree>
   </p:cSld>
   <p:clrMapOvr>
@@ -10718,7 +11418,7 @@
         </p:nvSpPr>
         <p:spPr>
           <a:xfrm>
-            <a:off x="518864" y="215503"/>
+            <a:off x="518864" y="225028"/>
             <a:ext cx="8085584" cy="421556"/>
           </a:xfrm>
         </p:spPr>
@@ -10727,8 +11427,12 @@
           <a:lstStyle/>
           <a:p>
             <a:r>
-              <a:rPr lang="zh-CN" dirty="0"/>
-              <a:t>迭代子模式（Iterator）</a:t>
+              <a:rPr lang="en-US" altLang="zh-CN" dirty="0" smtClean="0"/>
+              <a:t>JDK</a:t>
+            </a:r>
+            <a:r>
+              <a:rPr lang="zh-CN" altLang="en-US" dirty="0" smtClean="0"/>
+              <a:t>提供的四种拒绝策略</a:t>
             </a:r>
           </a:p>
         </p:txBody>
@@ -10748,40 +11452,53 @@
           <a:bodyPr/>
           <a:lstStyle/>
           <a:p>
+            <a:r>
+              <a:rPr lang="en-US" altLang="zh-CN" dirty="0" err="1" smtClean="0"/>
+              <a:t>AbortPolicy</a:t>
+            </a:r>
+            <a:r>
+              <a:rPr lang="zh-CN" altLang="en-US" dirty="0" smtClean="0"/>
+              <a:t>：直接抛出异常，阻止系统正常工作</a:t>
+            </a:r>
+          </a:p>
+          <a:p>
+            <a:r>
+              <a:rPr lang="en-US" altLang="zh-CN" dirty="0" err="1" smtClean="0"/>
+              <a:t>CallerRunsPolicy</a:t>
+            </a:r>
+            <a:r>
+              <a:rPr lang="zh-CN" altLang="en-US" dirty="0" smtClean="0"/>
+              <a:t>：只要线程池不关闭，直接调用线程运行当前被丢弃的任务</a:t>
+            </a:r>
+          </a:p>
+          <a:p>
+            <a:r>
+              <a:rPr lang="en-US" altLang="zh-CN" dirty="0" err="1" smtClean="0"/>
+              <a:t>DiscardOledestPolicy</a:t>
+            </a:r>
+            <a:r>
+              <a:rPr lang="zh-CN" altLang="en-US" dirty="0" smtClean="0"/>
+              <a:t>：丢弃最老的一个请求</a:t>
+            </a:r>
+          </a:p>
+          <a:p>
+            <a:r>
+              <a:rPr lang="en-US" altLang="zh-CN" dirty="0" err="1" smtClean="0"/>
+              <a:t>DiscardPolicy</a:t>
+            </a:r>
+            <a:r>
+              <a:rPr lang="zh-CN" altLang="en-US" dirty="0" smtClean="0"/>
+              <a:t>：丢弃无法处理的任务</a:t>
+            </a:r>
+          </a:p>
+          <a:p>
             <a:pPr marL="0" indent="0">
               <a:buNone/>
             </a:pPr>
-            <a:r>
-              <a:rPr lang="zh-CN" altLang="en-US"/>
-              <a:t>迭代器模式就是顺序访问聚集中的对象，集合中非常常见</a:t>
-            </a:r>
+            <a:endParaRPr lang="zh-CN" altLang="en-US" dirty="0"/>
           </a:p>
         </p:txBody>
       </p:sp>
-      <p:pic>
-        <p:nvPicPr>
-          <p:cNvPr id="7" name="图片 6"/>
-          <p:cNvPicPr>
-            <a:picLocks noChangeAspect="1"/>
-          </p:cNvPicPr>
-          <p:nvPr/>
-        </p:nvPicPr>
-        <p:blipFill>
-          <a:blip r:embed="rId2" cstate="print"/>
-          <a:stretch>
-            <a:fillRect/>
-          </a:stretch>
-        </p:blipFill>
-        <p:spPr>
-          <a:xfrm>
-            <a:off x="518795" y="1226185"/>
-            <a:ext cx="6371590" cy="3390265"/>
-          </a:xfrm>
-          <a:prstGeom prst="rect">
-            <a:avLst/>
-          </a:prstGeom>
-        </p:spPr>
-      </p:pic>
     </p:spTree>
   </p:cSld>
   <p:clrMapOvr>
@@ -10826,7 +11543,7 @@
         </p:nvSpPr>
         <p:spPr>
           <a:xfrm>
-            <a:off x="518864" y="215503"/>
+            <a:off x="518864" y="225028"/>
             <a:ext cx="8085584" cy="421556"/>
           </a:xfrm>
         </p:spPr>
@@ -10835,9 +11552,10 @@
           <a:lstStyle/>
           <a:p>
             <a:r>
-              <a:rPr lang="zh-CN" dirty="0"/>
-              <a:t>责任链模式（Chain of Responsibility）</a:t>
-            </a:r>
+              <a:rPr lang="zh-CN" altLang="en-US" b="0" dirty="0" smtClean="0"/>
+              <a:t>线程池的核心调度</a:t>
+            </a:r>
+            <a:endParaRPr lang="zh-CN" dirty="0"/>
           </a:p>
         </p:txBody>
       </p:sp>
@@ -10860,15 +11578,48 @@
               <a:buNone/>
             </a:pPr>
             <a:r>
-              <a:rPr lang="zh-CN" altLang="en-US"/>
-              <a:t>有多个对象，每个对象持有对下一个对象的引用，这样就会形成一条链，请求在这条链上传递，直到某一对象决定处理该请求。但是发出者并不清楚到底最终那个对象会处理该请求，所以，责任链模式可以实现，在隐瞒客户端的情况下，对系统进行动态的调整</a:t>
-            </a:r>
+              <a:rPr lang="en-US" altLang="zh-CN" dirty="0" err="1" smtClean="0"/>
+              <a:t>workerCountOf</a:t>
+            </a:r>
+            <a:r>
+              <a:rPr lang="zh-CN" altLang="en-US" dirty="0" smtClean="0"/>
+              <a:t>（）取得当前线程池的线程总数，当线程总数小于</a:t>
+            </a:r>
+            <a:r>
+              <a:rPr lang="en-US" altLang="zh-CN" dirty="0" err="1" smtClean="0"/>
+              <a:t>corePoolSize</a:t>
+            </a:r>
+            <a:r>
+              <a:rPr lang="zh-CN" altLang="en-US" dirty="0" smtClean="0"/>
+              <a:t>时，会将任务通过</a:t>
+            </a:r>
+            <a:r>
+              <a:rPr lang="en-US" altLang="zh-CN" dirty="0" err="1" smtClean="0"/>
+              <a:t>addWorker</a:t>
+            </a:r>
+            <a:r>
+              <a:rPr lang="zh-CN" altLang="en-US" dirty="0" smtClean="0"/>
+              <a:t>（）直接调度任务，否则通过</a:t>
+            </a:r>
+            <a:r>
+              <a:rPr lang="en-US" altLang="zh-CN" dirty="0" err="1" smtClean="0"/>
+              <a:t>workQueue.offer</a:t>
+            </a:r>
+            <a:r>
+              <a:rPr lang="en-US" altLang="zh-CN" dirty="0" smtClean="0"/>
+              <a:t>()</a:t>
+            </a:r>
+            <a:r>
+              <a:rPr lang="zh-CN" altLang="en-US" dirty="0" smtClean="0"/>
+              <a:t>进入等待队列，如果进入等待队列失败，则把任务交给线程池，如果线程池中线程数量已经达到最大值，则执行拒绝策略。</a:t>
+            </a:r>
+            <a:endParaRPr lang="zh-CN" altLang="en-US" dirty="0"/>
           </a:p>
         </p:txBody>
       </p:sp>
       <p:pic>
         <p:nvPicPr>
-          <p:cNvPr id="3" name="图片 2"/>
+          <p:cNvPr id="6" name="图片 5" descr="线程池调度.png"/>
           <p:cNvPicPr>
             <a:picLocks noChangeAspect="1"/>
           </p:cNvPicPr>
@@ -10882,8 +11633,8 @@
         </p:blipFill>
         <p:spPr>
           <a:xfrm>
-            <a:off x="518795" y="1730375"/>
-            <a:ext cx="4628515" cy="2733040"/>
+            <a:off x="2339752" y="1563638"/>
+            <a:ext cx="4032448" cy="3240359"/>
           </a:xfrm>
           <a:prstGeom prst="rect">
             <a:avLst/>
@@ -11112,9 +11863,10 @@
           <a:lstStyle/>
           <a:p>
             <a:r>
-              <a:rPr lang="zh-CN" dirty="0"/>
-              <a:t>命令模式（Command）</a:t>
-            </a:r>
+              <a:rPr lang="zh-CN" altLang="en-US" b="0" dirty="0" smtClean="0"/>
+              <a:t>优化线程池的线程数量</a:t>
+            </a:r>
+            <a:endParaRPr lang="zh-CN" dirty="0"/>
           </a:p>
         </p:txBody>
       </p:sp>
@@ -11137,30 +11889,41 @@
               <a:buNone/>
             </a:pPr>
             <a:r>
-              <a:rPr lang="zh-CN" altLang="en-US"/>
-              <a:t>方法调用者和方法实现者通过指令解耦</a:t>
-            </a:r>
+              <a:rPr lang="zh-CN" altLang="en-US" dirty="0" smtClean="0"/>
+              <a:t>过大或过小的线程数量都无法发挥最优的</a:t>
+            </a:r>
+            <a:r>
+              <a:rPr lang="zh-CN" altLang="en-US" dirty="0" smtClean="0"/>
+              <a:t>系统性能</a:t>
+            </a:r>
+            <a:endParaRPr lang="en-US" altLang="zh-CN" dirty="0" smtClean="0"/>
+          </a:p>
+          <a:p>
+            <a:pPr marL="0" indent="0">
+              <a:buNone/>
+            </a:pPr>
+            <a:endParaRPr lang="zh-CN" altLang="en-US" dirty="0"/>
           </a:p>
         </p:txBody>
       </p:sp>
       <p:pic>
         <p:nvPicPr>
-          <p:cNvPr id="5" name="图片 4"/>
+          <p:cNvPr id="5" name="图片 4" descr="线程池数量.png"/>
           <p:cNvPicPr>
             <a:picLocks noChangeAspect="1"/>
           </p:cNvPicPr>
           <p:nvPr/>
         </p:nvPicPr>
         <p:blipFill>
-          <a:blip r:embed="rId2" cstate="print"/>
+          <a:blip r:embed="rId3" cstate="print"/>
           <a:stretch>
             <a:fillRect/>
           </a:stretch>
         </p:blipFill>
         <p:spPr>
           <a:xfrm>
-            <a:off x="518795" y="1384300"/>
-            <a:ext cx="7117080" cy="2734945"/>
+            <a:off x="614857" y="1309845"/>
+            <a:ext cx="7914286" cy="2523810"/>
           </a:xfrm>
           <a:prstGeom prst="rect">
             <a:avLst/>
@@ -11183,523 +11946,6 @@
 </file>
 
 <file path=ppt/slides/slide31.xml><?xml version="1.0" encoding="utf-8"?>
-<p:sld xmlns:a="http://schemas.openxmlformats.org/drawingml/2006/main" xmlns:r="http://schemas.openxmlformats.org/officeDocument/2006/relationships" xmlns:p="http://schemas.openxmlformats.org/presentationml/2006/main">
-  <p:cSld>
-    <p:spTree>
-      <p:nvGrpSpPr>
-        <p:cNvPr id="1" name=""/>
-        <p:cNvGrpSpPr/>
-        <p:nvPr/>
-      </p:nvGrpSpPr>
-      <p:grpSpPr>
-        <a:xfrm>
-          <a:off x="0" y="0"/>
-          <a:ext cx="0" cy="0"/>
-          <a:chOff x="0" y="0"/>
-          <a:chExt cx="0" cy="0"/>
-        </a:xfrm>
-      </p:grpSpPr>
-      <p:sp>
-        <p:nvSpPr>
-          <p:cNvPr id="2" name="标题 1"/>
-          <p:cNvSpPr>
-            <a:spLocks noGrp="1"/>
-          </p:cNvSpPr>
-          <p:nvPr>
-            <p:ph type="title"/>
-          </p:nvPr>
-        </p:nvSpPr>
-        <p:spPr>
-          <a:xfrm>
-            <a:off x="518864" y="225028"/>
-            <a:ext cx="8085584" cy="421556"/>
-          </a:xfrm>
-        </p:spPr>
-        <p:txBody>
-          <a:bodyPr/>
-          <a:lstStyle/>
-          <a:p>
-            <a:r>
-              <a:rPr lang="zh-CN" dirty="0"/>
-              <a:t>备忘录模式（Memento）</a:t>
-            </a:r>
-          </a:p>
-        </p:txBody>
-      </p:sp>
-      <p:sp>
-        <p:nvSpPr>
-          <p:cNvPr id="4" name="内容占位符 3"/>
-          <p:cNvSpPr>
-            <a:spLocks noGrp="1"/>
-          </p:cNvSpPr>
-          <p:nvPr>
-            <p:ph idx="1"/>
-          </p:nvPr>
-        </p:nvSpPr>
-        <p:spPr/>
-        <p:txBody>
-          <a:bodyPr/>
-          <a:lstStyle/>
-          <a:p>
-            <a:pPr marL="0" indent="0">
-              <a:buNone/>
-            </a:pPr>
-            <a:r>
-              <a:rPr lang="zh-CN" altLang="en-US"/>
-              <a:t>主要目的是保存一个对象的某个状态，以便在适当的时候恢复对象</a:t>
-            </a:r>
-          </a:p>
-        </p:txBody>
-      </p:sp>
-      <p:pic>
-        <p:nvPicPr>
-          <p:cNvPr id="3" name="图片 2"/>
-          <p:cNvPicPr>
-            <a:picLocks noChangeAspect="1"/>
-          </p:cNvPicPr>
-          <p:nvPr/>
-        </p:nvPicPr>
-        <p:blipFill>
-          <a:blip r:embed="rId2" cstate="print"/>
-          <a:stretch>
-            <a:fillRect/>
-          </a:stretch>
-        </p:blipFill>
-        <p:spPr>
-          <a:xfrm>
-            <a:off x="518795" y="1443355"/>
-            <a:ext cx="7966710" cy="3002280"/>
-          </a:xfrm>
-          <a:prstGeom prst="rect">
-            <a:avLst/>
-          </a:prstGeom>
-        </p:spPr>
-      </p:pic>
-    </p:spTree>
-  </p:cSld>
-  <p:clrMapOvr>
-    <a:masterClrMapping/>
-  </p:clrMapOvr>
-  <p:timing>
-    <p:tnLst>
-      <p:par>
-        <p:cTn id="1" dur="indefinite" restart="never" nodeType="tmRoot"/>
-      </p:par>
-    </p:tnLst>
-  </p:timing>
-</p:sld>
-</file>
-
-<file path=ppt/slides/slide32.xml><?xml version="1.0" encoding="utf-8"?>
-<p:sld xmlns:a="http://schemas.openxmlformats.org/drawingml/2006/main" xmlns:r="http://schemas.openxmlformats.org/officeDocument/2006/relationships" xmlns:p="http://schemas.openxmlformats.org/presentationml/2006/main">
-  <p:cSld>
-    <p:spTree>
-      <p:nvGrpSpPr>
-        <p:cNvPr id="1" name=""/>
-        <p:cNvGrpSpPr/>
-        <p:nvPr/>
-      </p:nvGrpSpPr>
-      <p:grpSpPr>
-        <a:xfrm>
-          <a:off x="0" y="0"/>
-          <a:ext cx="0" cy="0"/>
-          <a:chOff x="0" y="0"/>
-          <a:chExt cx="0" cy="0"/>
-        </a:xfrm>
-      </p:grpSpPr>
-      <p:sp>
-        <p:nvSpPr>
-          <p:cNvPr id="2" name="标题 1"/>
-          <p:cNvSpPr>
-            <a:spLocks noGrp="1"/>
-          </p:cNvSpPr>
-          <p:nvPr>
-            <p:ph type="title"/>
-          </p:nvPr>
-        </p:nvSpPr>
-        <p:spPr>
-          <a:xfrm>
-            <a:off x="518864" y="225028"/>
-            <a:ext cx="8085584" cy="421556"/>
-          </a:xfrm>
-        </p:spPr>
-        <p:txBody>
-          <a:bodyPr/>
-          <a:lstStyle/>
-          <a:p>
-            <a:r>
-              <a:rPr lang="zh-CN" dirty="0"/>
-              <a:t>状态模式（State）</a:t>
-            </a:r>
-          </a:p>
-        </p:txBody>
-      </p:sp>
-      <p:sp>
-        <p:nvSpPr>
-          <p:cNvPr id="4" name="内容占位符 3"/>
-          <p:cNvSpPr>
-            <a:spLocks noGrp="1"/>
-          </p:cNvSpPr>
-          <p:nvPr>
-            <p:ph idx="1"/>
-          </p:nvPr>
-        </p:nvSpPr>
-        <p:spPr/>
-        <p:txBody>
-          <a:bodyPr/>
-          <a:lstStyle/>
-          <a:p>
-            <a:pPr marL="0" indent="0">
-              <a:buNone/>
-            </a:pPr>
-            <a:r>
-              <a:rPr lang="zh-CN" altLang="en-US"/>
-              <a:t>核心思想就是：当对象的状态改变时，同时改变其行为</a:t>
-            </a:r>
-          </a:p>
-        </p:txBody>
-      </p:sp>
-      <p:pic>
-        <p:nvPicPr>
-          <p:cNvPr id="5" name="图片 4"/>
-          <p:cNvPicPr>
-            <a:picLocks noChangeAspect="1"/>
-          </p:cNvPicPr>
-          <p:nvPr/>
-        </p:nvPicPr>
-        <p:blipFill>
-          <a:blip r:embed="rId2" cstate="print"/>
-          <a:stretch>
-            <a:fillRect/>
-          </a:stretch>
-        </p:blipFill>
-        <p:spPr>
-          <a:xfrm>
-            <a:off x="518795" y="1689735"/>
-            <a:ext cx="8498205" cy="1993900"/>
-          </a:xfrm>
-          <a:prstGeom prst="rect">
-            <a:avLst/>
-          </a:prstGeom>
-        </p:spPr>
-      </p:pic>
-    </p:spTree>
-  </p:cSld>
-  <p:clrMapOvr>
-    <a:masterClrMapping/>
-  </p:clrMapOvr>
-  <p:timing>
-    <p:tnLst>
-      <p:par>
-        <p:cTn id="1" dur="indefinite" restart="never" nodeType="tmRoot"/>
-      </p:par>
-    </p:tnLst>
-  </p:timing>
-</p:sld>
-</file>
-
-<file path=ppt/slides/slide33.xml><?xml version="1.0" encoding="utf-8"?>
-<p:sld xmlns:a="http://schemas.openxmlformats.org/drawingml/2006/main" xmlns:r="http://schemas.openxmlformats.org/officeDocument/2006/relationships" xmlns:p="http://schemas.openxmlformats.org/presentationml/2006/main">
-  <p:cSld>
-    <p:spTree>
-      <p:nvGrpSpPr>
-        <p:cNvPr id="1" name=""/>
-        <p:cNvGrpSpPr/>
-        <p:nvPr/>
-      </p:nvGrpSpPr>
-      <p:grpSpPr>
-        <a:xfrm>
-          <a:off x="0" y="0"/>
-          <a:ext cx="0" cy="0"/>
-          <a:chOff x="0" y="0"/>
-          <a:chExt cx="0" cy="0"/>
-        </a:xfrm>
-      </p:grpSpPr>
-      <p:sp>
-        <p:nvSpPr>
-          <p:cNvPr id="2" name="标题 1"/>
-          <p:cNvSpPr>
-            <a:spLocks noGrp="1"/>
-          </p:cNvSpPr>
-          <p:nvPr>
-            <p:ph type="title"/>
-          </p:nvPr>
-        </p:nvSpPr>
-        <p:spPr>
-          <a:xfrm>
-            <a:off x="518864" y="225028"/>
-            <a:ext cx="8085584" cy="421556"/>
-          </a:xfrm>
-        </p:spPr>
-        <p:txBody>
-          <a:bodyPr/>
-          <a:lstStyle/>
-          <a:p>
-            <a:r>
-              <a:rPr lang="zh-CN" dirty="0"/>
-              <a:t>访问者模式（Visitor）</a:t>
-            </a:r>
-          </a:p>
-        </p:txBody>
-      </p:sp>
-      <p:sp>
-        <p:nvSpPr>
-          <p:cNvPr id="4" name="内容占位符 3"/>
-          <p:cNvSpPr>
-            <a:spLocks noGrp="1"/>
-          </p:cNvSpPr>
-          <p:nvPr>
-            <p:ph idx="1"/>
-          </p:nvPr>
-        </p:nvSpPr>
-        <p:spPr/>
-        <p:txBody>
-          <a:bodyPr/>
-          <a:lstStyle/>
-          <a:p>
-            <a:pPr marL="0" indent="0">
-              <a:buNone/>
-            </a:pPr>
-            <a:r>
-              <a:rPr lang="zh-CN" altLang="en-US"/>
-              <a:t>访问者模式把数据结构和作用于结构上的操作解耦合，使得操作集合可相对自由地演化。适用于数据结构相对稳定算法又易变化的系统。</a:t>
-            </a:r>
-          </a:p>
-        </p:txBody>
-      </p:sp>
-      <p:pic>
-        <p:nvPicPr>
-          <p:cNvPr id="3" name="图片 2"/>
-          <p:cNvPicPr>
-            <a:picLocks noChangeAspect="1"/>
-          </p:cNvPicPr>
-          <p:nvPr/>
-        </p:nvPicPr>
-        <p:blipFill>
-          <a:blip r:embed="rId2" cstate="print"/>
-          <a:stretch>
-            <a:fillRect/>
-          </a:stretch>
-        </p:blipFill>
-        <p:spPr>
-          <a:xfrm>
-            <a:off x="518795" y="1394460"/>
-            <a:ext cx="5821045" cy="3272155"/>
-          </a:xfrm>
-          <a:prstGeom prst="rect">
-            <a:avLst/>
-          </a:prstGeom>
-        </p:spPr>
-      </p:pic>
-    </p:spTree>
-  </p:cSld>
-  <p:clrMapOvr>
-    <a:masterClrMapping/>
-  </p:clrMapOvr>
-  <p:timing>
-    <p:tnLst>
-      <p:par>
-        <p:cTn id="1" dur="indefinite" restart="never" nodeType="tmRoot"/>
-      </p:par>
-    </p:tnLst>
-  </p:timing>
-</p:sld>
-</file>
-
-<file path=ppt/slides/slide34.xml><?xml version="1.0" encoding="utf-8"?>
-<p:sld xmlns:a="http://schemas.openxmlformats.org/drawingml/2006/main" xmlns:r="http://schemas.openxmlformats.org/officeDocument/2006/relationships" xmlns:p="http://schemas.openxmlformats.org/presentationml/2006/main">
-  <p:cSld>
-    <p:spTree>
-      <p:nvGrpSpPr>
-        <p:cNvPr id="1" name=""/>
-        <p:cNvGrpSpPr/>
-        <p:nvPr/>
-      </p:nvGrpSpPr>
-      <p:grpSpPr>
-        <a:xfrm>
-          <a:off x="0" y="0"/>
-          <a:ext cx="0" cy="0"/>
-          <a:chOff x="0" y="0"/>
-          <a:chExt cx="0" cy="0"/>
-        </a:xfrm>
-      </p:grpSpPr>
-      <p:sp>
-        <p:nvSpPr>
-          <p:cNvPr id="2" name="标题 1"/>
-          <p:cNvSpPr>
-            <a:spLocks noGrp="1"/>
-          </p:cNvSpPr>
-          <p:nvPr>
-            <p:ph type="title"/>
-          </p:nvPr>
-        </p:nvSpPr>
-        <p:spPr>
-          <a:xfrm>
-            <a:off x="518864" y="225028"/>
-            <a:ext cx="8085584" cy="421556"/>
-          </a:xfrm>
-        </p:spPr>
-        <p:txBody>
-          <a:bodyPr/>
-          <a:lstStyle/>
-          <a:p>
-            <a:r>
-              <a:rPr lang="zh-CN" dirty="0"/>
-              <a:t>中介者模式（Mediator）</a:t>
-            </a:r>
-          </a:p>
-        </p:txBody>
-      </p:sp>
-      <p:sp>
-        <p:nvSpPr>
-          <p:cNvPr id="4" name="内容占位符 3"/>
-          <p:cNvSpPr>
-            <a:spLocks noGrp="1"/>
-          </p:cNvSpPr>
-          <p:nvPr>
-            <p:ph idx="1"/>
-          </p:nvPr>
-        </p:nvSpPr>
-        <p:spPr/>
-        <p:txBody>
-          <a:bodyPr/>
-          <a:lstStyle/>
-          <a:p>
-            <a:pPr marL="0" indent="0">
-              <a:buNone/>
-            </a:pPr>
-            <a:r>
-              <a:rPr lang="zh-CN" altLang="en-US"/>
-              <a:t>中介者模式也是用来降低类类之间的耦合</a:t>
-            </a:r>
-          </a:p>
-        </p:txBody>
-      </p:sp>
-      <p:pic>
-        <p:nvPicPr>
-          <p:cNvPr id="6" name="图片 5"/>
-          <p:cNvPicPr>
-            <a:picLocks noChangeAspect="1"/>
-          </p:cNvPicPr>
-          <p:nvPr/>
-        </p:nvPicPr>
-        <p:blipFill>
-          <a:blip r:embed="rId2" cstate="print"/>
-          <a:stretch>
-            <a:fillRect/>
-          </a:stretch>
-        </p:blipFill>
-        <p:spPr>
-          <a:xfrm>
-            <a:off x="518795" y="1056640"/>
-            <a:ext cx="6562090" cy="3390265"/>
-          </a:xfrm>
-          <a:prstGeom prst="rect">
-            <a:avLst/>
-          </a:prstGeom>
-        </p:spPr>
-      </p:pic>
-    </p:spTree>
-  </p:cSld>
-  <p:clrMapOvr>
-    <a:masterClrMapping/>
-  </p:clrMapOvr>
-  <p:timing>
-    <p:tnLst>
-      <p:par>
-        <p:cTn id="1" dur="indefinite" restart="never" nodeType="tmRoot"/>
-      </p:par>
-    </p:tnLst>
-  </p:timing>
-</p:sld>
-</file>
-
-<file path=ppt/slides/slide35.xml><?xml version="1.0" encoding="utf-8"?>
-<p:sld xmlns:a="http://schemas.openxmlformats.org/drawingml/2006/main" xmlns:r="http://schemas.openxmlformats.org/officeDocument/2006/relationships" xmlns:p="http://schemas.openxmlformats.org/presentationml/2006/main">
-  <p:cSld>
-    <p:spTree>
-      <p:nvGrpSpPr>
-        <p:cNvPr id="1" name=""/>
-        <p:cNvGrpSpPr/>
-        <p:nvPr/>
-      </p:nvGrpSpPr>
-      <p:grpSpPr>
-        <a:xfrm>
-          <a:off x="0" y="0"/>
-          <a:ext cx="0" cy="0"/>
-          <a:chOff x="0" y="0"/>
-          <a:chExt cx="0" cy="0"/>
-        </a:xfrm>
-      </p:grpSpPr>
-      <p:sp>
-        <p:nvSpPr>
-          <p:cNvPr id="2" name="标题 1"/>
-          <p:cNvSpPr>
-            <a:spLocks noGrp="1"/>
-          </p:cNvSpPr>
-          <p:nvPr>
-            <p:ph type="title"/>
-          </p:nvPr>
-        </p:nvSpPr>
-        <p:spPr>
-          <a:xfrm>
-            <a:off x="518864" y="225028"/>
-            <a:ext cx="8085584" cy="421556"/>
-          </a:xfrm>
-        </p:spPr>
-        <p:txBody>
-          <a:bodyPr/>
-          <a:lstStyle/>
-          <a:p>
-            <a:r>
-              <a:rPr lang="zh-CN" dirty="0"/>
-              <a:t>解释器模式（Interpreter）</a:t>
-            </a:r>
-          </a:p>
-        </p:txBody>
-      </p:sp>
-      <p:pic>
-        <p:nvPicPr>
-          <p:cNvPr id="7" name="内容占位符 6"/>
-          <p:cNvPicPr>
-            <a:picLocks noGrp="1" noChangeAspect="1"/>
-          </p:cNvPicPr>
-          <p:nvPr>
-            <p:ph idx="1"/>
-          </p:nvPr>
-        </p:nvPicPr>
-        <p:blipFill>
-          <a:blip r:embed="rId2" cstate="print"/>
-          <a:stretch>
-            <a:fillRect/>
-          </a:stretch>
-        </p:blipFill>
-        <p:spPr>
-          <a:xfrm>
-            <a:off x="518795" y="646430"/>
-            <a:ext cx="7655560" cy="3864610"/>
-          </a:xfrm>
-          <a:prstGeom prst="rect">
-            <a:avLst/>
-          </a:prstGeom>
-        </p:spPr>
-      </p:pic>
-    </p:spTree>
-  </p:cSld>
-  <p:clrMapOvr>
-    <a:masterClrMapping/>
-  </p:clrMapOvr>
-  <p:timing>
-    <p:tnLst>
-      <p:par>
-        <p:cTn id="1" dur="indefinite" restart="never" nodeType="tmRoot"/>
-      </p:par>
-    </p:tnLst>
-  </p:timing>
-</p:sld>
-</file>
-
-<file path=ppt/slides/slide36.xml><?xml version="1.0" encoding="utf-8"?>
 <p:sld xmlns:a="http://schemas.openxmlformats.org/drawingml/2006/main" xmlns:r="http://schemas.openxmlformats.org/officeDocument/2006/relationships" xmlns:p="http://schemas.openxmlformats.org/presentationml/2006/main">
   <p:cSld>
     <p:spTree>
@@ -11790,81 +12036,283 @@
           <a:chExt cx="0" cy="0"/>
         </a:xfrm>
       </p:grpSpPr>
-      <p:pic>
-        <p:nvPicPr>
-          <p:cNvPr id="5" name="内容占位符 4"/>
-          <p:cNvPicPr>
-            <a:picLocks noGrp="1" noChangeAspect="1"/>
-          </p:cNvPicPr>
+      <p:sp>
+        <p:nvSpPr>
+          <p:cNvPr id="3" name="内容占位符 2"/>
+          <p:cNvSpPr>
+            <a:spLocks noGrp="1"/>
+          </p:cNvSpPr>
           <p:nvPr>
             <p:ph idx="1"/>
           </p:nvPr>
-        </p:nvPicPr>
-        <p:blipFill>
-          <a:blip r:embed="rId2" cstate="print"/>
-          <a:stretch>
-            <a:fillRect/>
-          </a:stretch>
-        </p:blipFill>
+        </p:nvSpPr>
         <p:spPr>
           <a:xfrm>
-            <a:off x="807085" y="461010"/>
-            <a:ext cx="7120255" cy="3960495"/>
+            <a:off x="323528" y="987574"/>
+            <a:ext cx="8085584" cy="3960440"/>
+          </a:xfrm>
+        </p:spPr>
+        <p:txBody>
+          <a:bodyPr>
+            <a:normAutofit fontScale="92500" lnSpcReduction="10000"/>
+          </a:bodyPr>
+          <a:lstStyle/>
+          <a:p>
+            <a:r>
+              <a:rPr lang="zh-CN" altLang="en-US" dirty="0" smtClean="0"/>
+              <a:t>同步和异步 </a:t>
+            </a:r>
+            <a:endParaRPr lang="en-US" altLang="zh-CN" dirty="0" smtClean="0"/>
+          </a:p>
+          <a:p>
+            <a:pPr lvl="1"/>
+            <a:r>
+              <a:rPr lang="zh-CN" altLang="en-US" dirty="0" smtClean="0"/>
+              <a:t>同步</a:t>
+            </a:r>
+            <a:r>
+              <a:rPr lang="zh-CN" altLang="en-US" dirty="0" smtClean="0"/>
+              <a:t>方法一旦开始，必须等待方法调用返回后，才能继续后续的行为</a:t>
+            </a:r>
+          </a:p>
+          <a:p>
+            <a:pPr lvl="1"/>
+            <a:r>
+              <a:rPr lang="zh-CN" altLang="en-US" dirty="0" smtClean="0"/>
+              <a:t>异步方法一旦开始，方法调用就会立即返回，调用者可以继续后续的操作，不会阻碍调用者的</a:t>
+            </a:r>
+            <a:r>
+              <a:rPr lang="zh-CN" altLang="en-US" dirty="0" smtClean="0"/>
+              <a:t>工作</a:t>
+            </a:r>
+            <a:endParaRPr lang="en-US" altLang="zh-CN" dirty="0" smtClean="0"/>
+          </a:p>
+          <a:p>
+            <a:r>
+              <a:rPr lang="zh-CN" altLang="en-US" dirty="0" smtClean="0"/>
+              <a:t>并发与并行 </a:t>
+            </a:r>
+            <a:endParaRPr lang="en-US" altLang="zh-CN" dirty="0" smtClean="0"/>
+          </a:p>
+          <a:p>
+            <a:pPr lvl="1"/>
+            <a:r>
+              <a:rPr lang="zh-CN" altLang="en-US" dirty="0" smtClean="0"/>
+              <a:t>多个任务是真是的同时在</a:t>
+            </a:r>
+            <a:r>
+              <a:rPr lang="zh-CN" altLang="en-US" dirty="0" smtClean="0"/>
+              <a:t>执行</a:t>
+            </a:r>
+            <a:endParaRPr lang="en-US" altLang="zh-CN" dirty="0" smtClean="0"/>
+          </a:p>
+          <a:p>
+            <a:pPr lvl="1"/>
+            <a:r>
+              <a:rPr lang="zh-CN" altLang="en-US" dirty="0" smtClean="0"/>
+              <a:t>多个</a:t>
+            </a:r>
+            <a:r>
+              <a:rPr lang="zh-CN" altLang="en-US" dirty="0" smtClean="0"/>
+              <a:t>任务交替</a:t>
+            </a:r>
+            <a:r>
+              <a:rPr lang="zh-CN" altLang="en-US" dirty="0" smtClean="0"/>
+              <a:t>的在执行，观察者看来像是并行在</a:t>
+            </a:r>
+            <a:r>
+              <a:rPr lang="zh-CN" altLang="en-US" dirty="0" smtClean="0"/>
+              <a:t>执行</a:t>
+            </a:r>
+            <a:endParaRPr lang="en-US" altLang="zh-CN" dirty="0" smtClean="0"/>
+          </a:p>
+          <a:p>
+            <a:pPr marL="342900" lvl="1" indent="-342900">
+              <a:buFont typeface="Arial" panose="020B0604020202020204" pitchFamily="34" charset="0"/>
+              <a:buChar char="•"/>
+            </a:pPr>
+            <a:r>
+              <a:rPr lang="zh-CN" altLang="en-US" sz="1600" dirty="0" smtClean="0"/>
+              <a:t>临界区 </a:t>
+            </a:r>
+            <a:endParaRPr lang="en-US" altLang="zh-CN" sz="1600" dirty="0" smtClean="0"/>
+          </a:p>
+          <a:p>
+            <a:pPr lvl="1"/>
+            <a:r>
+              <a:rPr lang="zh-CN" altLang="en-US" dirty="0" smtClean="0"/>
+              <a:t>表示</a:t>
+            </a:r>
+            <a:r>
+              <a:rPr lang="zh-CN" altLang="en-US" dirty="0" smtClean="0"/>
+              <a:t>一种公共资源或者说是共享数据，可以被多个线程使用</a:t>
+            </a:r>
+            <a:endParaRPr lang="en-US" altLang="zh-CN" dirty="0" smtClean="0"/>
+          </a:p>
+          <a:p>
+            <a:pPr marL="342900" lvl="1" indent="-342900">
+              <a:buFont typeface="Arial" panose="020B0604020202020204" pitchFamily="34" charset="0"/>
+              <a:buChar char="•"/>
+            </a:pPr>
+            <a:r>
+              <a:rPr lang="zh-CN" altLang="en-US" sz="1600" dirty="0" smtClean="0"/>
+              <a:t>阻塞（</a:t>
+            </a:r>
+            <a:r>
+              <a:rPr lang="en-US" altLang="zh-CN" sz="1600" dirty="0" smtClean="0"/>
+              <a:t>Blocking</a:t>
+            </a:r>
+            <a:r>
+              <a:rPr lang="zh-CN" altLang="en-US" sz="1600" dirty="0" smtClean="0"/>
+              <a:t>）和非阻塞（</a:t>
+            </a:r>
+            <a:r>
+              <a:rPr lang="en-US" altLang="zh-CN" sz="1600" dirty="0" smtClean="0"/>
+              <a:t>Non-Blocking</a:t>
+            </a:r>
+            <a:r>
+              <a:rPr lang="zh-CN" altLang="en-US" sz="1600" dirty="0" smtClean="0"/>
+              <a:t>）</a:t>
+            </a:r>
+            <a:endParaRPr lang="en-US" altLang="zh-CN" sz="1600" dirty="0" smtClean="0"/>
+          </a:p>
+          <a:p>
+            <a:pPr lvl="1">
+              <a:buNone/>
+            </a:pPr>
+            <a:r>
+              <a:rPr lang="zh-CN" altLang="en-US" dirty="0" smtClean="0"/>
+              <a:t>阻塞和非阻塞用来形容多线程间的相互影响 </a:t>
+            </a:r>
+            <a:endParaRPr lang="en-US" altLang="zh-CN" dirty="0" smtClean="0"/>
+          </a:p>
+          <a:p>
+            <a:pPr lvl="1"/>
+            <a:r>
+              <a:rPr lang="zh-CN" altLang="en-US" dirty="0" smtClean="0"/>
+              <a:t>阻塞</a:t>
+            </a:r>
+            <a:r>
+              <a:rPr lang="zh-CN" altLang="en-US" dirty="0" smtClean="0"/>
+              <a:t>：一个线程占用了临界区资源，其他线程必须等待，导致线程</a:t>
+            </a:r>
+            <a:r>
+              <a:rPr lang="zh-CN" altLang="en-US" dirty="0" smtClean="0"/>
+              <a:t>挂起</a:t>
+            </a:r>
+            <a:endParaRPr lang="en-US" altLang="zh-CN" dirty="0" smtClean="0"/>
+          </a:p>
+          <a:p>
+            <a:pPr lvl="1"/>
+            <a:r>
+              <a:rPr lang="zh-CN" altLang="en-US" dirty="0" smtClean="0"/>
+              <a:t>非</a:t>
+            </a:r>
+            <a:r>
+              <a:rPr lang="zh-CN" altLang="en-US" dirty="0" smtClean="0"/>
+              <a:t>阻塞：没有一个线程可以阻碍其他线程</a:t>
+            </a:r>
+            <a:r>
+              <a:rPr lang="zh-CN" altLang="en-US" dirty="0" smtClean="0"/>
+              <a:t>执行</a:t>
+            </a:r>
+            <a:endParaRPr lang="en-US" altLang="zh-CN" sz="1600" dirty="0" smtClean="0"/>
+          </a:p>
+          <a:p>
+            <a:pPr marL="342900" lvl="1" indent="-342900">
+              <a:buFont typeface="Arial" panose="020B0604020202020204" pitchFamily="34" charset="0"/>
+              <a:buChar char="•"/>
+            </a:pPr>
+            <a:r>
+              <a:rPr lang="zh-CN" altLang="en-US" sz="1600" dirty="0" smtClean="0"/>
+              <a:t>死锁（</a:t>
+            </a:r>
+            <a:r>
+              <a:rPr lang="en-US" altLang="zh-CN" sz="1600" dirty="0" smtClean="0"/>
+              <a:t>Deadlock</a:t>
+            </a:r>
+            <a:r>
+              <a:rPr lang="zh-CN" altLang="en-US" sz="1600" dirty="0" smtClean="0"/>
+              <a:t>）、饥饿（</a:t>
+            </a:r>
+            <a:r>
+              <a:rPr lang="en-US" altLang="zh-CN" sz="1600" dirty="0" smtClean="0"/>
+              <a:t>Starvation</a:t>
+            </a:r>
+            <a:r>
+              <a:rPr lang="zh-CN" altLang="en-US" sz="1600" dirty="0" smtClean="0"/>
+              <a:t>）和活锁（</a:t>
+            </a:r>
+            <a:r>
+              <a:rPr lang="en-US" altLang="zh-CN" sz="1600" dirty="0" err="1" smtClean="0"/>
+              <a:t>Livelock</a:t>
+            </a:r>
+            <a:r>
+              <a:rPr lang="zh-CN" altLang="en-US" sz="1600" dirty="0" smtClean="0"/>
+              <a:t>） </a:t>
+            </a:r>
+            <a:endParaRPr lang="en-US" altLang="zh-CN" sz="1600" dirty="0" smtClean="0"/>
+          </a:p>
+          <a:p>
+            <a:pPr lvl="1"/>
+            <a:r>
+              <a:rPr lang="zh-CN" altLang="en-US" dirty="0" smtClean="0"/>
+              <a:t>死锁：多个线程彼此占用了各自需要的资源，而且彼此都不肯释放占用的资源</a:t>
+            </a:r>
+          </a:p>
+          <a:p>
+            <a:pPr lvl="1"/>
+            <a:r>
+              <a:rPr lang="zh-CN" altLang="en-US" dirty="0" smtClean="0"/>
+              <a:t>饥饿：一个或者多个线程因种种原因无法获得所需的资源，导致一直无法执行</a:t>
+            </a:r>
+          </a:p>
+          <a:p>
+            <a:pPr lvl="1"/>
+            <a:r>
+              <a:rPr lang="zh-CN" altLang="en-US" dirty="0" smtClean="0"/>
+              <a:t>活锁：两个或者多个线程主动释放资源给他人使用，资源不断的在两个线程中跳动，导致没有一个线程可以同时拿到所有资源而正常执行</a:t>
+            </a:r>
+          </a:p>
+          <a:p>
+            <a:pPr marL="342900" lvl="1" indent="-342900">
+              <a:buFont typeface="Arial" panose="020B0604020202020204" pitchFamily="34" charset="0"/>
+              <a:buChar char="•"/>
+            </a:pPr>
+            <a:endParaRPr lang="en-US" altLang="zh-CN" sz="1600" dirty="0" smtClean="0"/>
+          </a:p>
+        </p:txBody>
+      </p:sp>
+      <p:sp>
+        <p:nvSpPr>
+          <p:cNvPr id="4" name="TextBox 3"/>
+          <p:cNvSpPr txBox="1"/>
+          <p:nvPr/>
+        </p:nvSpPr>
+        <p:spPr>
+          <a:xfrm>
+            <a:off x="323528" y="483518"/>
+            <a:ext cx="5328592" cy="369332"/>
           </a:xfrm>
           <a:prstGeom prst="rect">
             <a:avLst/>
           </a:prstGeom>
+          <a:noFill/>
         </p:spPr>
-      </p:pic>
-    </p:spTree>
-  </p:cSld>
-  <p:clrMapOvr>
-    <a:masterClrMapping/>
-  </p:clrMapOvr>
-</p:sld>
-</file>
-
-<file path=ppt/slides/slide5.xml><?xml version="1.0" encoding="utf-8"?>
-<p:sld xmlns:a="http://schemas.openxmlformats.org/drawingml/2006/main" xmlns:r="http://schemas.openxmlformats.org/officeDocument/2006/relationships" xmlns:p="http://schemas.openxmlformats.org/presentationml/2006/main">
-  <p:cSld>
-    <p:spTree>
-      <p:nvGrpSpPr>
-        <p:cNvPr id="1" name=""/>
-        <p:cNvGrpSpPr/>
-        <p:nvPr/>
-      </p:nvGrpSpPr>
-      <p:grpSpPr>
-        <a:xfrm>
-          <a:off x="0" y="0"/>
-          <a:ext cx="0" cy="0"/>
-          <a:chOff x="0" y="0"/>
-          <a:chExt cx="0" cy="0"/>
-        </a:xfrm>
-      </p:grpSpPr>
-      <p:pic>
-        <p:nvPicPr>
-          <p:cNvPr id="4" name="图片 3"/>
-          <p:cNvPicPr>
-            <a:picLocks noChangeAspect="1"/>
-          </p:cNvPicPr>
-          <p:nvPr/>
-        </p:nvPicPr>
-        <p:blipFill>
-          <a:blip r:embed="rId3" cstate="print"/>
-          <a:stretch>
-            <a:fillRect/>
-          </a:stretch>
-        </p:blipFill>
-        <p:spPr>
-          <a:xfrm>
-            <a:off x="120650" y="1554480"/>
-            <a:ext cx="8902700" cy="1673860"/>
-          </a:xfrm>
-          <a:prstGeom prst="rect">
-            <a:avLst/>
-          </a:prstGeom>
-        </p:spPr>
-      </p:pic>
+        <p:txBody>
+          <a:bodyPr wrap="square" rtlCol="0">
+            <a:spAutoFit/>
+          </a:bodyPr>
+          <a:lstStyle/>
+          <a:p>
+            <a:r>
+              <a:rPr lang="zh-CN" altLang="en-US" b="1" dirty="0" smtClean="0"/>
+              <a:t>基本概念</a:t>
+            </a:r>
+            <a:endParaRPr lang="zh-CN" altLang="en-US" b="1" dirty="0"/>
+          </a:p>
+        </p:txBody>
+      </p:sp>
     </p:spTree>
   </p:cSld>
   <p:clrMapOvr>
@@ -11880,7 +12328,7 @@
 </p:sld>
 </file>
 
-<file path=ppt/slides/slide6.xml><?xml version="1.0" encoding="utf-8"?>
+<file path=ppt/slides/slide5.xml><?xml version="1.0" encoding="utf-8"?>
 <p:sld xmlns:a="http://schemas.openxmlformats.org/drawingml/2006/main" xmlns:r="http://schemas.openxmlformats.org/officeDocument/2006/relationships" xmlns:p="http://schemas.openxmlformats.org/presentationml/2006/main">
   <p:cSld>
     <p:spTree>
@@ -11918,9 +12366,10 @@
           <a:lstStyle/>
           <a:p>
             <a:r>
-              <a:rPr kumimoji="1" lang="zh-CN" altLang="en-US" dirty="0"/>
-              <a:t>工厂方法模式</a:t>
-            </a:r>
+              <a:rPr kumimoji="1" lang="zh-CN" altLang="en-US" dirty="0" smtClean="0"/>
+              <a:t>并发级别</a:t>
+            </a:r>
+            <a:endParaRPr kumimoji="1" lang="zh-CN" altLang="en-US" dirty="0"/>
           </a:p>
         </p:txBody>
       </p:sp>
@@ -11941,43 +12390,94 @@
           </a:xfrm>
         </p:spPr>
         <p:txBody>
-          <a:bodyPr/>
+          <a:bodyPr>
+            <a:normAutofit lnSpcReduction="10000"/>
+          </a:bodyPr>
           <a:lstStyle/>
           <a:p>
-            <a:r>
-              <a:rPr lang="zh-CN" altLang="en-US"/>
-              <a:t>普通工厂方法</a:t>
-            </a:r>
-          </a:p>
-          <a:p>
-            <a:endParaRPr lang="zh-CN" altLang="en-US"/>
+            <a:pPr>
+              <a:buNone/>
+            </a:pPr>
+            <a:r>
+              <a:rPr lang="zh-CN" altLang="en-US" dirty="0" smtClean="0"/>
+              <a:t>由于临界区的存在，多线程之间的并发必须受到控制。根据控制并发的策略，可以把并发级别进行分类：阻塞、无饥饿、无障碍、无锁、无</a:t>
+            </a:r>
+            <a:r>
+              <a:rPr lang="zh-CN" altLang="en-US" dirty="0" smtClean="0"/>
+              <a:t>等待</a:t>
+            </a:r>
+            <a:endParaRPr lang="en-US" altLang="zh-CN" dirty="0" smtClean="0"/>
+          </a:p>
+          <a:p>
+            <a:r>
+              <a:rPr lang="zh-CN" altLang="en-US" dirty="0" smtClean="0"/>
+              <a:t>阻塞 </a:t>
+            </a:r>
+            <a:br>
+              <a:rPr lang="zh-CN" altLang="en-US" dirty="0" smtClean="0"/>
+            </a:br>
+            <a:r>
+              <a:rPr lang="zh-CN" altLang="en-US" dirty="0" smtClean="0"/>
+              <a:t>一个线程是阻塞的，那么在其他线程释放资源之前，当前线程会被挂起无法继续执行。</a:t>
+            </a:r>
+          </a:p>
+          <a:p>
+            <a:r>
+              <a:rPr lang="zh-CN" altLang="en-US" dirty="0" smtClean="0"/>
+              <a:t>无饥饿 </a:t>
+            </a:r>
+            <a:br>
+              <a:rPr lang="zh-CN" altLang="en-US" dirty="0" smtClean="0"/>
+            </a:br>
+            <a:r>
+              <a:rPr lang="zh-CN" altLang="en-US" dirty="0" smtClean="0"/>
+              <a:t>不公平锁可能导致低优先级的线程产生饥饿，公平锁就不会产生饥饿。</a:t>
+            </a:r>
+          </a:p>
+          <a:p>
+            <a:r>
+              <a:rPr lang="zh-CN" altLang="en-US" dirty="0" smtClean="0"/>
+              <a:t>无障碍 </a:t>
+            </a:r>
+            <a:br>
+              <a:rPr lang="zh-CN" altLang="en-US" dirty="0" smtClean="0"/>
+            </a:br>
+            <a:r>
+              <a:rPr lang="zh-CN" altLang="en-US" dirty="0" smtClean="0"/>
+              <a:t>无障碍是一种最弱的非阻塞调度。多个线程之间可能不会产生冲突，无障碍的执行，一旦检测到冲突，则进行回滚。</a:t>
+            </a:r>
+          </a:p>
+          <a:p>
+            <a:r>
+              <a:rPr lang="zh-CN" altLang="en-US" dirty="0" smtClean="0"/>
+              <a:t>无锁 </a:t>
+            </a:r>
+            <a:br>
+              <a:rPr lang="zh-CN" altLang="en-US" dirty="0" smtClean="0"/>
+            </a:br>
+            <a:r>
+              <a:rPr lang="zh-CN" altLang="en-US" dirty="0" smtClean="0"/>
+              <a:t>所有线程都尝试对临界区进行访问，但必须保证有一个线程能够在有限步内完成操作离开临界区</a:t>
+            </a:r>
+          </a:p>
+          <a:p>
+            <a:r>
+              <a:rPr lang="zh-CN" altLang="en-US" dirty="0" smtClean="0"/>
+              <a:t>无等待 </a:t>
+            </a:r>
+            <a:br>
+              <a:rPr lang="zh-CN" altLang="en-US" dirty="0" smtClean="0"/>
+            </a:br>
+            <a:r>
+              <a:rPr lang="zh-CN" altLang="en-US" dirty="0" smtClean="0"/>
+              <a:t>无锁只要求一个线程在有限步内完成操作，无等待要求所有的线程在有限步内完成操作，这样就不会产生饥饿问题</a:t>
+            </a:r>
+          </a:p>
+          <a:p>
+            <a:endParaRPr lang="zh-CN" altLang="en-US" dirty="0"/>
           </a:p>
         </p:txBody>
       </p:sp>
-      <p:pic>
-        <p:nvPicPr>
-          <p:cNvPr id="9" name="图片 8"/>
-          <p:cNvPicPr>
-            <a:picLocks noChangeAspect="1"/>
-          </p:cNvPicPr>
-          <p:nvPr/>
-        </p:nvPicPr>
-        <p:blipFill>
-          <a:blip r:embed="rId2" cstate="print"/>
-          <a:stretch>
-            <a:fillRect/>
-          </a:stretch>
-        </p:blipFill>
-        <p:spPr>
-          <a:xfrm>
-            <a:off x="782320" y="1223010"/>
-            <a:ext cx="8023860" cy="3291840"/>
-          </a:xfrm>
-          <a:prstGeom prst="rect">
-            <a:avLst/>
-          </a:prstGeom>
-        </p:spPr>
-      </p:pic>
     </p:spTree>
   </p:cSld>
   <p:clrMapOvr>
@@ -11993,7 +12493,7 @@
 </p:sld>
 </file>
 
-<file path=ppt/slides/slide7.xml><?xml version="1.0" encoding="utf-8"?>
+<file path=ppt/slides/slide6.xml><?xml version="1.0" encoding="utf-8"?>
 <p:sld xmlns:a="http://schemas.openxmlformats.org/drawingml/2006/main" xmlns:r="http://schemas.openxmlformats.org/officeDocument/2006/relationships" xmlns:p="http://schemas.openxmlformats.org/presentationml/2006/main">
   <p:cSld>
     <p:spTree>
@@ -12031,39 +12531,130 @@
           <a:lstStyle/>
           <a:p>
             <a:r>
-              <a:rPr lang="zh-CN" altLang="en-US"/>
-              <a:t>多个工厂方法</a:t>
-            </a:r>
-          </a:p>
-          <a:p>
-            <a:endParaRPr lang="zh-CN" altLang="en-US"/>
+              <a:rPr lang="zh-CN" altLang="en-US" dirty="0" smtClean="0"/>
+              <a:t>问题</a:t>
+            </a:r>
+            <a:endParaRPr lang="en-US" altLang="zh-CN" dirty="0" smtClean="0"/>
+          </a:p>
+          <a:p>
+            <a:pPr lvl="1"/>
+            <a:r>
+              <a:rPr lang="en-US" altLang="zh-CN" dirty="0" smtClean="0"/>
+              <a:t>1. </a:t>
+            </a:r>
+            <a:r>
+              <a:rPr lang="zh-CN" altLang="en-US" dirty="0" smtClean="0"/>
+              <a:t>为什么要提倡多线程编程，并行程序的好处？</a:t>
+            </a:r>
+          </a:p>
+          <a:p>
+            <a:pPr lvl="1"/>
+            <a:r>
+              <a:rPr lang="en-US" altLang="zh-CN" dirty="0" smtClean="0"/>
+              <a:t>2. </a:t>
+            </a:r>
+            <a:r>
+              <a:rPr lang="zh-CN" altLang="en-US" dirty="0" smtClean="0"/>
+              <a:t>进程与线程，线程实现的方式？</a:t>
+            </a:r>
+          </a:p>
+          <a:p>
+            <a:endParaRPr lang="zh-CN" altLang="en-US" dirty="0"/>
           </a:p>
         </p:txBody>
       </p:sp>
-      <p:pic>
-        <p:nvPicPr>
-          <p:cNvPr id="9" name="图片 8"/>
-          <p:cNvPicPr>
-            <a:picLocks noChangeAspect="1"/>
-          </p:cNvPicPr>
-          <p:nvPr/>
-        </p:nvPicPr>
-        <p:blipFill>
-          <a:blip r:embed="rId3" cstate="print"/>
-          <a:stretch>
-            <a:fillRect/>
-          </a:stretch>
-        </p:blipFill>
-        <p:spPr>
-          <a:xfrm>
-            <a:off x="762000" y="1262380"/>
-            <a:ext cx="7619365" cy="3209290"/>
-          </a:xfrm>
-          <a:prstGeom prst="rect">
-            <a:avLst/>
-          </a:prstGeom>
-        </p:spPr>
-      </p:pic>
+    </p:spTree>
+  </p:cSld>
+  <p:clrMapOvr>
+    <a:masterClrMapping/>
+  </p:clrMapOvr>
+  <p:timing>
+    <p:tnLst>
+      <p:par>
+        <p:cTn id="1" dur="indefinite" restart="never" nodeType="tmRoot"/>
+      </p:par>
+    </p:tnLst>
+  </p:timing>
+</p:sld>
+</file>
+
+<file path=ppt/slides/slide7.xml><?xml version="1.0" encoding="utf-8"?>
+<p:sld xmlns:a="http://schemas.openxmlformats.org/drawingml/2006/main" xmlns:r="http://schemas.openxmlformats.org/officeDocument/2006/relationships" xmlns:p="http://schemas.openxmlformats.org/presentationml/2006/main">
+  <p:cSld>
+    <p:spTree>
+      <p:nvGrpSpPr>
+        <p:cNvPr id="1" name=""/>
+        <p:cNvGrpSpPr/>
+        <p:nvPr/>
+      </p:nvGrpSpPr>
+      <p:grpSpPr>
+        <a:xfrm>
+          <a:off x="0" y="0"/>
+          <a:ext cx="0" cy="0"/>
+          <a:chOff x="0" y="0"/>
+          <a:chExt cx="0" cy="0"/>
+        </a:xfrm>
+      </p:grpSpPr>
+      <p:sp>
+        <p:nvSpPr>
+          <p:cNvPr id="2" name="标题 1"/>
+          <p:cNvSpPr>
+            <a:spLocks noGrp="1"/>
+          </p:cNvSpPr>
+          <p:nvPr>
+            <p:ph type="title"/>
+          </p:nvPr>
+        </p:nvSpPr>
+        <p:spPr/>
+        <p:txBody>
+          <a:bodyPr/>
+          <a:lstStyle/>
+          <a:p>
+            <a:r>
+              <a:rPr kumimoji="1" lang="zh-CN" altLang="en-US" dirty="0" smtClean="0"/>
+              <a:t>并行程序的好处</a:t>
+            </a:r>
+            <a:endParaRPr kumimoji="1" lang="zh-CN" altLang="en-US" dirty="0"/>
+          </a:p>
+        </p:txBody>
+      </p:sp>
+      <p:sp>
+        <p:nvSpPr>
+          <p:cNvPr id="5" name="内容占位符 4"/>
+          <p:cNvSpPr>
+            <a:spLocks noGrp="1"/>
+          </p:cNvSpPr>
+          <p:nvPr>
+            <p:ph idx="1"/>
+          </p:nvPr>
+        </p:nvSpPr>
+        <p:spPr/>
+        <p:txBody>
+          <a:bodyPr/>
+          <a:lstStyle/>
+          <a:p>
+            <a:r>
+              <a:rPr lang="zh-CN" altLang="en-US" dirty="0" smtClean="0"/>
+              <a:t>发挥多核处理器的强大能力</a:t>
+            </a:r>
+            <a:endParaRPr lang="en-US" altLang="zh-CN" dirty="0" smtClean="0"/>
+          </a:p>
+          <a:p>
+            <a:r>
+              <a:rPr lang="zh-CN" altLang="en-US" dirty="0" smtClean="0"/>
+              <a:t>建模的简单性</a:t>
+            </a:r>
+            <a:endParaRPr lang="en-US" altLang="zh-CN" dirty="0" smtClean="0"/>
+          </a:p>
+          <a:p>
+            <a:r>
+              <a:rPr lang="zh-CN" altLang="en-US" dirty="0" smtClean="0"/>
+              <a:t>异步事件的简化处理</a:t>
+            </a:r>
+            <a:endParaRPr lang="zh-CN" altLang="en-US" dirty="0"/>
+          </a:p>
+        </p:txBody>
+      </p:sp>
     </p:spTree>
   </p:cSld>
   <p:clrMapOvr>
@@ -12098,7 +12689,30 @@
       </p:grpSpPr>
       <p:sp>
         <p:nvSpPr>
-          <p:cNvPr id="7" name="内容占位符 6"/>
+          <p:cNvPr id="2" name="标题 1"/>
+          <p:cNvSpPr>
+            <a:spLocks noGrp="1"/>
+          </p:cNvSpPr>
+          <p:nvPr>
+            <p:ph type="title"/>
+          </p:nvPr>
+        </p:nvSpPr>
+        <p:spPr/>
+        <p:txBody>
+          <a:bodyPr/>
+          <a:lstStyle/>
+          <a:p>
+            <a:r>
+              <a:rPr lang="zh-CN" altLang="en-US" dirty="0" smtClean="0"/>
+              <a:t>进程与线程</a:t>
+            </a:r>
+            <a:endParaRPr dirty="0"/>
+          </a:p>
+        </p:txBody>
+      </p:sp>
+      <p:sp>
+        <p:nvSpPr>
+          <p:cNvPr id="4" name="内容占位符 3"/>
           <p:cNvSpPr>
             <a:spLocks noGrp="1"/>
           </p:cNvSpPr>
@@ -12106,50 +12720,43 @@
             <p:ph idx="1"/>
           </p:nvPr>
         </p:nvSpPr>
-        <p:spPr>
-          <a:xfrm>
-            <a:off x="638244" y="771550"/>
-            <a:ext cx="8085584" cy="3960440"/>
-          </a:xfrm>
-        </p:spPr>
+        <p:spPr/>
         <p:txBody>
           <a:bodyPr/>
           <a:lstStyle/>
           <a:p>
             <a:r>
-              <a:rPr lang="zh-CN" altLang="en-US"/>
-              <a:t>抽象工厂方法</a:t>
-            </a:r>
-          </a:p>
-          <a:p>
-            <a:endParaRPr lang="zh-CN" altLang="en-US"/>
+              <a:rPr lang="zh-CN" altLang="en-US" dirty="0" smtClean="0"/>
+              <a:t>进程：是计算机中的程序关于某数据集合上的一次运行活动，是系统进行资源分配和调度的基本单位，是操作系统结构的基础，在当代面向线程设计的计算机结构中，进程是线程的容器。</a:t>
+            </a:r>
+          </a:p>
+          <a:p>
+            <a:r>
+              <a:rPr lang="zh-CN" altLang="en-US" dirty="0" smtClean="0"/>
+              <a:t>线程：线程是轻量级的进程，是程序执行的最小单位，各个线程可以共享进程的资源（内存地址、</a:t>
+            </a:r>
+            <a:r>
+              <a:rPr lang="en-US" altLang="zh-CN" dirty="0" smtClean="0"/>
+              <a:t>IO</a:t>
+            </a:r>
+            <a:r>
+              <a:rPr lang="zh-CN" altLang="en-US" dirty="0" smtClean="0"/>
+              <a:t>等），又可以单独调度（线程是</a:t>
+            </a:r>
+            <a:r>
+              <a:rPr lang="en-US" altLang="zh-CN" dirty="0" smtClean="0"/>
+              <a:t>CPU</a:t>
+            </a:r>
+            <a:r>
+              <a:rPr lang="zh-CN" altLang="en-US" dirty="0" smtClean="0"/>
+              <a:t>调度的基本单位）。</a:t>
+            </a:r>
+          </a:p>
+          <a:p>
+            <a:endParaRPr lang="zh-CN" altLang="en-US" dirty="0"/>
           </a:p>
         </p:txBody>
       </p:sp>
-      <p:pic>
-        <p:nvPicPr>
-          <p:cNvPr id="2" name="图片 1"/>
-          <p:cNvPicPr>
-            <a:picLocks noChangeAspect="1"/>
-          </p:cNvPicPr>
-          <p:nvPr/>
-        </p:nvPicPr>
-        <p:blipFill>
-          <a:blip r:embed="rId3" cstate="print"/>
-          <a:stretch>
-            <a:fillRect/>
-          </a:stretch>
-        </p:blipFill>
-        <p:spPr>
-          <a:xfrm>
-            <a:off x="767080" y="1443355"/>
-            <a:ext cx="8101330" cy="2616835"/>
-          </a:xfrm>
-          <a:prstGeom prst="rect">
-            <a:avLst/>
-          </a:prstGeom>
-        </p:spPr>
-      </p:pic>
     </p:spTree>
   </p:cSld>
   <p:clrMapOvr>
@@ -12198,15 +12805,16 @@
           <a:lstStyle/>
           <a:p>
             <a:r>
-              <a:rPr kumimoji="1" lang="zh-CN" altLang="en-US" dirty="0"/>
-              <a:t>单例模式</a:t>
-            </a:r>
+              <a:rPr lang="zh-CN" altLang="en-US" dirty="0" smtClean="0"/>
+              <a:t>线程的实现</a:t>
+            </a:r>
+            <a:endParaRPr dirty="0"/>
           </a:p>
         </p:txBody>
       </p:sp>
       <p:sp>
         <p:nvSpPr>
-          <p:cNvPr id="8" name="内容占位符 7"/>
+          <p:cNvPr id="4" name="内容占位符 3"/>
           <p:cNvSpPr>
             <a:spLocks noGrp="1"/>
           </p:cNvSpPr>
@@ -12214,49 +12822,149 @@
             <p:ph idx="1"/>
           </p:nvPr>
         </p:nvSpPr>
-        <p:spPr>
-          <a:xfrm>
-            <a:off x="642620" y="596265"/>
-            <a:ext cx="6390005" cy="371475"/>
-          </a:xfrm>
-        </p:spPr>
+        <p:spPr/>
         <p:txBody>
-          <a:bodyPr>
-            <a:normAutofit/>
-          </a:bodyPr>
+          <a:bodyPr/>
           <a:lstStyle/>
           <a:p>
             <a:r>
-              <a:rPr kumimoji="1" lang="zh-CN" altLang="en-US" dirty="0"/>
-              <a:t>饿汉式</a:t>
-            </a:r>
+              <a:rPr lang="zh-CN" altLang="en-US" dirty="0" smtClean="0"/>
+              <a:t>使用内核线程实现 </a:t>
+            </a:r>
+            <a:endParaRPr lang="en-US" altLang="zh-CN" dirty="0" smtClean="0"/>
+          </a:p>
+          <a:p>
+            <a:r>
+              <a:rPr lang="zh-CN" altLang="en-US" dirty="0" smtClean="0"/>
+              <a:t>使用用户线程实现 </a:t>
+            </a:r>
+            <a:endParaRPr lang="en-US" altLang="zh-CN" dirty="0" smtClean="0"/>
+          </a:p>
+          <a:p>
+            <a:r>
+              <a:rPr lang="zh-CN" altLang="en-US" dirty="0" smtClean="0"/>
+              <a:t>使用用户线程加轻量级进程混合</a:t>
+            </a:r>
+            <a:r>
+              <a:rPr lang="zh-CN" altLang="en-US" dirty="0" smtClean="0"/>
+              <a:t>实现</a:t>
+            </a:r>
+            <a:endParaRPr lang="en-US" altLang="zh-CN" dirty="0" smtClean="0"/>
+          </a:p>
+          <a:p>
+            <a:r>
+              <a:rPr lang="en-US" altLang="zh-CN" dirty="0" smtClean="0"/>
+              <a:t>Java</a:t>
+            </a:r>
+            <a:r>
+              <a:rPr lang="zh-CN" altLang="en-US" dirty="0" smtClean="0"/>
+              <a:t>线程的实现</a:t>
+            </a:r>
+            <a:br>
+              <a:rPr lang="zh-CN" altLang="en-US" dirty="0" smtClean="0"/>
+            </a:br>
+            <a:r>
+              <a:rPr lang="en-US" altLang="zh-CN" dirty="0" smtClean="0"/>
+              <a:t>Java</a:t>
+            </a:r>
+            <a:r>
+              <a:rPr lang="zh-CN" altLang="en-US" dirty="0" smtClean="0"/>
+              <a:t>线程在</a:t>
+            </a:r>
+            <a:r>
+              <a:rPr lang="en-US" altLang="zh-CN" dirty="0" smtClean="0"/>
+              <a:t>JDK 1.2</a:t>
+            </a:r>
+            <a:r>
+              <a:rPr lang="zh-CN" altLang="en-US" dirty="0" smtClean="0"/>
+              <a:t>之前， 是基于称为“绿色线程” （</a:t>
+            </a:r>
+            <a:r>
+              <a:rPr lang="en-US" altLang="zh-CN" dirty="0" smtClean="0"/>
+              <a:t>Green Threads</a:t>
+            </a:r>
+            <a:r>
+              <a:rPr lang="zh-CN" altLang="en-US" dirty="0" smtClean="0"/>
+              <a:t>） 的用户线程实现的， 而在</a:t>
+            </a:r>
+            <a:r>
+              <a:rPr lang="en-US" altLang="zh-CN" dirty="0" smtClean="0"/>
+              <a:t>JDK 1.2</a:t>
+            </a:r>
+            <a:r>
+              <a:rPr lang="zh-CN" altLang="en-US" dirty="0" smtClean="0"/>
+              <a:t>中</a:t>
+            </a:r>
+            <a:r>
+              <a:rPr lang="zh-CN" altLang="en-US" dirty="0" smtClean="0"/>
+              <a:t>，线程</a:t>
+            </a:r>
+            <a:r>
+              <a:rPr lang="zh-CN" altLang="en-US" dirty="0" smtClean="0"/>
+              <a:t>模型替换为基于操作系统原生线程模型来实现</a:t>
+            </a:r>
+            <a:r>
+              <a:rPr lang="zh-CN" altLang="en-US" dirty="0" smtClean="0"/>
+              <a:t>。</a:t>
+            </a:r>
+            <a:r>
+              <a:rPr lang="zh-CN" altLang="en-US" dirty="0" smtClean="0"/>
+              <a:t>因此， 在目前的</a:t>
+            </a:r>
+            <a:r>
+              <a:rPr lang="en-US" altLang="zh-CN" dirty="0" smtClean="0"/>
+              <a:t>JDK</a:t>
+            </a:r>
+            <a:r>
+              <a:rPr lang="zh-CN" altLang="en-US" dirty="0" smtClean="0"/>
+              <a:t>版本中， 操作系统支持怎样的线程模型</a:t>
+            </a:r>
+            <a:r>
+              <a:rPr lang="zh-CN" altLang="en-US" dirty="0" smtClean="0"/>
+              <a:t>，在</a:t>
+            </a:r>
+            <a:r>
+              <a:rPr lang="zh-CN" altLang="en-US" dirty="0" smtClean="0"/>
+              <a:t>很大程度上决定了</a:t>
+            </a:r>
+            <a:r>
+              <a:rPr lang="en-US" altLang="zh-CN" dirty="0" smtClean="0"/>
+              <a:t>Java</a:t>
+            </a:r>
+            <a:r>
+              <a:rPr lang="zh-CN" altLang="en-US" dirty="0" smtClean="0"/>
+              <a:t>虚拟机的线程是怎样映射的， 这点在不同的平台上没有办法达成一致， 虚拟机规范中也</a:t>
+            </a:r>
+            <a:r>
+              <a:rPr lang="zh-CN" altLang="en-US" dirty="0" smtClean="0"/>
+              <a:t>并未</a:t>
+            </a:r>
+            <a:r>
+              <a:rPr lang="zh-CN" altLang="en-US" dirty="0" smtClean="0"/>
+              <a:t>限定</a:t>
+            </a:r>
+            <a:r>
+              <a:rPr lang="en-US" altLang="zh-CN" dirty="0" smtClean="0"/>
+              <a:t>Java</a:t>
+            </a:r>
+            <a:r>
+              <a:rPr lang="zh-CN" altLang="en-US" dirty="0" smtClean="0"/>
+              <a:t>线程需要使用哪种线程模型来实现。 </a:t>
+            </a:r>
+            <a:br>
+              <a:rPr lang="zh-CN" altLang="en-US" dirty="0" smtClean="0"/>
+            </a:br>
+            <a:r>
+              <a:rPr lang="zh-CN" altLang="en-US" dirty="0" smtClean="0"/>
+              <a:t> </a:t>
+            </a:r>
+            <a:br>
+              <a:rPr lang="zh-CN" altLang="en-US" dirty="0" smtClean="0"/>
+            </a:br>
+            <a:endParaRPr lang="zh-CN" altLang="en-US" dirty="0"/>
           </a:p>
         </p:txBody>
       </p:sp>
-      <p:pic>
-        <p:nvPicPr>
-          <p:cNvPr id="9" name="图片 8"/>
-          <p:cNvPicPr>
-            <a:picLocks noChangeAspect="1"/>
-          </p:cNvPicPr>
-          <p:nvPr/>
-        </p:nvPicPr>
-        <p:blipFill>
-          <a:blip r:embed="rId2" cstate="print"/>
-          <a:stretch>
-            <a:fillRect/>
-          </a:stretch>
-        </p:blipFill>
-        <p:spPr>
-          <a:xfrm>
-            <a:off x="706755" y="1052195"/>
-            <a:ext cx="7146290" cy="3332480"/>
-          </a:xfrm>
-          <a:prstGeom prst="rect">
-            <a:avLst/>
-          </a:prstGeom>
-        </p:spPr>
-      </p:pic>
     </p:spTree>
   </p:cSld>
   <p:clrMapOvr>
@@ -12554,7 +13262,7 @@
   <a:extraClrSchemeLst/>
   <a:extLst>
     <a:ext uri="{05A4C25C-085E-4340-85A3-A5531E510DB2}">
-      <thm15:themeFamily xmlns:thm15="http://schemas.microsoft.com/office/thememl/2012/main" xmlns="" name="Office Theme" id="{62F939B6-93AF-4DB8-9C6B-D6C7DFDC589F}" vid="{4A3C46E8-61CC-4603-A589-7422A47A8E4A}"/>
+      <thm15:themeFamily xmlns="" xmlns:thm15="http://schemas.microsoft.com/office/thememl/2012/main" name="Office Theme" id="{62F939B6-93AF-4DB8-9C6B-D6C7DFDC589F}" vid="{4A3C46E8-61CC-4603-A589-7422A47A8E4A}"/>
     </a:ext>
   </a:extLst>
 </a:theme>
@@ -12815,7 +13523,7 @@
   <a:extraClrSchemeLst/>
   <a:extLst>
     <a:ext uri="{05A4C25C-085E-4340-85A3-A5531E510DB2}">
-      <thm15:themeFamily xmlns:thm15="http://schemas.microsoft.com/office/thememl/2012/main" xmlns="" name="Office Theme" id="{62F939B6-93AF-4DB8-9C6B-D6C7DFDC589F}" vid="{4A3C46E8-61CC-4603-A589-7422A47A8E4A}"/>
+      <thm15:themeFamily xmlns="" xmlns:thm15="http://schemas.microsoft.com/office/thememl/2012/main" name="Office Theme" id="{62F939B6-93AF-4DB8-9C6B-D6C7DFDC589F}" vid="{4A3C46E8-61CC-4603-A589-7422A47A8E4A}"/>
     </a:ext>
   </a:extLst>
 </a:theme>
@@ -13103,7 +13811,7 @@
   <a:extraClrSchemeLst/>
   <a:extLst>
     <a:ext uri="{05A4C25C-085E-4340-85A3-A5531E510DB2}">
-      <thm15:themeFamily xmlns:thm15="http://schemas.microsoft.com/office/thememl/2012/main" xmlns="" name="Office Theme" id="{62F939B6-93AF-4DB8-9C6B-D6C7DFDC589F}" vid="{4A3C46E8-61CC-4603-A589-7422A47A8E4A}"/>
+      <thm15:themeFamily xmlns="" xmlns:thm15="http://schemas.microsoft.com/office/thememl/2012/main" name="Office Theme" id="{62F939B6-93AF-4DB8-9C6B-D6C7DFDC589F}" vid="{4A3C46E8-61CC-4603-A589-7422A47A8E4A}"/>
     </a:ext>
   </a:extLst>
 </a:theme>
